--- a/GUI/GUI_image.pptx
+++ b/GUI/GUI_image.pptx
@@ -6,6 +6,10 @@
   </p:sldMasterIdLst>
   <p:sldIdLst>
     <p:sldId id="256" r:id="rId2"/>
+    <p:sldId id="257" r:id="rId3"/>
+    <p:sldId id="258" r:id="rId4"/>
+    <p:sldId id="259" r:id="rId5"/>
+    <p:sldId id="260" r:id="rId6"/>
   </p:sldIdLst>
   <p:sldSz cx="12192000" cy="6858000"/>
   <p:notesSz cx="6858000" cy="9144000"/>
@@ -104,6 +108,11 @@
       </a:defRPr>
     </a:lvl9pPr>
   </p:defaultTextStyle>
+  <p:extLst>
+    <p:ext uri="{EFAFB233-063F-42B5-8137-9DF3F51BA10A}">
+      <p15:sldGuideLst xmlns:p15="http://schemas.microsoft.com/office/powerpoint/2012/main"/>
+    </p:ext>
+  </p:extLst>
 </p:presentation>
 </file>
 
@@ -3675,8 +3684,8 @@
         </p:nvSpPr>
         <p:spPr>
           <a:xfrm>
-            <a:off x="5373219" y="847491"/>
-            <a:ext cx="2339102" cy="276999"/>
+            <a:off x="5373218" y="759841"/>
+            <a:ext cx="2339102" cy="528093"/>
           </a:xfrm>
           <a:prstGeom prst="rect">
             <a:avLst/>
@@ -3689,9 +3698,30 @@
           </a:bodyPr>
           <a:lstStyle/>
           <a:p>
+            <a:pPr algn="ctr"/>
             <a:r>
               <a:rPr lang="ja-JP" altLang="en-US" sz="1200" dirty="0"/>
               <a:t>周期的なイベントを管理しよう</a:t>
+            </a:r>
+            <a:endParaRPr lang="en-US" altLang="ja-JP" sz="1200" dirty="0"/>
+          </a:p>
+          <a:p>
+            <a:pPr algn="ctr">
+              <a:lnSpc>
+                <a:spcPct val="150000"/>
+              </a:lnSpc>
+            </a:pPr>
+            <a:r>
+              <a:rPr lang="en-US" altLang="ja-JP" sz="1200" dirty="0"/>
+              <a:t>- </a:t>
+            </a:r>
+            <a:r>
+              <a:rPr lang="ja-JP" altLang="en-US" sz="900" dirty="0"/>
+              <a:t>ホーム </a:t>
+            </a:r>
+            <a:r>
+              <a:rPr lang="en-US" altLang="ja-JP" sz="1200" dirty="0"/>
+              <a:t>-</a:t>
             </a:r>
             <a:endParaRPr kumimoji="1" lang="ja-JP" altLang="en-US" sz="1200" dirty="0"/>
           </a:p>
@@ -3858,7 +3888,7 @@
               <a:pPr algn="ctr"/>
               <a:r>
                 <a:rPr lang="ja-JP" altLang="en-US" sz="1050" dirty="0"/>
-                <a:t>メンバー</a:t>
+                <a:t>割り当て</a:t>
               </a:r>
               <a:endParaRPr kumimoji="1" lang="ja-JP" altLang="en-US" sz="1050" dirty="0"/>
             </a:p>
@@ -4010,10 +4040,5360 @@
           </p:txBody>
         </p:sp>
       </p:grpSp>
+      <p:grpSp>
+        <p:nvGrpSpPr>
+          <p:cNvPr id="27" name="グループ化 26">
+            <a:extLst>
+              <a:ext uri="{FF2B5EF4-FFF2-40B4-BE49-F238E27FC236}">
+                <a16:creationId xmlns:a16="http://schemas.microsoft.com/office/drawing/2014/main" id="{CCE63758-63E3-438F-6A9C-A7C5D3E06D9E}"/>
+              </a:ext>
+            </a:extLst>
+          </p:cNvPr>
+          <p:cNvGrpSpPr/>
+          <p:nvPr/>
+        </p:nvGrpSpPr>
+        <p:grpSpPr>
+          <a:xfrm>
+            <a:off x="5344868" y="3328837"/>
+            <a:ext cx="2395803" cy="2055818"/>
+            <a:chOff x="5344868" y="2904817"/>
+            <a:chExt cx="2395803" cy="2055818"/>
+          </a:xfrm>
+        </p:grpSpPr>
+        <p:grpSp>
+          <p:nvGrpSpPr>
+            <p:cNvPr id="14" name="グループ化 13">
+              <a:extLst>
+                <a:ext uri="{FF2B5EF4-FFF2-40B4-BE49-F238E27FC236}">
+                  <a16:creationId xmlns:a16="http://schemas.microsoft.com/office/drawing/2014/main" id="{C1C08133-58B7-F146-DB03-19DFF1F781A9}"/>
+                </a:ext>
+              </a:extLst>
+            </p:cNvPr>
+            <p:cNvGrpSpPr/>
+            <p:nvPr/>
+          </p:nvGrpSpPr>
+          <p:grpSpPr>
+            <a:xfrm>
+              <a:off x="5344868" y="2904817"/>
+              <a:ext cx="925328" cy="2055818"/>
+              <a:chOff x="4722541" y="2720151"/>
+              <a:chExt cx="925328" cy="2055818"/>
+            </a:xfrm>
+          </p:grpSpPr>
+          <p:sp>
+            <p:nvSpPr>
+              <p:cNvPr id="4" name="テキスト ボックス 3">
+                <a:extLst>
+                  <a:ext uri="{FF2B5EF4-FFF2-40B4-BE49-F238E27FC236}">
+                    <a16:creationId xmlns:a16="http://schemas.microsoft.com/office/drawing/2014/main" id="{1F317D60-F8E2-AA1B-5A64-F1FF1BE93DC3}"/>
+                  </a:ext>
+                </a:extLst>
+              </p:cNvPr>
+              <p:cNvSpPr txBox="1"/>
+              <p:nvPr/>
+            </p:nvSpPr>
+            <p:spPr>
+              <a:xfrm>
+                <a:off x="4722541" y="2720151"/>
+                <a:ext cx="912429" cy="369332"/>
+              </a:xfrm>
+              <a:prstGeom prst="rect">
+                <a:avLst/>
+              </a:prstGeom>
+              <a:noFill/>
+            </p:spPr>
+            <p:txBody>
+              <a:bodyPr wrap="none" rtlCol="0">
+                <a:spAutoFit/>
+              </a:bodyPr>
+              <a:lstStyle/>
+              <a:p>
+                <a:r>
+                  <a:rPr kumimoji="1" lang="en-US" altLang="ja-JP" dirty="0"/>
+                  <a:t>Task A</a:t>
+                </a:r>
+                <a:endParaRPr kumimoji="1" lang="ja-JP" altLang="en-US" dirty="0"/>
+              </a:p>
+            </p:txBody>
+          </p:sp>
+          <p:sp>
+            <p:nvSpPr>
+              <p:cNvPr id="8" name="テキスト ボックス 7">
+                <a:extLst>
+                  <a:ext uri="{FF2B5EF4-FFF2-40B4-BE49-F238E27FC236}">
+                    <a16:creationId xmlns:a16="http://schemas.microsoft.com/office/drawing/2014/main" id="{A976D99C-0BFF-2312-4FDB-CCE8340B9799}"/>
+                  </a:ext>
+                </a:extLst>
+              </p:cNvPr>
+              <p:cNvSpPr txBox="1"/>
+              <p:nvPr/>
+            </p:nvSpPr>
+            <p:spPr>
+              <a:xfrm>
+                <a:off x="4727424" y="3563394"/>
+                <a:ext cx="920445" cy="369332"/>
+              </a:xfrm>
+              <a:prstGeom prst="rect">
+                <a:avLst/>
+              </a:prstGeom>
+              <a:noFill/>
+            </p:spPr>
+            <p:txBody>
+              <a:bodyPr wrap="none" rtlCol="0">
+                <a:spAutoFit/>
+              </a:bodyPr>
+              <a:lstStyle/>
+              <a:p>
+                <a:r>
+                  <a:rPr kumimoji="1" lang="en-US" altLang="ja-JP" dirty="0"/>
+                  <a:t>Task B</a:t>
+                </a:r>
+                <a:endParaRPr kumimoji="1" lang="ja-JP" altLang="en-US" dirty="0"/>
+              </a:p>
+            </p:txBody>
+          </p:sp>
+          <p:sp>
+            <p:nvSpPr>
+              <p:cNvPr id="12" name="テキスト ボックス 11">
+                <a:extLst>
+                  <a:ext uri="{FF2B5EF4-FFF2-40B4-BE49-F238E27FC236}">
+                    <a16:creationId xmlns:a16="http://schemas.microsoft.com/office/drawing/2014/main" id="{88116E85-70C3-91C3-A0F9-D642F948F257}"/>
+                  </a:ext>
+                </a:extLst>
+              </p:cNvPr>
+              <p:cNvSpPr txBox="1"/>
+              <p:nvPr/>
+            </p:nvSpPr>
+            <p:spPr>
+              <a:xfrm>
+                <a:off x="4727424" y="4406637"/>
+                <a:ext cx="920445" cy="369332"/>
+              </a:xfrm>
+              <a:prstGeom prst="rect">
+                <a:avLst/>
+              </a:prstGeom>
+              <a:noFill/>
+            </p:spPr>
+            <p:txBody>
+              <a:bodyPr wrap="none" rtlCol="0">
+                <a:spAutoFit/>
+              </a:bodyPr>
+              <a:lstStyle/>
+              <a:p>
+                <a:r>
+                  <a:rPr kumimoji="1" lang="en-US" altLang="ja-JP" dirty="0"/>
+                  <a:t>Task</a:t>
+                </a:r>
+                <a:r>
+                  <a:rPr lang="en-US" altLang="ja-JP" dirty="0"/>
+                  <a:t> C</a:t>
+                </a:r>
+                <a:endParaRPr kumimoji="1" lang="ja-JP" altLang="en-US" dirty="0"/>
+              </a:p>
+            </p:txBody>
+          </p:sp>
+        </p:grpSp>
+        <p:grpSp>
+          <p:nvGrpSpPr>
+            <p:cNvPr id="25" name="グループ化 24">
+              <a:extLst>
+                <a:ext uri="{FF2B5EF4-FFF2-40B4-BE49-F238E27FC236}">
+                  <a16:creationId xmlns:a16="http://schemas.microsoft.com/office/drawing/2014/main" id="{1C905333-D372-8892-EEEB-BF44AEF02DAE}"/>
+                </a:ext>
+              </a:extLst>
+            </p:cNvPr>
+            <p:cNvGrpSpPr/>
+            <p:nvPr/>
+          </p:nvGrpSpPr>
+          <p:grpSpPr>
+            <a:xfrm>
+              <a:off x="6714428" y="2940492"/>
+              <a:ext cx="1026243" cy="1984467"/>
+              <a:chOff x="6029648" y="2918460"/>
+              <a:chExt cx="1026243" cy="1984467"/>
+            </a:xfrm>
+          </p:grpSpPr>
+          <p:sp>
+            <p:nvSpPr>
+              <p:cNvPr id="17" name="テキスト ボックス 16">
+                <a:extLst>
+                  <a:ext uri="{FF2B5EF4-FFF2-40B4-BE49-F238E27FC236}">
+                    <a16:creationId xmlns:a16="http://schemas.microsoft.com/office/drawing/2014/main" id="{BB80D3A1-D0B6-D7C2-EC8F-5B6F3584E8AC}"/>
+                  </a:ext>
+                </a:extLst>
+              </p:cNvPr>
+              <p:cNvSpPr txBox="1"/>
+              <p:nvPr/>
+            </p:nvSpPr>
+            <p:spPr>
+              <a:xfrm>
+                <a:off x="6029648" y="2918460"/>
+                <a:ext cx="1026243" cy="307777"/>
+              </a:xfrm>
+              <a:prstGeom prst="rect">
+                <a:avLst/>
+              </a:prstGeom>
+              <a:noFill/>
+            </p:spPr>
+            <p:txBody>
+              <a:bodyPr wrap="none" rtlCol="0">
+                <a:spAutoFit/>
+              </a:bodyPr>
+              <a:lstStyle/>
+              <a:p>
+                <a:r>
+                  <a:rPr kumimoji="1" lang="en-US" altLang="ja-JP" sz="1400" dirty="0"/>
+                  <a:t>Member 1</a:t>
+                </a:r>
+                <a:endParaRPr kumimoji="1" lang="ja-JP" altLang="en-US" sz="1400" dirty="0"/>
+              </a:p>
+            </p:txBody>
+          </p:sp>
+          <p:sp>
+            <p:nvSpPr>
+              <p:cNvPr id="20" name="テキスト ボックス 19">
+                <a:extLst>
+                  <a:ext uri="{FF2B5EF4-FFF2-40B4-BE49-F238E27FC236}">
+                    <a16:creationId xmlns:a16="http://schemas.microsoft.com/office/drawing/2014/main" id="{C7500973-C2A0-1EDD-FC2E-A8CBB0074E06}"/>
+                  </a:ext>
+                </a:extLst>
+              </p:cNvPr>
+              <p:cNvSpPr txBox="1"/>
+              <p:nvPr/>
+            </p:nvSpPr>
+            <p:spPr>
+              <a:xfrm>
+                <a:off x="6029648" y="3761703"/>
+                <a:ext cx="1026243" cy="307777"/>
+              </a:xfrm>
+              <a:prstGeom prst="rect">
+                <a:avLst/>
+              </a:prstGeom>
+              <a:noFill/>
+            </p:spPr>
+            <p:txBody>
+              <a:bodyPr wrap="none" rtlCol="0">
+                <a:spAutoFit/>
+              </a:bodyPr>
+              <a:lstStyle/>
+              <a:p>
+                <a:r>
+                  <a:rPr kumimoji="1" lang="en-US" altLang="ja-JP" sz="1400" dirty="0"/>
+                  <a:t>Member 2</a:t>
+                </a:r>
+                <a:endParaRPr kumimoji="1" lang="ja-JP" altLang="en-US" sz="1400" dirty="0"/>
+              </a:p>
+            </p:txBody>
+          </p:sp>
+          <p:sp>
+            <p:nvSpPr>
+              <p:cNvPr id="24" name="テキスト ボックス 23">
+                <a:extLst>
+                  <a:ext uri="{FF2B5EF4-FFF2-40B4-BE49-F238E27FC236}">
+                    <a16:creationId xmlns:a16="http://schemas.microsoft.com/office/drawing/2014/main" id="{154C9B23-431F-0BDE-FE3A-96D246C5B469}"/>
+                  </a:ext>
+                </a:extLst>
+              </p:cNvPr>
+              <p:cNvSpPr txBox="1"/>
+              <p:nvPr/>
+            </p:nvSpPr>
+            <p:spPr>
+              <a:xfrm>
+                <a:off x="6029648" y="4595150"/>
+                <a:ext cx="1026243" cy="307777"/>
+              </a:xfrm>
+              <a:prstGeom prst="rect">
+                <a:avLst/>
+              </a:prstGeom>
+              <a:noFill/>
+            </p:spPr>
+            <p:txBody>
+              <a:bodyPr wrap="none" rtlCol="0">
+                <a:spAutoFit/>
+              </a:bodyPr>
+              <a:lstStyle/>
+              <a:p>
+                <a:r>
+                  <a:rPr kumimoji="1" lang="en-US" altLang="ja-JP" sz="1400" dirty="0"/>
+                  <a:t>Member 3</a:t>
+                </a:r>
+                <a:endParaRPr kumimoji="1" lang="ja-JP" altLang="en-US" sz="1400" dirty="0"/>
+              </a:p>
+            </p:txBody>
+          </p:sp>
+        </p:grpSp>
+      </p:grpSp>
+      <p:sp>
+        <p:nvSpPr>
+          <p:cNvPr id="26" name="テキスト ボックス 25">
+            <a:extLst>
+              <a:ext uri="{FF2B5EF4-FFF2-40B4-BE49-F238E27FC236}">
+                <a16:creationId xmlns:a16="http://schemas.microsoft.com/office/drawing/2014/main" id="{0FD2C1E0-B139-35F6-94A4-059CEDDC546E}"/>
+              </a:ext>
+            </a:extLst>
+          </p:cNvPr>
+          <p:cNvSpPr txBox="1"/>
+          <p:nvPr/>
+        </p:nvSpPr>
+        <p:spPr>
+          <a:xfrm>
+            <a:off x="5069449" y="1905997"/>
+            <a:ext cx="2946640" cy="369332"/>
+          </a:xfrm>
+          <a:prstGeom prst="rect">
+            <a:avLst/>
+          </a:prstGeom>
+          <a:noFill/>
+        </p:spPr>
+        <p:txBody>
+          <a:bodyPr wrap="none" rtlCol="0">
+            <a:spAutoFit/>
+          </a:bodyPr>
+          <a:lstStyle/>
+          <a:p>
+            <a:r>
+              <a:rPr kumimoji="1" lang="en-US" altLang="ja-JP" dirty="0"/>
+              <a:t>During </a:t>
+            </a:r>
+            <a:r>
+              <a:rPr kumimoji="1" lang="en-US" altLang="ja-JP" sz="1200" dirty="0"/>
+              <a:t>yy</a:t>
+            </a:r>
+            <a:r>
+              <a:rPr lang="en-US" altLang="ja-JP" sz="1200" dirty="0"/>
+              <a:t>yy/mm/dd ~ yyyy/mm/dd</a:t>
+            </a:r>
+            <a:endParaRPr kumimoji="1" lang="ja-JP" altLang="en-US" dirty="0"/>
+          </a:p>
+        </p:txBody>
+      </p:sp>
+      <p:grpSp>
+        <p:nvGrpSpPr>
+          <p:cNvPr id="33" name="グループ化 32">
+            <a:extLst>
+              <a:ext uri="{FF2B5EF4-FFF2-40B4-BE49-F238E27FC236}">
+                <a16:creationId xmlns:a16="http://schemas.microsoft.com/office/drawing/2014/main" id="{0C240287-22F2-3801-F6C7-2D1B1EE34A33}"/>
+              </a:ext>
+            </a:extLst>
+          </p:cNvPr>
+          <p:cNvGrpSpPr/>
+          <p:nvPr/>
+        </p:nvGrpSpPr>
+        <p:grpSpPr>
+          <a:xfrm>
+            <a:off x="5344868" y="2592489"/>
+            <a:ext cx="2509452" cy="310710"/>
+            <a:chOff x="5344868" y="2592489"/>
+            <a:chExt cx="2509452" cy="310710"/>
+          </a:xfrm>
+        </p:grpSpPr>
+        <p:sp>
+          <p:nvSpPr>
+            <p:cNvPr id="28" name="テキスト ボックス 27">
+              <a:extLst>
+                <a:ext uri="{FF2B5EF4-FFF2-40B4-BE49-F238E27FC236}">
+                  <a16:creationId xmlns:a16="http://schemas.microsoft.com/office/drawing/2014/main" id="{61515ED5-58E8-225A-932E-38B267EFCA4D}"/>
+                </a:ext>
+              </a:extLst>
+            </p:cNvPr>
+            <p:cNvSpPr txBox="1"/>
+            <p:nvPr/>
+          </p:nvSpPr>
+          <p:spPr>
+            <a:xfrm>
+              <a:off x="5606157" y="2615732"/>
+              <a:ext cx="527709" cy="276999"/>
+            </a:xfrm>
+            <a:prstGeom prst="rect">
+              <a:avLst/>
+            </a:prstGeom>
+            <a:noFill/>
+          </p:spPr>
+          <p:txBody>
+            <a:bodyPr wrap="none" rtlCol="0">
+              <a:spAutoFit/>
+            </a:bodyPr>
+            <a:lstStyle/>
+            <a:p>
+              <a:r>
+                <a:rPr lang="en-US" altLang="ja-JP" sz="1200" dirty="0"/>
+                <a:t>Task</a:t>
+              </a:r>
+              <a:endParaRPr kumimoji="1" lang="ja-JP" altLang="en-US" sz="1200" dirty="0"/>
+            </a:p>
+          </p:txBody>
+        </p:sp>
+        <p:sp>
+          <p:nvSpPr>
+            <p:cNvPr id="30" name="テキスト ボックス 29">
+              <a:extLst>
+                <a:ext uri="{FF2B5EF4-FFF2-40B4-BE49-F238E27FC236}">
+                  <a16:creationId xmlns:a16="http://schemas.microsoft.com/office/drawing/2014/main" id="{149DA38D-6EC5-C126-8C3F-DA95D14C53A8}"/>
+                </a:ext>
+              </a:extLst>
+            </p:cNvPr>
+            <p:cNvSpPr txBox="1"/>
+            <p:nvPr/>
+          </p:nvSpPr>
+          <p:spPr>
+            <a:xfrm>
+              <a:off x="6852286" y="2592489"/>
+              <a:ext cx="888385" cy="276999"/>
+            </a:xfrm>
+            <a:prstGeom prst="rect">
+              <a:avLst/>
+            </a:prstGeom>
+            <a:noFill/>
+          </p:spPr>
+          <p:txBody>
+            <a:bodyPr wrap="none" rtlCol="0">
+              <a:spAutoFit/>
+            </a:bodyPr>
+            <a:lstStyle/>
+            <a:p>
+              <a:r>
+                <a:rPr kumimoji="1" lang="en-US" altLang="ja-JP" sz="1200" dirty="0"/>
+                <a:t>Allocation</a:t>
+              </a:r>
+              <a:endParaRPr kumimoji="1" lang="ja-JP" altLang="en-US" sz="1200" dirty="0"/>
+            </a:p>
+          </p:txBody>
+        </p:sp>
+        <p:cxnSp>
+          <p:nvCxnSpPr>
+            <p:cNvPr id="32" name="直線コネクタ 31">
+              <a:extLst>
+                <a:ext uri="{FF2B5EF4-FFF2-40B4-BE49-F238E27FC236}">
+                  <a16:creationId xmlns:a16="http://schemas.microsoft.com/office/drawing/2014/main" id="{2E4F6FDF-37E7-84E4-9518-E0D839C25B39}"/>
+                </a:ext>
+              </a:extLst>
+            </p:cNvPr>
+            <p:cNvCxnSpPr/>
+            <p:nvPr/>
+          </p:nvCxnSpPr>
+          <p:spPr>
+            <a:xfrm>
+              <a:off x="5344868" y="2903199"/>
+              <a:ext cx="2509452" cy="0"/>
+            </a:xfrm>
+            <a:prstGeom prst="line">
+              <a:avLst/>
+            </a:prstGeom>
+          </p:spPr>
+          <p:style>
+            <a:lnRef idx="1">
+              <a:schemeClr val="dk1"/>
+            </a:lnRef>
+            <a:fillRef idx="0">
+              <a:schemeClr val="dk1"/>
+            </a:fillRef>
+            <a:effectRef idx="0">
+              <a:schemeClr val="dk1"/>
+            </a:effectRef>
+            <a:fontRef idx="minor">
+              <a:schemeClr val="tx1"/>
+            </a:fontRef>
+          </p:style>
+        </p:cxnSp>
+      </p:grpSp>
     </p:spTree>
     <p:extLst>
       <p:ext uri="{BB962C8B-B14F-4D97-AF65-F5344CB8AC3E}">
         <p14:creationId xmlns:p14="http://schemas.microsoft.com/office/powerpoint/2010/main" val="1120533975"/>
+      </p:ext>
+    </p:extLst>
+  </p:cSld>
+  <p:clrMapOvr>
+    <a:masterClrMapping/>
+  </p:clrMapOvr>
+</p:sld>
+</file>
+
+<file path=ppt/slides/slide2.xml><?xml version="1.0" encoding="utf-8"?>
+<p:sld xmlns:a="http://schemas.openxmlformats.org/drawingml/2006/main" xmlns:r="http://schemas.openxmlformats.org/officeDocument/2006/relationships" xmlns:p="http://schemas.openxmlformats.org/presentationml/2006/main">
+  <p:cSld>
+    <p:spTree>
+      <p:nvGrpSpPr>
+        <p:cNvPr id="1" name=""/>
+        <p:cNvGrpSpPr/>
+        <p:nvPr/>
+      </p:nvGrpSpPr>
+      <p:grpSpPr>
+        <a:xfrm>
+          <a:off x="0" y="0"/>
+          <a:ext cx="0" cy="0"/>
+          <a:chOff x="0" y="0"/>
+          <a:chExt cx="0" cy="0"/>
+        </a:xfrm>
+      </p:grpSpPr>
+      <p:sp>
+        <p:nvSpPr>
+          <p:cNvPr id="2" name="正方形/長方形 1">
+            <a:extLst>
+              <a:ext uri="{FF2B5EF4-FFF2-40B4-BE49-F238E27FC236}">
+                <a16:creationId xmlns:a16="http://schemas.microsoft.com/office/drawing/2014/main" id="{75991A75-5FE1-F424-E841-81D54908EBDB}"/>
+              </a:ext>
+            </a:extLst>
+          </p:cNvPr>
+          <p:cNvSpPr/>
+          <p:nvPr/>
+        </p:nvSpPr>
+        <p:spPr>
+          <a:xfrm>
+            <a:off x="2531328" y="517849"/>
+            <a:ext cx="6205236" cy="5822302"/>
+          </a:xfrm>
+          <a:prstGeom prst="rect">
+            <a:avLst/>
+          </a:prstGeom>
+          <a:noFill/>
+          <a:ln>
+            <a:solidFill>
+              <a:schemeClr val="tx1"/>
+            </a:solidFill>
+          </a:ln>
+        </p:spPr>
+        <p:style>
+          <a:lnRef idx="2">
+            <a:schemeClr val="accent1">
+              <a:shade val="50000"/>
+            </a:schemeClr>
+          </a:lnRef>
+          <a:fillRef idx="1">
+            <a:schemeClr val="accent1"/>
+          </a:fillRef>
+          <a:effectRef idx="0">
+            <a:schemeClr val="accent1"/>
+          </a:effectRef>
+          <a:fontRef idx="minor">
+            <a:schemeClr val="lt1"/>
+          </a:fontRef>
+        </p:style>
+        <p:txBody>
+          <a:bodyPr rtlCol="0" anchor="ctr"/>
+          <a:lstStyle/>
+          <a:p>
+            <a:pPr algn="ctr"/>
+            <a:endParaRPr kumimoji="1" lang="ja-JP" altLang="en-US"/>
+          </a:p>
+        </p:txBody>
+      </p:sp>
+      <p:cxnSp>
+        <p:nvCxnSpPr>
+          <p:cNvPr id="5" name="直線コネクタ 4">
+            <a:extLst>
+              <a:ext uri="{FF2B5EF4-FFF2-40B4-BE49-F238E27FC236}">
+                <a16:creationId xmlns:a16="http://schemas.microsoft.com/office/drawing/2014/main" id="{55F4E919-C4CF-892E-A697-7CAD9C41A551}"/>
+              </a:ext>
+            </a:extLst>
+          </p:cNvPr>
+          <p:cNvCxnSpPr>
+            <a:cxnSpLocks/>
+          </p:cNvCxnSpPr>
+          <p:nvPr/>
+        </p:nvCxnSpPr>
+        <p:spPr>
+          <a:xfrm>
+            <a:off x="4348975" y="517849"/>
+            <a:ext cx="0" cy="5822302"/>
+          </a:xfrm>
+          <a:prstGeom prst="line">
+            <a:avLst/>
+          </a:prstGeom>
+        </p:spPr>
+        <p:style>
+          <a:lnRef idx="1">
+            <a:schemeClr val="dk1"/>
+          </a:lnRef>
+          <a:fillRef idx="0">
+            <a:schemeClr val="dk1"/>
+          </a:fillRef>
+          <a:effectRef idx="0">
+            <a:schemeClr val="dk1"/>
+          </a:effectRef>
+          <a:fontRef idx="minor">
+            <a:schemeClr val="tx1"/>
+          </a:fontRef>
+        </p:style>
+      </p:cxnSp>
+      <p:cxnSp>
+        <p:nvCxnSpPr>
+          <p:cNvPr id="13" name="直線コネクタ 12">
+            <a:extLst>
+              <a:ext uri="{FF2B5EF4-FFF2-40B4-BE49-F238E27FC236}">
+                <a16:creationId xmlns:a16="http://schemas.microsoft.com/office/drawing/2014/main" id="{2CB2CCF0-6D1A-C253-BC27-18EE6A3F697D}"/>
+              </a:ext>
+            </a:extLst>
+          </p:cNvPr>
+          <p:cNvCxnSpPr/>
+          <p:nvPr/>
+        </p:nvCxnSpPr>
+        <p:spPr>
+          <a:xfrm>
+            <a:off x="4348975" y="1429476"/>
+            <a:ext cx="4387589" cy="0"/>
+          </a:xfrm>
+          <a:prstGeom prst="line">
+            <a:avLst/>
+          </a:prstGeom>
+        </p:spPr>
+        <p:style>
+          <a:lnRef idx="1">
+            <a:schemeClr val="dk1"/>
+          </a:lnRef>
+          <a:fillRef idx="0">
+            <a:schemeClr val="dk1"/>
+          </a:fillRef>
+          <a:effectRef idx="0">
+            <a:schemeClr val="dk1"/>
+          </a:effectRef>
+          <a:fontRef idx="minor">
+            <a:schemeClr val="tx1"/>
+          </a:fontRef>
+        </p:style>
+      </p:cxnSp>
+      <p:grpSp>
+        <p:nvGrpSpPr>
+          <p:cNvPr id="22" name="グループ化 21">
+            <a:extLst>
+              <a:ext uri="{FF2B5EF4-FFF2-40B4-BE49-F238E27FC236}">
+                <a16:creationId xmlns:a16="http://schemas.microsoft.com/office/drawing/2014/main" id="{76F1A073-FBDD-B1F9-31F6-BDC5E192FD03}"/>
+              </a:ext>
+            </a:extLst>
+          </p:cNvPr>
+          <p:cNvGrpSpPr/>
+          <p:nvPr/>
+        </p:nvGrpSpPr>
+        <p:grpSpPr>
+          <a:xfrm>
+            <a:off x="2904893" y="2337869"/>
+            <a:ext cx="1070517" cy="2912011"/>
+            <a:chOff x="2904893" y="2047937"/>
+            <a:chExt cx="1070517" cy="2912011"/>
+          </a:xfrm>
+        </p:grpSpPr>
+        <p:sp>
+          <p:nvSpPr>
+            <p:cNvPr id="7" name="テキスト ボックス 6">
+              <a:extLst>
+                <a:ext uri="{FF2B5EF4-FFF2-40B4-BE49-F238E27FC236}">
+                  <a16:creationId xmlns:a16="http://schemas.microsoft.com/office/drawing/2014/main" id="{6DC1BDD4-ED4F-1A70-759D-923CAA2A10D1}"/>
+                </a:ext>
+              </a:extLst>
+            </p:cNvPr>
+            <p:cNvSpPr txBox="1"/>
+            <p:nvPr/>
+          </p:nvSpPr>
+          <p:spPr>
+            <a:xfrm>
+              <a:off x="2999678" y="2579556"/>
+              <a:ext cx="880946" cy="253916"/>
+            </a:xfrm>
+            <a:prstGeom prst="rect">
+              <a:avLst/>
+            </a:prstGeom>
+            <a:noFill/>
+          </p:spPr>
+          <p:txBody>
+            <a:bodyPr wrap="square" rtlCol="0">
+              <a:spAutoFit/>
+            </a:bodyPr>
+            <a:lstStyle/>
+            <a:p>
+              <a:pPr algn="ctr"/>
+              <a:r>
+                <a:rPr kumimoji="1" lang="ja-JP" altLang="en-US" sz="1050" u="sng" dirty="0"/>
+                <a:t>タスク</a:t>
+              </a:r>
+            </a:p>
+          </p:txBody>
+        </p:sp>
+        <p:sp>
+          <p:nvSpPr>
+            <p:cNvPr id="9" name="テキスト ボックス 8">
+              <a:extLst>
+                <a:ext uri="{FF2B5EF4-FFF2-40B4-BE49-F238E27FC236}">
+                  <a16:creationId xmlns:a16="http://schemas.microsoft.com/office/drawing/2014/main" id="{C209FC6D-A1B9-5428-8BEE-20558D4F5949}"/>
+                </a:ext>
+              </a:extLst>
+            </p:cNvPr>
+            <p:cNvSpPr txBox="1"/>
+            <p:nvPr/>
+          </p:nvSpPr>
+          <p:spPr>
+            <a:xfrm>
+              <a:off x="2904893" y="3111175"/>
+              <a:ext cx="1070517" cy="253916"/>
+            </a:xfrm>
+            <a:prstGeom prst="rect">
+              <a:avLst/>
+            </a:prstGeom>
+            <a:noFill/>
+          </p:spPr>
+          <p:txBody>
+            <a:bodyPr wrap="square" rtlCol="0">
+              <a:spAutoFit/>
+            </a:bodyPr>
+            <a:lstStyle/>
+            <a:p>
+              <a:pPr algn="ctr"/>
+              <a:r>
+                <a:rPr kumimoji="1" lang="ja-JP" altLang="en-US" sz="1050" dirty="0"/>
+                <a:t>割り当て</a:t>
+              </a:r>
+            </a:p>
+          </p:txBody>
+        </p:sp>
+        <p:sp>
+          <p:nvSpPr>
+            <p:cNvPr id="11" name="テキスト ボックス 10">
+              <a:extLst>
+                <a:ext uri="{FF2B5EF4-FFF2-40B4-BE49-F238E27FC236}">
+                  <a16:creationId xmlns:a16="http://schemas.microsoft.com/office/drawing/2014/main" id="{B0FF3F60-7FC4-E582-04C4-D6F7F5E4E8DA}"/>
+                </a:ext>
+              </a:extLst>
+            </p:cNvPr>
+            <p:cNvSpPr txBox="1"/>
+            <p:nvPr/>
+          </p:nvSpPr>
+          <p:spPr>
+            <a:xfrm>
+              <a:off x="3080526" y="3642794"/>
+              <a:ext cx="730404" cy="253916"/>
+            </a:xfrm>
+            <a:prstGeom prst="rect">
+              <a:avLst/>
+            </a:prstGeom>
+            <a:noFill/>
+          </p:spPr>
+          <p:txBody>
+            <a:bodyPr wrap="square" rtlCol="0">
+              <a:spAutoFit/>
+            </a:bodyPr>
+            <a:lstStyle/>
+            <a:p>
+              <a:pPr algn="ctr"/>
+              <a:r>
+                <a:rPr kumimoji="1" lang="ja-JP" altLang="en-US" sz="1050" dirty="0"/>
+                <a:t>周期</a:t>
+              </a:r>
+            </a:p>
+          </p:txBody>
+        </p:sp>
+        <p:sp>
+          <p:nvSpPr>
+            <p:cNvPr id="16" name="テキスト ボックス 15">
+              <a:extLst>
+                <a:ext uri="{FF2B5EF4-FFF2-40B4-BE49-F238E27FC236}">
+                  <a16:creationId xmlns:a16="http://schemas.microsoft.com/office/drawing/2014/main" id="{ED1B5AD2-57EB-FD93-9DB6-261F27E9E725}"/>
+                </a:ext>
+              </a:extLst>
+            </p:cNvPr>
+            <p:cNvSpPr txBox="1"/>
+            <p:nvPr/>
+          </p:nvSpPr>
+          <p:spPr>
+            <a:xfrm>
+              <a:off x="3097254" y="4174413"/>
+              <a:ext cx="730404" cy="253916"/>
+            </a:xfrm>
+            <a:prstGeom prst="rect">
+              <a:avLst/>
+            </a:prstGeom>
+            <a:noFill/>
+          </p:spPr>
+          <p:txBody>
+            <a:bodyPr wrap="square" rtlCol="0">
+              <a:spAutoFit/>
+            </a:bodyPr>
+            <a:lstStyle/>
+            <a:p>
+              <a:pPr algn="ctr"/>
+              <a:r>
+                <a:rPr lang="ja-JP" altLang="en-US" sz="1050" dirty="0"/>
+                <a:t>表示</a:t>
+              </a:r>
+              <a:endParaRPr kumimoji="1" lang="ja-JP" altLang="en-US" sz="1050" dirty="0"/>
+            </a:p>
+          </p:txBody>
+        </p:sp>
+        <p:sp>
+          <p:nvSpPr>
+            <p:cNvPr id="18" name="テキスト ボックス 17">
+              <a:extLst>
+                <a:ext uri="{FF2B5EF4-FFF2-40B4-BE49-F238E27FC236}">
+                  <a16:creationId xmlns:a16="http://schemas.microsoft.com/office/drawing/2014/main" id="{A654E9A7-C864-F157-B2CC-287228D50FD6}"/>
+                </a:ext>
+              </a:extLst>
+            </p:cNvPr>
+            <p:cNvSpPr txBox="1"/>
+            <p:nvPr/>
+          </p:nvSpPr>
+          <p:spPr>
+            <a:xfrm>
+              <a:off x="3102830" y="4706032"/>
+              <a:ext cx="730404" cy="253916"/>
+            </a:xfrm>
+            <a:prstGeom prst="rect">
+              <a:avLst/>
+            </a:prstGeom>
+            <a:noFill/>
+          </p:spPr>
+          <p:txBody>
+            <a:bodyPr wrap="square" rtlCol="0">
+              <a:spAutoFit/>
+            </a:bodyPr>
+            <a:lstStyle/>
+            <a:p>
+              <a:pPr algn="ctr"/>
+              <a:r>
+                <a:rPr kumimoji="1" lang="ja-JP" altLang="en-US" sz="1050" dirty="0"/>
+                <a:t>連携</a:t>
+              </a:r>
+            </a:p>
+          </p:txBody>
+        </p:sp>
+        <p:sp>
+          <p:nvSpPr>
+            <p:cNvPr id="21" name="テキスト ボックス 20">
+              <a:extLst>
+                <a:ext uri="{FF2B5EF4-FFF2-40B4-BE49-F238E27FC236}">
+                  <a16:creationId xmlns:a16="http://schemas.microsoft.com/office/drawing/2014/main" id="{57C7BC99-6E3B-8026-D839-9E87A335B5C6}"/>
+                </a:ext>
+              </a:extLst>
+            </p:cNvPr>
+            <p:cNvSpPr txBox="1"/>
+            <p:nvPr/>
+          </p:nvSpPr>
+          <p:spPr>
+            <a:xfrm>
+              <a:off x="2999678" y="2047937"/>
+              <a:ext cx="880946" cy="253916"/>
+            </a:xfrm>
+            <a:prstGeom prst="rect">
+              <a:avLst/>
+            </a:prstGeom>
+            <a:noFill/>
+          </p:spPr>
+          <p:txBody>
+            <a:bodyPr wrap="square" rtlCol="0">
+              <a:spAutoFit/>
+            </a:bodyPr>
+            <a:lstStyle/>
+            <a:p>
+              <a:pPr algn="ctr"/>
+              <a:r>
+                <a:rPr kumimoji="1" lang="ja-JP" altLang="en-US" sz="1050" dirty="0"/>
+                <a:t>ホーム</a:t>
+              </a:r>
+            </a:p>
+          </p:txBody>
+        </p:sp>
+      </p:grpSp>
+      <p:grpSp>
+        <p:nvGrpSpPr>
+          <p:cNvPr id="14" name="グループ化 13">
+            <a:extLst>
+              <a:ext uri="{FF2B5EF4-FFF2-40B4-BE49-F238E27FC236}">
+                <a16:creationId xmlns:a16="http://schemas.microsoft.com/office/drawing/2014/main" id="{C1C08133-58B7-F146-DB03-19DFF1F781A9}"/>
+              </a:ext>
+            </a:extLst>
+          </p:cNvPr>
+          <p:cNvGrpSpPr/>
+          <p:nvPr/>
+        </p:nvGrpSpPr>
+        <p:grpSpPr>
+          <a:xfrm>
+            <a:off x="5267782" y="3418729"/>
+            <a:ext cx="925328" cy="2055818"/>
+            <a:chOff x="4722541" y="2720151"/>
+            <a:chExt cx="925328" cy="2055818"/>
+          </a:xfrm>
+        </p:grpSpPr>
+        <p:sp>
+          <p:nvSpPr>
+            <p:cNvPr id="4" name="テキスト ボックス 3">
+              <a:extLst>
+                <a:ext uri="{FF2B5EF4-FFF2-40B4-BE49-F238E27FC236}">
+                  <a16:creationId xmlns:a16="http://schemas.microsoft.com/office/drawing/2014/main" id="{1F317D60-F8E2-AA1B-5A64-F1FF1BE93DC3}"/>
+                </a:ext>
+              </a:extLst>
+            </p:cNvPr>
+            <p:cNvSpPr txBox="1"/>
+            <p:nvPr/>
+          </p:nvSpPr>
+          <p:spPr>
+            <a:xfrm>
+              <a:off x="4722541" y="2720151"/>
+              <a:ext cx="912429" cy="369332"/>
+            </a:xfrm>
+            <a:prstGeom prst="rect">
+              <a:avLst/>
+            </a:prstGeom>
+            <a:noFill/>
+          </p:spPr>
+          <p:txBody>
+            <a:bodyPr wrap="none" rtlCol="0">
+              <a:spAutoFit/>
+            </a:bodyPr>
+            <a:lstStyle/>
+            <a:p>
+              <a:r>
+                <a:rPr kumimoji="1" lang="en-US" altLang="ja-JP" dirty="0"/>
+                <a:t>Task A</a:t>
+              </a:r>
+              <a:endParaRPr kumimoji="1" lang="ja-JP" altLang="en-US" dirty="0"/>
+            </a:p>
+          </p:txBody>
+        </p:sp>
+        <p:sp>
+          <p:nvSpPr>
+            <p:cNvPr id="8" name="テキスト ボックス 7">
+              <a:extLst>
+                <a:ext uri="{FF2B5EF4-FFF2-40B4-BE49-F238E27FC236}">
+                  <a16:creationId xmlns:a16="http://schemas.microsoft.com/office/drawing/2014/main" id="{A976D99C-0BFF-2312-4FDB-CCE8340B9799}"/>
+                </a:ext>
+              </a:extLst>
+            </p:cNvPr>
+            <p:cNvSpPr txBox="1"/>
+            <p:nvPr/>
+          </p:nvSpPr>
+          <p:spPr>
+            <a:xfrm>
+              <a:off x="4727424" y="3563394"/>
+              <a:ext cx="920445" cy="369332"/>
+            </a:xfrm>
+            <a:prstGeom prst="rect">
+              <a:avLst/>
+            </a:prstGeom>
+            <a:noFill/>
+          </p:spPr>
+          <p:txBody>
+            <a:bodyPr wrap="none" rtlCol="0">
+              <a:spAutoFit/>
+            </a:bodyPr>
+            <a:lstStyle/>
+            <a:p>
+              <a:r>
+                <a:rPr kumimoji="1" lang="en-US" altLang="ja-JP" dirty="0"/>
+                <a:t>Task B</a:t>
+              </a:r>
+              <a:endParaRPr kumimoji="1" lang="ja-JP" altLang="en-US" dirty="0"/>
+            </a:p>
+          </p:txBody>
+        </p:sp>
+        <p:sp>
+          <p:nvSpPr>
+            <p:cNvPr id="12" name="テキスト ボックス 11">
+              <a:extLst>
+                <a:ext uri="{FF2B5EF4-FFF2-40B4-BE49-F238E27FC236}">
+                  <a16:creationId xmlns:a16="http://schemas.microsoft.com/office/drawing/2014/main" id="{88116E85-70C3-91C3-A0F9-D642F948F257}"/>
+                </a:ext>
+              </a:extLst>
+            </p:cNvPr>
+            <p:cNvSpPr txBox="1"/>
+            <p:nvPr/>
+          </p:nvSpPr>
+          <p:spPr>
+            <a:xfrm>
+              <a:off x="4727424" y="4406637"/>
+              <a:ext cx="920445" cy="369332"/>
+            </a:xfrm>
+            <a:prstGeom prst="rect">
+              <a:avLst/>
+            </a:prstGeom>
+            <a:noFill/>
+          </p:spPr>
+          <p:txBody>
+            <a:bodyPr wrap="none" rtlCol="0">
+              <a:spAutoFit/>
+            </a:bodyPr>
+            <a:lstStyle/>
+            <a:p>
+              <a:r>
+                <a:rPr kumimoji="1" lang="en-US" altLang="ja-JP" dirty="0"/>
+                <a:t>Task</a:t>
+              </a:r>
+              <a:r>
+                <a:rPr lang="en-US" altLang="ja-JP" dirty="0"/>
+                <a:t> C</a:t>
+              </a:r>
+              <a:endParaRPr kumimoji="1" lang="ja-JP" altLang="en-US" dirty="0"/>
+            </a:p>
+          </p:txBody>
+        </p:sp>
+      </p:grpSp>
+      <p:grpSp>
+        <p:nvGrpSpPr>
+          <p:cNvPr id="25" name="グループ化 24">
+            <a:extLst>
+              <a:ext uri="{FF2B5EF4-FFF2-40B4-BE49-F238E27FC236}">
+                <a16:creationId xmlns:a16="http://schemas.microsoft.com/office/drawing/2014/main" id="{1C905333-D372-8892-EEEB-BF44AEF02DAE}"/>
+              </a:ext>
+            </a:extLst>
+          </p:cNvPr>
+          <p:cNvGrpSpPr/>
+          <p:nvPr/>
+        </p:nvGrpSpPr>
+        <p:grpSpPr>
+          <a:xfrm>
+            <a:off x="6959989" y="3468306"/>
+            <a:ext cx="684803" cy="1984467"/>
+            <a:chOff x="6029648" y="2918460"/>
+            <a:chExt cx="684803" cy="1984467"/>
+          </a:xfrm>
+        </p:grpSpPr>
+        <p:sp>
+          <p:nvSpPr>
+            <p:cNvPr id="17" name="テキスト ボックス 16">
+              <a:extLst>
+                <a:ext uri="{FF2B5EF4-FFF2-40B4-BE49-F238E27FC236}">
+                  <a16:creationId xmlns:a16="http://schemas.microsoft.com/office/drawing/2014/main" id="{BB80D3A1-D0B6-D7C2-EC8F-5B6F3584E8AC}"/>
+                </a:ext>
+              </a:extLst>
+            </p:cNvPr>
+            <p:cNvSpPr txBox="1"/>
+            <p:nvPr/>
+          </p:nvSpPr>
+          <p:spPr>
+            <a:xfrm>
+              <a:off x="6029648" y="2918460"/>
+              <a:ext cx="684803" cy="307777"/>
+            </a:xfrm>
+            <a:prstGeom prst="rect">
+              <a:avLst/>
+            </a:prstGeom>
+            <a:noFill/>
+          </p:spPr>
+          <p:txBody>
+            <a:bodyPr wrap="none" rtlCol="0">
+              <a:spAutoFit/>
+            </a:bodyPr>
+            <a:lstStyle/>
+            <a:p>
+              <a:r>
+                <a:rPr lang="en-US" altLang="ja-JP" sz="1400" dirty="0"/>
+                <a:t>task</a:t>
+              </a:r>
+              <a:r>
+                <a:rPr kumimoji="1" lang="en-US" altLang="ja-JP" sz="1400" dirty="0"/>
+                <a:t> 1</a:t>
+              </a:r>
+              <a:endParaRPr kumimoji="1" lang="ja-JP" altLang="en-US" sz="1400" dirty="0"/>
+            </a:p>
+          </p:txBody>
+        </p:sp>
+        <p:sp>
+          <p:nvSpPr>
+            <p:cNvPr id="20" name="テキスト ボックス 19">
+              <a:extLst>
+                <a:ext uri="{FF2B5EF4-FFF2-40B4-BE49-F238E27FC236}">
+                  <a16:creationId xmlns:a16="http://schemas.microsoft.com/office/drawing/2014/main" id="{C7500973-C2A0-1EDD-FC2E-A8CBB0074E06}"/>
+                </a:ext>
+              </a:extLst>
+            </p:cNvPr>
+            <p:cNvSpPr txBox="1"/>
+            <p:nvPr/>
+          </p:nvSpPr>
+          <p:spPr>
+            <a:xfrm>
+              <a:off x="6029648" y="3761703"/>
+              <a:ext cx="684803" cy="307777"/>
+            </a:xfrm>
+            <a:prstGeom prst="rect">
+              <a:avLst/>
+            </a:prstGeom>
+            <a:noFill/>
+          </p:spPr>
+          <p:txBody>
+            <a:bodyPr wrap="none" rtlCol="0">
+              <a:spAutoFit/>
+            </a:bodyPr>
+            <a:lstStyle/>
+            <a:p>
+              <a:r>
+                <a:rPr lang="en-US" altLang="ja-JP" sz="1400" dirty="0"/>
+                <a:t>task</a:t>
+              </a:r>
+              <a:r>
+                <a:rPr kumimoji="1" lang="en-US" altLang="ja-JP" sz="1400" dirty="0"/>
+                <a:t> 2</a:t>
+              </a:r>
+              <a:endParaRPr kumimoji="1" lang="ja-JP" altLang="en-US" sz="1400" dirty="0"/>
+            </a:p>
+          </p:txBody>
+        </p:sp>
+        <p:sp>
+          <p:nvSpPr>
+            <p:cNvPr id="24" name="テキスト ボックス 23">
+              <a:extLst>
+                <a:ext uri="{FF2B5EF4-FFF2-40B4-BE49-F238E27FC236}">
+                  <a16:creationId xmlns:a16="http://schemas.microsoft.com/office/drawing/2014/main" id="{154C9B23-431F-0BDE-FE3A-96D246C5B469}"/>
+                </a:ext>
+              </a:extLst>
+            </p:cNvPr>
+            <p:cNvSpPr txBox="1"/>
+            <p:nvPr/>
+          </p:nvSpPr>
+          <p:spPr>
+            <a:xfrm>
+              <a:off x="6029648" y="4595150"/>
+              <a:ext cx="684803" cy="307777"/>
+            </a:xfrm>
+            <a:prstGeom prst="rect">
+              <a:avLst/>
+            </a:prstGeom>
+            <a:noFill/>
+          </p:spPr>
+          <p:txBody>
+            <a:bodyPr wrap="none" rtlCol="0">
+              <a:spAutoFit/>
+            </a:bodyPr>
+            <a:lstStyle/>
+            <a:p>
+              <a:r>
+                <a:rPr lang="en-US" altLang="ja-JP" sz="1400" dirty="0"/>
+                <a:t>task</a:t>
+              </a:r>
+              <a:r>
+                <a:rPr kumimoji="1" lang="en-US" altLang="ja-JP" sz="1400" dirty="0"/>
+                <a:t> 3</a:t>
+              </a:r>
+              <a:endParaRPr kumimoji="1" lang="ja-JP" altLang="en-US" sz="1400" dirty="0"/>
+            </a:p>
+          </p:txBody>
+        </p:sp>
+      </p:grpSp>
+      <p:grpSp>
+        <p:nvGrpSpPr>
+          <p:cNvPr id="31" name="グループ化 30">
+            <a:extLst>
+              <a:ext uri="{FF2B5EF4-FFF2-40B4-BE49-F238E27FC236}">
+                <a16:creationId xmlns:a16="http://schemas.microsoft.com/office/drawing/2014/main" id="{6E7C5B42-B9F8-E857-430B-1C5DE3B549BA}"/>
+              </a:ext>
+            </a:extLst>
+          </p:cNvPr>
+          <p:cNvGrpSpPr/>
+          <p:nvPr/>
+        </p:nvGrpSpPr>
+        <p:grpSpPr>
+          <a:xfrm>
+            <a:off x="5241472" y="1884318"/>
+            <a:ext cx="2602595" cy="261611"/>
+            <a:chOff x="4997894" y="2106933"/>
+            <a:chExt cx="2602595" cy="261611"/>
+          </a:xfrm>
+        </p:grpSpPr>
+        <p:sp>
+          <p:nvSpPr>
+            <p:cNvPr id="10" name="テキスト ボックス 9">
+              <a:extLst>
+                <a:ext uri="{FF2B5EF4-FFF2-40B4-BE49-F238E27FC236}">
+                  <a16:creationId xmlns:a16="http://schemas.microsoft.com/office/drawing/2014/main" id="{A3E8D564-E44C-E5B4-FD6A-DF32ED7C33B7}"/>
+                </a:ext>
+              </a:extLst>
+            </p:cNvPr>
+            <p:cNvSpPr txBox="1"/>
+            <p:nvPr/>
+          </p:nvSpPr>
+          <p:spPr>
+            <a:xfrm>
+              <a:off x="4997894" y="2106934"/>
+              <a:ext cx="1582484" cy="261610"/>
+            </a:xfrm>
+            <a:prstGeom prst="rect">
+              <a:avLst/>
+            </a:prstGeom>
+            <a:noFill/>
+          </p:spPr>
+          <p:txBody>
+            <a:bodyPr wrap="none" rtlCol="0">
+              <a:spAutoFit/>
+            </a:bodyPr>
+            <a:lstStyle/>
+            <a:p>
+              <a:r>
+                <a:rPr lang="en-US" altLang="ja-JP" sz="1100" dirty="0"/>
+                <a:t>Total Amount of Task</a:t>
+              </a:r>
+              <a:endParaRPr kumimoji="1" lang="ja-JP" altLang="en-US" sz="1100" dirty="0"/>
+            </a:p>
+          </p:txBody>
+        </p:sp>
+        <p:sp>
+          <p:nvSpPr>
+            <p:cNvPr id="15" name="テキスト ボックス 14">
+              <a:extLst>
+                <a:ext uri="{FF2B5EF4-FFF2-40B4-BE49-F238E27FC236}">
+                  <a16:creationId xmlns:a16="http://schemas.microsoft.com/office/drawing/2014/main" id="{C0F6C081-0C19-7547-2584-87BEA03A853F}"/>
+                </a:ext>
+              </a:extLst>
+            </p:cNvPr>
+            <p:cNvSpPr txBox="1"/>
+            <p:nvPr/>
+          </p:nvSpPr>
+          <p:spPr>
+            <a:xfrm>
+              <a:off x="6824156" y="2106933"/>
+              <a:ext cx="776333" cy="261610"/>
+            </a:xfrm>
+            <a:prstGeom prst="rect">
+              <a:avLst/>
+            </a:prstGeom>
+            <a:noFill/>
+            <a:ln>
+              <a:solidFill>
+                <a:schemeClr val="tx1"/>
+              </a:solidFill>
+            </a:ln>
+          </p:spPr>
+          <p:txBody>
+            <a:bodyPr wrap="square" rtlCol="0">
+              <a:spAutoFit/>
+            </a:bodyPr>
+            <a:lstStyle/>
+            <a:p>
+              <a:pPr algn="ctr"/>
+              <a:r>
+                <a:rPr kumimoji="1" lang="en-US" altLang="ja-JP" sz="1100" dirty="0"/>
+                <a:t>1</a:t>
+              </a:r>
+              <a:endParaRPr kumimoji="1" lang="ja-JP" altLang="en-US" sz="1100" dirty="0"/>
+            </a:p>
+          </p:txBody>
+        </p:sp>
+        <p:sp>
+          <p:nvSpPr>
+            <p:cNvPr id="19" name="二等辺三角形 18">
+              <a:extLst>
+                <a:ext uri="{FF2B5EF4-FFF2-40B4-BE49-F238E27FC236}">
+                  <a16:creationId xmlns:a16="http://schemas.microsoft.com/office/drawing/2014/main" id="{4F1F177F-CE78-C67B-64F6-B3F4CB23BAAF}"/>
+                </a:ext>
+              </a:extLst>
+            </p:cNvPr>
+            <p:cNvSpPr/>
+            <p:nvPr/>
+          </p:nvSpPr>
+          <p:spPr>
+            <a:xfrm rot="10800000">
+              <a:off x="6824156" y="2167783"/>
+              <a:ext cx="155165" cy="139910"/>
+            </a:xfrm>
+            <a:prstGeom prst="triangle">
+              <a:avLst/>
+            </a:prstGeom>
+            <a:solidFill>
+              <a:schemeClr val="tx1"/>
+            </a:solidFill>
+          </p:spPr>
+          <p:style>
+            <a:lnRef idx="2">
+              <a:schemeClr val="accent1">
+                <a:shade val="50000"/>
+              </a:schemeClr>
+            </a:lnRef>
+            <a:fillRef idx="1">
+              <a:schemeClr val="accent1"/>
+            </a:fillRef>
+            <a:effectRef idx="0">
+              <a:schemeClr val="accent1"/>
+            </a:effectRef>
+            <a:fontRef idx="minor">
+              <a:schemeClr val="lt1"/>
+            </a:fontRef>
+          </p:style>
+          <p:txBody>
+            <a:bodyPr rtlCol="0" anchor="ctr"/>
+            <a:lstStyle/>
+            <a:p>
+              <a:pPr algn="ctr"/>
+              <a:endParaRPr kumimoji="1" lang="ja-JP" altLang="en-US" dirty="0"/>
+            </a:p>
+          </p:txBody>
+        </p:sp>
+      </p:grpSp>
+      <p:grpSp>
+        <p:nvGrpSpPr>
+          <p:cNvPr id="23" name="グループ化 22">
+            <a:extLst>
+              <a:ext uri="{FF2B5EF4-FFF2-40B4-BE49-F238E27FC236}">
+                <a16:creationId xmlns:a16="http://schemas.microsoft.com/office/drawing/2014/main" id="{5061C60E-308C-8A6D-2679-F5698CFED2B9}"/>
+              </a:ext>
+            </a:extLst>
+          </p:cNvPr>
+          <p:cNvGrpSpPr/>
+          <p:nvPr/>
+        </p:nvGrpSpPr>
+        <p:grpSpPr>
+          <a:xfrm>
+            <a:off x="5206398" y="2449682"/>
+            <a:ext cx="2672742" cy="302173"/>
+            <a:chOff x="5344868" y="2601026"/>
+            <a:chExt cx="2672742" cy="302173"/>
+          </a:xfrm>
+        </p:grpSpPr>
+        <p:sp>
+          <p:nvSpPr>
+            <p:cNvPr id="28" name="テキスト ボックス 27">
+              <a:extLst>
+                <a:ext uri="{FF2B5EF4-FFF2-40B4-BE49-F238E27FC236}">
+                  <a16:creationId xmlns:a16="http://schemas.microsoft.com/office/drawing/2014/main" id="{5CD7637E-0D3B-B0E4-8E18-B9DE4B38E1B4}"/>
+                </a:ext>
+              </a:extLst>
+            </p:cNvPr>
+            <p:cNvSpPr txBox="1"/>
+            <p:nvPr/>
+          </p:nvSpPr>
+          <p:spPr>
+            <a:xfrm>
+              <a:off x="5606157" y="2615732"/>
+              <a:ext cx="527709" cy="276999"/>
+            </a:xfrm>
+            <a:prstGeom prst="rect">
+              <a:avLst/>
+            </a:prstGeom>
+            <a:noFill/>
+          </p:spPr>
+          <p:txBody>
+            <a:bodyPr wrap="none" rtlCol="0">
+              <a:spAutoFit/>
+            </a:bodyPr>
+            <a:lstStyle/>
+            <a:p>
+              <a:r>
+                <a:rPr lang="en-US" altLang="ja-JP" sz="1200" dirty="0"/>
+                <a:t>Task</a:t>
+              </a:r>
+              <a:endParaRPr kumimoji="1" lang="ja-JP" altLang="en-US" sz="1200" dirty="0"/>
+            </a:p>
+          </p:txBody>
+        </p:sp>
+        <p:sp>
+          <p:nvSpPr>
+            <p:cNvPr id="29" name="テキスト ボックス 28">
+              <a:extLst>
+                <a:ext uri="{FF2B5EF4-FFF2-40B4-BE49-F238E27FC236}">
+                  <a16:creationId xmlns:a16="http://schemas.microsoft.com/office/drawing/2014/main" id="{64D8CCF5-853A-DF7E-6A97-F16E4D46339D}"/>
+                </a:ext>
+              </a:extLst>
+            </p:cNvPr>
+            <p:cNvSpPr txBox="1"/>
+            <p:nvPr/>
+          </p:nvSpPr>
+          <p:spPr>
+            <a:xfrm>
+              <a:off x="6944572" y="2601026"/>
+              <a:ext cx="992579" cy="276999"/>
+            </a:xfrm>
+            <a:prstGeom prst="rect">
+              <a:avLst/>
+            </a:prstGeom>
+            <a:noFill/>
+          </p:spPr>
+          <p:txBody>
+            <a:bodyPr wrap="none" rtlCol="0">
+              <a:spAutoFit/>
+            </a:bodyPr>
+            <a:lstStyle/>
+            <a:p>
+              <a:r>
+                <a:rPr lang="en-US" altLang="ja-JP" sz="1200" dirty="0"/>
+                <a:t>Task Name</a:t>
+              </a:r>
+              <a:endParaRPr kumimoji="1" lang="ja-JP" altLang="en-US" sz="1200" dirty="0"/>
+            </a:p>
+          </p:txBody>
+        </p:sp>
+        <p:cxnSp>
+          <p:nvCxnSpPr>
+            <p:cNvPr id="30" name="直線コネクタ 29">
+              <a:extLst>
+                <a:ext uri="{FF2B5EF4-FFF2-40B4-BE49-F238E27FC236}">
+                  <a16:creationId xmlns:a16="http://schemas.microsoft.com/office/drawing/2014/main" id="{F4F4B81D-E2BE-FEE5-FE10-E3E76A2207B7}"/>
+                </a:ext>
+              </a:extLst>
+            </p:cNvPr>
+            <p:cNvCxnSpPr>
+              <a:cxnSpLocks/>
+            </p:cNvCxnSpPr>
+            <p:nvPr/>
+          </p:nvCxnSpPr>
+          <p:spPr>
+            <a:xfrm>
+              <a:off x="5344868" y="2903199"/>
+              <a:ext cx="2672742" cy="0"/>
+            </a:xfrm>
+            <a:prstGeom prst="line">
+              <a:avLst/>
+            </a:prstGeom>
+          </p:spPr>
+          <p:style>
+            <a:lnRef idx="1">
+              <a:schemeClr val="dk1"/>
+            </a:lnRef>
+            <a:fillRef idx="0">
+              <a:schemeClr val="dk1"/>
+            </a:fillRef>
+            <a:effectRef idx="0">
+              <a:schemeClr val="dk1"/>
+            </a:effectRef>
+            <a:fontRef idx="minor">
+              <a:schemeClr val="tx1"/>
+            </a:fontRef>
+          </p:style>
+        </p:cxnSp>
+      </p:grpSp>
+      <p:sp>
+        <p:nvSpPr>
+          <p:cNvPr id="33" name="テキスト ボックス 32">
+            <a:extLst>
+              <a:ext uri="{FF2B5EF4-FFF2-40B4-BE49-F238E27FC236}">
+                <a16:creationId xmlns:a16="http://schemas.microsoft.com/office/drawing/2014/main" id="{C16E9C97-E675-C9B9-FDCC-7E3061A056C4}"/>
+              </a:ext>
+            </a:extLst>
+          </p:cNvPr>
+          <p:cNvSpPr txBox="1"/>
+          <p:nvPr/>
+        </p:nvSpPr>
+        <p:spPr>
+          <a:xfrm>
+            <a:off x="9948917" y="1945168"/>
+            <a:ext cx="1372492" cy="461665"/>
+          </a:xfrm>
+          <a:prstGeom prst="rect">
+            <a:avLst/>
+          </a:prstGeom>
+          <a:noFill/>
+        </p:spPr>
+        <p:txBody>
+          <a:bodyPr wrap="none" rtlCol="0">
+            <a:spAutoFit/>
+          </a:bodyPr>
+          <a:lstStyle/>
+          <a:p>
+            <a:r>
+              <a:rPr kumimoji="1" lang="en-US" altLang="ja-JP" sz="1200" dirty="0"/>
+              <a:t>Dropdown List</a:t>
+            </a:r>
+          </a:p>
+          <a:p>
+            <a:r>
+              <a:rPr lang="en-US" altLang="ja-JP" sz="1200" dirty="0"/>
+              <a:t>(</a:t>
+            </a:r>
+            <a:r>
+              <a:rPr kumimoji="1" lang="en-US" altLang="ja-JP" sz="1200" dirty="0"/>
+              <a:t> Min 1 ~ </a:t>
+            </a:r>
+            <a:r>
+              <a:rPr lang="en-US" altLang="ja-JP" sz="1200" dirty="0"/>
+              <a:t>Max 7)</a:t>
+            </a:r>
+            <a:endParaRPr kumimoji="1" lang="ja-JP" altLang="en-US" sz="1200" dirty="0"/>
+          </a:p>
+        </p:txBody>
+      </p:sp>
+      <p:cxnSp>
+        <p:nvCxnSpPr>
+          <p:cNvPr id="35" name="直線矢印コネクタ 34">
+            <a:extLst>
+              <a:ext uri="{FF2B5EF4-FFF2-40B4-BE49-F238E27FC236}">
+                <a16:creationId xmlns:a16="http://schemas.microsoft.com/office/drawing/2014/main" id="{B6688B73-E09B-9D88-4F46-720135B89131}"/>
+              </a:ext>
+            </a:extLst>
+          </p:cNvPr>
+          <p:cNvCxnSpPr>
+            <a:stCxn id="33" idx="1"/>
+            <a:endCxn id="15" idx="3"/>
+          </p:cNvCxnSpPr>
+          <p:nvPr/>
+        </p:nvCxnSpPr>
+        <p:spPr>
+          <a:xfrm flipH="1" flipV="1">
+            <a:off x="7844067" y="2015123"/>
+            <a:ext cx="2104850" cy="160878"/>
+          </a:xfrm>
+          <a:prstGeom prst="straightConnector1">
+            <a:avLst/>
+          </a:prstGeom>
+          <a:ln>
+            <a:tailEnd type="triangle"/>
+          </a:ln>
+        </p:spPr>
+        <p:style>
+          <a:lnRef idx="1">
+            <a:schemeClr val="accent1"/>
+          </a:lnRef>
+          <a:fillRef idx="0">
+            <a:schemeClr val="accent1"/>
+          </a:fillRef>
+          <a:effectRef idx="0">
+            <a:schemeClr val="accent1"/>
+          </a:effectRef>
+          <a:fontRef idx="minor">
+            <a:schemeClr val="tx1"/>
+          </a:fontRef>
+        </p:style>
+      </p:cxnSp>
+      <p:sp>
+        <p:nvSpPr>
+          <p:cNvPr id="37" name="テキスト ボックス 36">
+            <a:extLst>
+              <a:ext uri="{FF2B5EF4-FFF2-40B4-BE49-F238E27FC236}">
+                <a16:creationId xmlns:a16="http://schemas.microsoft.com/office/drawing/2014/main" id="{5320E191-40B1-C867-488B-E1606547B3C6}"/>
+              </a:ext>
+            </a:extLst>
+          </p:cNvPr>
+          <p:cNvSpPr txBox="1"/>
+          <p:nvPr/>
+        </p:nvSpPr>
+        <p:spPr>
+          <a:xfrm>
+            <a:off x="5373218" y="759841"/>
+            <a:ext cx="2339102" cy="528093"/>
+          </a:xfrm>
+          <a:prstGeom prst="rect">
+            <a:avLst/>
+          </a:prstGeom>
+          <a:noFill/>
+        </p:spPr>
+        <p:txBody>
+          <a:bodyPr wrap="none" rtlCol="0">
+            <a:spAutoFit/>
+          </a:bodyPr>
+          <a:lstStyle/>
+          <a:p>
+            <a:pPr algn="ctr"/>
+            <a:r>
+              <a:rPr lang="ja-JP" altLang="en-US" sz="1200" dirty="0"/>
+              <a:t>周期的なイベントを管理しよう</a:t>
+            </a:r>
+            <a:endParaRPr lang="en-US" altLang="ja-JP" sz="1200" dirty="0"/>
+          </a:p>
+          <a:p>
+            <a:pPr algn="ctr">
+              <a:lnSpc>
+                <a:spcPct val="150000"/>
+              </a:lnSpc>
+            </a:pPr>
+            <a:r>
+              <a:rPr lang="en-US" altLang="ja-JP" sz="1200" dirty="0"/>
+              <a:t>- </a:t>
+            </a:r>
+            <a:r>
+              <a:rPr lang="ja-JP" altLang="en-US" sz="900" dirty="0"/>
+              <a:t>タスク </a:t>
+            </a:r>
+            <a:r>
+              <a:rPr lang="en-US" altLang="ja-JP" sz="1200" dirty="0"/>
+              <a:t>-</a:t>
+            </a:r>
+            <a:endParaRPr kumimoji="1" lang="ja-JP" altLang="en-US" sz="1200" dirty="0"/>
+          </a:p>
+        </p:txBody>
+      </p:sp>
+      <p:cxnSp>
+        <p:nvCxnSpPr>
+          <p:cNvPr id="38" name="直線矢印コネクタ 37">
+            <a:extLst>
+              <a:ext uri="{FF2B5EF4-FFF2-40B4-BE49-F238E27FC236}">
+                <a16:creationId xmlns:a16="http://schemas.microsoft.com/office/drawing/2014/main" id="{E02C514C-39B3-DB69-7BE2-1E0325405C5E}"/>
+              </a:ext>
+            </a:extLst>
+          </p:cNvPr>
+          <p:cNvCxnSpPr>
+            <a:cxnSpLocks/>
+          </p:cNvCxnSpPr>
+          <p:nvPr/>
+        </p:nvCxnSpPr>
+        <p:spPr>
+          <a:xfrm flipH="1">
+            <a:off x="6315740" y="2904255"/>
+            <a:ext cx="2938130" cy="750768"/>
+          </a:xfrm>
+          <a:prstGeom prst="straightConnector1">
+            <a:avLst/>
+          </a:prstGeom>
+          <a:ln>
+            <a:tailEnd type="triangle"/>
+          </a:ln>
+        </p:spPr>
+        <p:style>
+          <a:lnRef idx="1">
+            <a:schemeClr val="accent1"/>
+          </a:lnRef>
+          <a:fillRef idx="0">
+            <a:schemeClr val="accent1"/>
+          </a:fillRef>
+          <a:effectRef idx="0">
+            <a:schemeClr val="accent1"/>
+          </a:effectRef>
+          <a:fontRef idx="minor">
+            <a:schemeClr val="tx1"/>
+          </a:fontRef>
+        </p:style>
+      </p:cxnSp>
+      <p:cxnSp>
+        <p:nvCxnSpPr>
+          <p:cNvPr id="41" name="直線矢印コネクタ 40">
+            <a:extLst>
+              <a:ext uri="{FF2B5EF4-FFF2-40B4-BE49-F238E27FC236}">
+                <a16:creationId xmlns:a16="http://schemas.microsoft.com/office/drawing/2014/main" id="{C0BF6BC0-3AE2-3C42-6698-997200D7862B}"/>
+              </a:ext>
+            </a:extLst>
+          </p:cNvPr>
+          <p:cNvCxnSpPr>
+            <a:cxnSpLocks/>
+          </p:cNvCxnSpPr>
+          <p:nvPr/>
+        </p:nvCxnSpPr>
+        <p:spPr>
+          <a:xfrm flipH="1">
+            <a:off x="7798681" y="2904255"/>
+            <a:ext cx="1455189" cy="750768"/>
+          </a:xfrm>
+          <a:prstGeom prst="straightConnector1">
+            <a:avLst/>
+          </a:prstGeom>
+          <a:ln>
+            <a:tailEnd type="triangle"/>
+          </a:ln>
+        </p:spPr>
+        <p:style>
+          <a:lnRef idx="1">
+            <a:schemeClr val="accent1"/>
+          </a:lnRef>
+          <a:fillRef idx="0">
+            <a:schemeClr val="accent1"/>
+          </a:fillRef>
+          <a:effectRef idx="0">
+            <a:schemeClr val="accent1"/>
+          </a:effectRef>
+          <a:fontRef idx="minor">
+            <a:schemeClr val="tx1"/>
+          </a:fontRef>
+        </p:style>
+      </p:cxnSp>
+      <p:sp>
+        <p:nvSpPr>
+          <p:cNvPr id="45" name="テキスト ボックス 44">
+            <a:extLst>
+              <a:ext uri="{FF2B5EF4-FFF2-40B4-BE49-F238E27FC236}">
+                <a16:creationId xmlns:a16="http://schemas.microsoft.com/office/drawing/2014/main" id="{E2320925-D6CD-BD7A-1226-4E315622B020}"/>
+              </a:ext>
+            </a:extLst>
+          </p:cNvPr>
+          <p:cNvSpPr txBox="1"/>
+          <p:nvPr/>
+        </p:nvSpPr>
+        <p:spPr>
+          <a:xfrm>
+            <a:off x="9250828" y="2807813"/>
+            <a:ext cx="862737" cy="276999"/>
+          </a:xfrm>
+          <a:prstGeom prst="rect">
+            <a:avLst/>
+          </a:prstGeom>
+          <a:noFill/>
+        </p:spPr>
+        <p:txBody>
+          <a:bodyPr wrap="none" rtlCol="0">
+            <a:spAutoFit/>
+          </a:bodyPr>
+          <a:lstStyle/>
+          <a:p>
+            <a:r>
+              <a:rPr lang="en-US" altLang="ja-JP" sz="1200" dirty="0"/>
+              <a:t>Input Box</a:t>
+            </a:r>
+            <a:endParaRPr kumimoji="1" lang="ja-JP" altLang="en-US" sz="1200" dirty="0"/>
+          </a:p>
+        </p:txBody>
+      </p:sp>
+      <p:sp>
+        <p:nvSpPr>
+          <p:cNvPr id="47" name="テキスト ボックス 46">
+            <a:extLst>
+              <a:ext uri="{FF2B5EF4-FFF2-40B4-BE49-F238E27FC236}">
+                <a16:creationId xmlns:a16="http://schemas.microsoft.com/office/drawing/2014/main" id="{E7880490-6E72-D9CC-873D-69760B8FD9DA}"/>
+              </a:ext>
+            </a:extLst>
+          </p:cNvPr>
+          <p:cNvSpPr txBox="1"/>
+          <p:nvPr/>
+        </p:nvSpPr>
+        <p:spPr>
+          <a:xfrm>
+            <a:off x="8000960" y="5775860"/>
+            <a:ext cx="393056" cy="261610"/>
+          </a:xfrm>
+          <a:prstGeom prst="rect">
+            <a:avLst/>
+          </a:prstGeom>
+          <a:solidFill>
+            <a:schemeClr val="bg2"/>
+          </a:solidFill>
+          <a:ln>
+            <a:solidFill>
+              <a:schemeClr val="tx1"/>
+            </a:solidFill>
+          </a:ln>
+        </p:spPr>
+        <p:txBody>
+          <a:bodyPr wrap="none" rtlCol="0">
+            <a:spAutoFit/>
+          </a:bodyPr>
+          <a:lstStyle/>
+          <a:p>
+            <a:r>
+              <a:rPr lang="en-US" altLang="ja-JP" sz="1100" b="1" dirty="0"/>
+              <a:t>OK</a:t>
+            </a:r>
+            <a:endParaRPr kumimoji="1" lang="ja-JP" altLang="en-US" sz="1100" b="1" dirty="0"/>
+          </a:p>
+        </p:txBody>
+      </p:sp>
+    </p:spTree>
+    <p:extLst>
+      <p:ext uri="{BB962C8B-B14F-4D97-AF65-F5344CB8AC3E}">
+        <p14:creationId xmlns:p14="http://schemas.microsoft.com/office/powerpoint/2010/main" val="879807816"/>
+      </p:ext>
+    </p:extLst>
+  </p:cSld>
+  <p:clrMapOvr>
+    <a:masterClrMapping/>
+  </p:clrMapOvr>
+</p:sld>
+</file>
+
+<file path=ppt/slides/slide3.xml><?xml version="1.0" encoding="utf-8"?>
+<p:sld xmlns:a="http://schemas.openxmlformats.org/drawingml/2006/main" xmlns:r="http://schemas.openxmlformats.org/officeDocument/2006/relationships" xmlns:p="http://schemas.openxmlformats.org/presentationml/2006/main">
+  <p:cSld>
+    <p:spTree>
+      <p:nvGrpSpPr>
+        <p:cNvPr id="1" name=""/>
+        <p:cNvGrpSpPr/>
+        <p:nvPr/>
+      </p:nvGrpSpPr>
+      <p:grpSpPr>
+        <a:xfrm>
+          <a:off x="0" y="0"/>
+          <a:ext cx="0" cy="0"/>
+          <a:chOff x="0" y="0"/>
+          <a:chExt cx="0" cy="0"/>
+        </a:xfrm>
+      </p:grpSpPr>
+      <p:sp>
+        <p:nvSpPr>
+          <p:cNvPr id="2" name="正方形/長方形 1">
+            <a:extLst>
+              <a:ext uri="{FF2B5EF4-FFF2-40B4-BE49-F238E27FC236}">
+                <a16:creationId xmlns:a16="http://schemas.microsoft.com/office/drawing/2014/main" id="{75991A75-5FE1-F424-E841-81D54908EBDB}"/>
+              </a:ext>
+            </a:extLst>
+          </p:cNvPr>
+          <p:cNvSpPr/>
+          <p:nvPr/>
+        </p:nvSpPr>
+        <p:spPr>
+          <a:xfrm>
+            <a:off x="2531328" y="517849"/>
+            <a:ext cx="6205236" cy="5822302"/>
+          </a:xfrm>
+          <a:prstGeom prst="rect">
+            <a:avLst/>
+          </a:prstGeom>
+          <a:noFill/>
+          <a:ln>
+            <a:solidFill>
+              <a:schemeClr val="tx1"/>
+            </a:solidFill>
+          </a:ln>
+        </p:spPr>
+        <p:style>
+          <a:lnRef idx="2">
+            <a:schemeClr val="accent1">
+              <a:shade val="50000"/>
+            </a:schemeClr>
+          </a:lnRef>
+          <a:fillRef idx="1">
+            <a:schemeClr val="accent1"/>
+          </a:fillRef>
+          <a:effectRef idx="0">
+            <a:schemeClr val="accent1"/>
+          </a:effectRef>
+          <a:fontRef idx="minor">
+            <a:schemeClr val="lt1"/>
+          </a:fontRef>
+        </p:style>
+        <p:txBody>
+          <a:bodyPr rtlCol="0" anchor="ctr"/>
+          <a:lstStyle/>
+          <a:p>
+            <a:pPr algn="ctr"/>
+            <a:endParaRPr kumimoji="1" lang="ja-JP" altLang="en-US"/>
+          </a:p>
+        </p:txBody>
+      </p:sp>
+      <p:cxnSp>
+        <p:nvCxnSpPr>
+          <p:cNvPr id="5" name="直線コネクタ 4">
+            <a:extLst>
+              <a:ext uri="{FF2B5EF4-FFF2-40B4-BE49-F238E27FC236}">
+                <a16:creationId xmlns:a16="http://schemas.microsoft.com/office/drawing/2014/main" id="{55F4E919-C4CF-892E-A697-7CAD9C41A551}"/>
+              </a:ext>
+            </a:extLst>
+          </p:cNvPr>
+          <p:cNvCxnSpPr>
+            <a:cxnSpLocks/>
+          </p:cNvCxnSpPr>
+          <p:nvPr/>
+        </p:nvCxnSpPr>
+        <p:spPr>
+          <a:xfrm>
+            <a:off x="4348975" y="517849"/>
+            <a:ext cx="0" cy="5822302"/>
+          </a:xfrm>
+          <a:prstGeom prst="line">
+            <a:avLst/>
+          </a:prstGeom>
+        </p:spPr>
+        <p:style>
+          <a:lnRef idx="1">
+            <a:schemeClr val="dk1"/>
+          </a:lnRef>
+          <a:fillRef idx="0">
+            <a:schemeClr val="dk1"/>
+          </a:fillRef>
+          <a:effectRef idx="0">
+            <a:schemeClr val="dk1"/>
+          </a:effectRef>
+          <a:fontRef idx="minor">
+            <a:schemeClr val="tx1"/>
+          </a:fontRef>
+        </p:style>
+      </p:cxnSp>
+      <p:cxnSp>
+        <p:nvCxnSpPr>
+          <p:cNvPr id="13" name="直線コネクタ 12">
+            <a:extLst>
+              <a:ext uri="{FF2B5EF4-FFF2-40B4-BE49-F238E27FC236}">
+                <a16:creationId xmlns:a16="http://schemas.microsoft.com/office/drawing/2014/main" id="{2CB2CCF0-6D1A-C253-BC27-18EE6A3F697D}"/>
+              </a:ext>
+            </a:extLst>
+          </p:cNvPr>
+          <p:cNvCxnSpPr/>
+          <p:nvPr/>
+        </p:nvCxnSpPr>
+        <p:spPr>
+          <a:xfrm>
+            <a:off x="4348975" y="1429476"/>
+            <a:ext cx="4387589" cy="0"/>
+          </a:xfrm>
+          <a:prstGeom prst="line">
+            <a:avLst/>
+          </a:prstGeom>
+        </p:spPr>
+        <p:style>
+          <a:lnRef idx="1">
+            <a:schemeClr val="dk1"/>
+          </a:lnRef>
+          <a:fillRef idx="0">
+            <a:schemeClr val="dk1"/>
+          </a:fillRef>
+          <a:effectRef idx="0">
+            <a:schemeClr val="dk1"/>
+          </a:effectRef>
+          <a:fontRef idx="minor">
+            <a:schemeClr val="tx1"/>
+          </a:fontRef>
+        </p:style>
+      </p:cxnSp>
+      <p:grpSp>
+        <p:nvGrpSpPr>
+          <p:cNvPr id="22" name="グループ化 21">
+            <a:extLst>
+              <a:ext uri="{FF2B5EF4-FFF2-40B4-BE49-F238E27FC236}">
+                <a16:creationId xmlns:a16="http://schemas.microsoft.com/office/drawing/2014/main" id="{76F1A073-FBDD-B1F9-31F6-BDC5E192FD03}"/>
+              </a:ext>
+            </a:extLst>
+          </p:cNvPr>
+          <p:cNvGrpSpPr/>
+          <p:nvPr/>
+        </p:nvGrpSpPr>
+        <p:grpSpPr>
+          <a:xfrm>
+            <a:off x="2904893" y="2337869"/>
+            <a:ext cx="1070517" cy="2912011"/>
+            <a:chOff x="2904893" y="2047937"/>
+            <a:chExt cx="1070517" cy="2912011"/>
+          </a:xfrm>
+        </p:grpSpPr>
+        <p:sp>
+          <p:nvSpPr>
+            <p:cNvPr id="7" name="テキスト ボックス 6">
+              <a:extLst>
+                <a:ext uri="{FF2B5EF4-FFF2-40B4-BE49-F238E27FC236}">
+                  <a16:creationId xmlns:a16="http://schemas.microsoft.com/office/drawing/2014/main" id="{6DC1BDD4-ED4F-1A70-759D-923CAA2A10D1}"/>
+                </a:ext>
+              </a:extLst>
+            </p:cNvPr>
+            <p:cNvSpPr txBox="1"/>
+            <p:nvPr/>
+          </p:nvSpPr>
+          <p:spPr>
+            <a:xfrm>
+              <a:off x="2999678" y="2579556"/>
+              <a:ext cx="880946" cy="253916"/>
+            </a:xfrm>
+            <a:prstGeom prst="rect">
+              <a:avLst/>
+            </a:prstGeom>
+            <a:noFill/>
+          </p:spPr>
+          <p:txBody>
+            <a:bodyPr wrap="square" rtlCol="0">
+              <a:spAutoFit/>
+            </a:bodyPr>
+            <a:lstStyle/>
+            <a:p>
+              <a:pPr algn="ctr"/>
+              <a:r>
+                <a:rPr kumimoji="1" lang="ja-JP" altLang="en-US" sz="1050" dirty="0"/>
+                <a:t>タスク</a:t>
+              </a:r>
+            </a:p>
+          </p:txBody>
+        </p:sp>
+        <p:sp>
+          <p:nvSpPr>
+            <p:cNvPr id="9" name="テキスト ボックス 8">
+              <a:extLst>
+                <a:ext uri="{FF2B5EF4-FFF2-40B4-BE49-F238E27FC236}">
+                  <a16:creationId xmlns:a16="http://schemas.microsoft.com/office/drawing/2014/main" id="{C209FC6D-A1B9-5428-8BEE-20558D4F5949}"/>
+                </a:ext>
+              </a:extLst>
+            </p:cNvPr>
+            <p:cNvSpPr txBox="1"/>
+            <p:nvPr/>
+          </p:nvSpPr>
+          <p:spPr>
+            <a:xfrm>
+              <a:off x="2904893" y="3111175"/>
+              <a:ext cx="1070517" cy="253916"/>
+            </a:xfrm>
+            <a:prstGeom prst="rect">
+              <a:avLst/>
+            </a:prstGeom>
+            <a:noFill/>
+          </p:spPr>
+          <p:txBody>
+            <a:bodyPr wrap="square" rtlCol="0">
+              <a:spAutoFit/>
+            </a:bodyPr>
+            <a:lstStyle/>
+            <a:p>
+              <a:pPr algn="ctr"/>
+              <a:r>
+                <a:rPr kumimoji="1" lang="ja-JP" altLang="en-US" sz="1050" u="sng" dirty="0"/>
+                <a:t>割り当て</a:t>
+              </a:r>
+            </a:p>
+          </p:txBody>
+        </p:sp>
+        <p:sp>
+          <p:nvSpPr>
+            <p:cNvPr id="11" name="テキスト ボックス 10">
+              <a:extLst>
+                <a:ext uri="{FF2B5EF4-FFF2-40B4-BE49-F238E27FC236}">
+                  <a16:creationId xmlns:a16="http://schemas.microsoft.com/office/drawing/2014/main" id="{B0FF3F60-7FC4-E582-04C4-D6F7F5E4E8DA}"/>
+                </a:ext>
+              </a:extLst>
+            </p:cNvPr>
+            <p:cNvSpPr txBox="1"/>
+            <p:nvPr/>
+          </p:nvSpPr>
+          <p:spPr>
+            <a:xfrm>
+              <a:off x="3080526" y="3642794"/>
+              <a:ext cx="730404" cy="253916"/>
+            </a:xfrm>
+            <a:prstGeom prst="rect">
+              <a:avLst/>
+            </a:prstGeom>
+            <a:noFill/>
+          </p:spPr>
+          <p:txBody>
+            <a:bodyPr wrap="square" rtlCol="0">
+              <a:spAutoFit/>
+            </a:bodyPr>
+            <a:lstStyle/>
+            <a:p>
+              <a:pPr algn="ctr"/>
+              <a:r>
+                <a:rPr kumimoji="1" lang="ja-JP" altLang="en-US" sz="1050" dirty="0"/>
+                <a:t>周期</a:t>
+              </a:r>
+            </a:p>
+          </p:txBody>
+        </p:sp>
+        <p:sp>
+          <p:nvSpPr>
+            <p:cNvPr id="16" name="テキスト ボックス 15">
+              <a:extLst>
+                <a:ext uri="{FF2B5EF4-FFF2-40B4-BE49-F238E27FC236}">
+                  <a16:creationId xmlns:a16="http://schemas.microsoft.com/office/drawing/2014/main" id="{ED1B5AD2-57EB-FD93-9DB6-261F27E9E725}"/>
+                </a:ext>
+              </a:extLst>
+            </p:cNvPr>
+            <p:cNvSpPr txBox="1"/>
+            <p:nvPr/>
+          </p:nvSpPr>
+          <p:spPr>
+            <a:xfrm>
+              <a:off x="3097254" y="4174413"/>
+              <a:ext cx="730404" cy="253916"/>
+            </a:xfrm>
+            <a:prstGeom prst="rect">
+              <a:avLst/>
+            </a:prstGeom>
+            <a:noFill/>
+          </p:spPr>
+          <p:txBody>
+            <a:bodyPr wrap="square" rtlCol="0">
+              <a:spAutoFit/>
+            </a:bodyPr>
+            <a:lstStyle/>
+            <a:p>
+              <a:pPr algn="ctr"/>
+              <a:r>
+                <a:rPr lang="ja-JP" altLang="en-US" sz="1050" dirty="0"/>
+                <a:t>表示</a:t>
+              </a:r>
+              <a:endParaRPr kumimoji="1" lang="ja-JP" altLang="en-US" sz="1050" dirty="0"/>
+            </a:p>
+          </p:txBody>
+        </p:sp>
+        <p:sp>
+          <p:nvSpPr>
+            <p:cNvPr id="18" name="テキスト ボックス 17">
+              <a:extLst>
+                <a:ext uri="{FF2B5EF4-FFF2-40B4-BE49-F238E27FC236}">
+                  <a16:creationId xmlns:a16="http://schemas.microsoft.com/office/drawing/2014/main" id="{A654E9A7-C864-F157-B2CC-287228D50FD6}"/>
+                </a:ext>
+              </a:extLst>
+            </p:cNvPr>
+            <p:cNvSpPr txBox="1"/>
+            <p:nvPr/>
+          </p:nvSpPr>
+          <p:spPr>
+            <a:xfrm>
+              <a:off x="3102830" y="4706032"/>
+              <a:ext cx="730404" cy="253916"/>
+            </a:xfrm>
+            <a:prstGeom prst="rect">
+              <a:avLst/>
+            </a:prstGeom>
+            <a:noFill/>
+          </p:spPr>
+          <p:txBody>
+            <a:bodyPr wrap="square" rtlCol="0">
+              <a:spAutoFit/>
+            </a:bodyPr>
+            <a:lstStyle/>
+            <a:p>
+              <a:pPr algn="ctr"/>
+              <a:r>
+                <a:rPr kumimoji="1" lang="ja-JP" altLang="en-US" sz="1050" dirty="0"/>
+                <a:t>連携</a:t>
+              </a:r>
+            </a:p>
+          </p:txBody>
+        </p:sp>
+        <p:sp>
+          <p:nvSpPr>
+            <p:cNvPr id="21" name="テキスト ボックス 20">
+              <a:extLst>
+                <a:ext uri="{FF2B5EF4-FFF2-40B4-BE49-F238E27FC236}">
+                  <a16:creationId xmlns:a16="http://schemas.microsoft.com/office/drawing/2014/main" id="{57C7BC99-6E3B-8026-D839-9E87A335B5C6}"/>
+                </a:ext>
+              </a:extLst>
+            </p:cNvPr>
+            <p:cNvSpPr txBox="1"/>
+            <p:nvPr/>
+          </p:nvSpPr>
+          <p:spPr>
+            <a:xfrm>
+              <a:off x="2999678" y="2047937"/>
+              <a:ext cx="880946" cy="253916"/>
+            </a:xfrm>
+            <a:prstGeom prst="rect">
+              <a:avLst/>
+            </a:prstGeom>
+            <a:noFill/>
+          </p:spPr>
+          <p:txBody>
+            <a:bodyPr wrap="square" rtlCol="0">
+              <a:spAutoFit/>
+            </a:bodyPr>
+            <a:lstStyle/>
+            <a:p>
+              <a:pPr algn="ctr"/>
+              <a:r>
+                <a:rPr kumimoji="1" lang="ja-JP" altLang="en-US" sz="1050" dirty="0"/>
+                <a:t>ホーム</a:t>
+              </a:r>
+            </a:p>
+          </p:txBody>
+        </p:sp>
+      </p:grpSp>
+      <p:grpSp>
+        <p:nvGrpSpPr>
+          <p:cNvPr id="14" name="グループ化 13">
+            <a:extLst>
+              <a:ext uri="{FF2B5EF4-FFF2-40B4-BE49-F238E27FC236}">
+                <a16:creationId xmlns:a16="http://schemas.microsoft.com/office/drawing/2014/main" id="{C1C08133-58B7-F146-DB03-19DFF1F781A9}"/>
+              </a:ext>
+            </a:extLst>
+          </p:cNvPr>
+          <p:cNvGrpSpPr/>
+          <p:nvPr/>
+        </p:nvGrpSpPr>
+        <p:grpSpPr>
+          <a:xfrm>
+            <a:off x="5267782" y="3418729"/>
+            <a:ext cx="925328" cy="2055818"/>
+            <a:chOff x="4722541" y="2720151"/>
+            <a:chExt cx="925328" cy="2055818"/>
+          </a:xfrm>
+        </p:grpSpPr>
+        <p:sp>
+          <p:nvSpPr>
+            <p:cNvPr id="4" name="テキスト ボックス 3">
+              <a:extLst>
+                <a:ext uri="{FF2B5EF4-FFF2-40B4-BE49-F238E27FC236}">
+                  <a16:creationId xmlns:a16="http://schemas.microsoft.com/office/drawing/2014/main" id="{1F317D60-F8E2-AA1B-5A64-F1FF1BE93DC3}"/>
+                </a:ext>
+              </a:extLst>
+            </p:cNvPr>
+            <p:cNvSpPr txBox="1"/>
+            <p:nvPr/>
+          </p:nvSpPr>
+          <p:spPr>
+            <a:xfrm>
+              <a:off x="4722541" y="2720151"/>
+              <a:ext cx="912429" cy="369332"/>
+            </a:xfrm>
+            <a:prstGeom prst="rect">
+              <a:avLst/>
+            </a:prstGeom>
+            <a:noFill/>
+          </p:spPr>
+          <p:txBody>
+            <a:bodyPr wrap="none" rtlCol="0">
+              <a:spAutoFit/>
+            </a:bodyPr>
+            <a:lstStyle/>
+            <a:p>
+              <a:r>
+                <a:rPr kumimoji="1" lang="en-US" altLang="ja-JP" dirty="0"/>
+                <a:t>Task A</a:t>
+              </a:r>
+              <a:endParaRPr kumimoji="1" lang="ja-JP" altLang="en-US" dirty="0"/>
+            </a:p>
+          </p:txBody>
+        </p:sp>
+        <p:sp>
+          <p:nvSpPr>
+            <p:cNvPr id="8" name="テキスト ボックス 7">
+              <a:extLst>
+                <a:ext uri="{FF2B5EF4-FFF2-40B4-BE49-F238E27FC236}">
+                  <a16:creationId xmlns:a16="http://schemas.microsoft.com/office/drawing/2014/main" id="{A976D99C-0BFF-2312-4FDB-CCE8340B9799}"/>
+                </a:ext>
+              </a:extLst>
+            </p:cNvPr>
+            <p:cNvSpPr txBox="1"/>
+            <p:nvPr/>
+          </p:nvSpPr>
+          <p:spPr>
+            <a:xfrm>
+              <a:off x="4727424" y="3563394"/>
+              <a:ext cx="920445" cy="369332"/>
+            </a:xfrm>
+            <a:prstGeom prst="rect">
+              <a:avLst/>
+            </a:prstGeom>
+            <a:noFill/>
+          </p:spPr>
+          <p:txBody>
+            <a:bodyPr wrap="none" rtlCol="0">
+              <a:spAutoFit/>
+            </a:bodyPr>
+            <a:lstStyle/>
+            <a:p>
+              <a:r>
+                <a:rPr kumimoji="1" lang="en-US" altLang="ja-JP" dirty="0"/>
+                <a:t>Task B</a:t>
+              </a:r>
+              <a:endParaRPr kumimoji="1" lang="ja-JP" altLang="en-US" dirty="0"/>
+            </a:p>
+          </p:txBody>
+        </p:sp>
+        <p:sp>
+          <p:nvSpPr>
+            <p:cNvPr id="12" name="テキスト ボックス 11">
+              <a:extLst>
+                <a:ext uri="{FF2B5EF4-FFF2-40B4-BE49-F238E27FC236}">
+                  <a16:creationId xmlns:a16="http://schemas.microsoft.com/office/drawing/2014/main" id="{88116E85-70C3-91C3-A0F9-D642F948F257}"/>
+                </a:ext>
+              </a:extLst>
+            </p:cNvPr>
+            <p:cNvSpPr txBox="1"/>
+            <p:nvPr/>
+          </p:nvSpPr>
+          <p:spPr>
+            <a:xfrm>
+              <a:off x="4727424" y="4406637"/>
+              <a:ext cx="920445" cy="369332"/>
+            </a:xfrm>
+            <a:prstGeom prst="rect">
+              <a:avLst/>
+            </a:prstGeom>
+            <a:noFill/>
+          </p:spPr>
+          <p:txBody>
+            <a:bodyPr wrap="none" rtlCol="0">
+              <a:spAutoFit/>
+            </a:bodyPr>
+            <a:lstStyle/>
+            <a:p>
+              <a:r>
+                <a:rPr kumimoji="1" lang="en-US" altLang="ja-JP" dirty="0"/>
+                <a:t>Task</a:t>
+              </a:r>
+              <a:r>
+                <a:rPr lang="en-US" altLang="ja-JP" dirty="0"/>
+                <a:t> C</a:t>
+              </a:r>
+              <a:endParaRPr kumimoji="1" lang="ja-JP" altLang="en-US" dirty="0"/>
+            </a:p>
+          </p:txBody>
+        </p:sp>
+      </p:grpSp>
+      <p:grpSp>
+        <p:nvGrpSpPr>
+          <p:cNvPr id="25" name="グループ化 24">
+            <a:extLst>
+              <a:ext uri="{FF2B5EF4-FFF2-40B4-BE49-F238E27FC236}">
+                <a16:creationId xmlns:a16="http://schemas.microsoft.com/office/drawing/2014/main" id="{1C905333-D372-8892-EEEB-BF44AEF02DAE}"/>
+              </a:ext>
+            </a:extLst>
+          </p:cNvPr>
+          <p:cNvGrpSpPr/>
+          <p:nvPr/>
+        </p:nvGrpSpPr>
+        <p:grpSpPr>
+          <a:xfrm>
+            <a:off x="6757292" y="3448954"/>
+            <a:ext cx="1015021" cy="1984467"/>
+            <a:chOff x="6029648" y="2918460"/>
+            <a:chExt cx="1015021" cy="1984467"/>
+          </a:xfrm>
+        </p:grpSpPr>
+        <p:sp>
+          <p:nvSpPr>
+            <p:cNvPr id="17" name="テキスト ボックス 16">
+              <a:extLst>
+                <a:ext uri="{FF2B5EF4-FFF2-40B4-BE49-F238E27FC236}">
+                  <a16:creationId xmlns:a16="http://schemas.microsoft.com/office/drawing/2014/main" id="{BB80D3A1-D0B6-D7C2-EC8F-5B6F3584E8AC}"/>
+                </a:ext>
+              </a:extLst>
+            </p:cNvPr>
+            <p:cNvSpPr txBox="1"/>
+            <p:nvPr/>
+          </p:nvSpPr>
+          <p:spPr>
+            <a:xfrm>
+              <a:off x="6029648" y="2918460"/>
+              <a:ext cx="1015021" cy="307777"/>
+            </a:xfrm>
+            <a:prstGeom prst="rect">
+              <a:avLst/>
+            </a:prstGeom>
+            <a:noFill/>
+          </p:spPr>
+          <p:txBody>
+            <a:bodyPr wrap="none" rtlCol="0">
+              <a:spAutoFit/>
+            </a:bodyPr>
+            <a:lstStyle/>
+            <a:p>
+              <a:r>
+                <a:rPr kumimoji="1" lang="en-US" altLang="ja-JP" sz="1400" dirty="0"/>
+                <a:t>member 1</a:t>
+              </a:r>
+              <a:endParaRPr kumimoji="1" lang="ja-JP" altLang="en-US" sz="1400" dirty="0"/>
+            </a:p>
+          </p:txBody>
+        </p:sp>
+        <p:sp>
+          <p:nvSpPr>
+            <p:cNvPr id="20" name="テキスト ボックス 19">
+              <a:extLst>
+                <a:ext uri="{FF2B5EF4-FFF2-40B4-BE49-F238E27FC236}">
+                  <a16:creationId xmlns:a16="http://schemas.microsoft.com/office/drawing/2014/main" id="{C7500973-C2A0-1EDD-FC2E-A8CBB0074E06}"/>
+                </a:ext>
+              </a:extLst>
+            </p:cNvPr>
+            <p:cNvSpPr txBox="1"/>
+            <p:nvPr/>
+          </p:nvSpPr>
+          <p:spPr>
+            <a:xfrm>
+              <a:off x="6029648" y="3761703"/>
+              <a:ext cx="1015021" cy="307777"/>
+            </a:xfrm>
+            <a:prstGeom prst="rect">
+              <a:avLst/>
+            </a:prstGeom>
+            <a:noFill/>
+          </p:spPr>
+          <p:txBody>
+            <a:bodyPr wrap="none" rtlCol="0">
+              <a:spAutoFit/>
+            </a:bodyPr>
+            <a:lstStyle/>
+            <a:p>
+              <a:r>
+                <a:rPr kumimoji="1" lang="en-US" altLang="ja-JP" sz="1400" dirty="0"/>
+                <a:t>member 2</a:t>
+              </a:r>
+              <a:endParaRPr kumimoji="1" lang="ja-JP" altLang="en-US" sz="1400" dirty="0"/>
+            </a:p>
+          </p:txBody>
+        </p:sp>
+        <p:sp>
+          <p:nvSpPr>
+            <p:cNvPr id="24" name="テキスト ボックス 23">
+              <a:extLst>
+                <a:ext uri="{FF2B5EF4-FFF2-40B4-BE49-F238E27FC236}">
+                  <a16:creationId xmlns:a16="http://schemas.microsoft.com/office/drawing/2014/main" id="{154C9B23-431F-0BDE-FE3A-96D246C5B469}"/>
+                </a:ext>
+              </a:extLst>
+            </p:cNvPr>
+            <p:cNvSpPr txBox="1"/>
+            <p:nvPr/>
+          </p:nvSpPr>
+          <p:spPr>
+            <a:xfrm>
+              <a:off x="6029648" y="4595150"/>
+              <a:ext cx="1015021" cy="307777"/>
+            </a:xfrm>
+            <a:prstGeom prst="rect">
+              <a:avLst/>
+            </a:prstGeom>
+            <a:noFill/>
+          </p:spPr>
+          <p:txBody>
+            <a:bodyPr wrap="none" rtlCol="0">
+              <a:spAutoFit/>
+            </a:bodyPr>
+            <a:lstStyle/>
+            <a:p>
+              <a:r>
+                <a:rPr kumimoji="1" lang="en-US" altLang="ja-JP" sz="1400" dirty="0"/>
+                <a:t>member 3</a:t>
+              </a:r>
+              <a:endParaRPr kumimoji="1" lang="ja-JP" altLang="en-US" sz="1400" dirty="0"/>
+            </a:p>
+          </p:txBody>
+        </p:sp>
+      </p:grpSp>
+      <p:grpSp>
+        <p:nvGrpSpPr>
+          <p:cNvPr id="23" name="グループ化 22">
+            <a:extLst>
+              <a:ext uri="{FF2B5EF4-FFF2-40B4-BE49-F238E27FC236}">
+                <a16:creationId xmlns:a16="http://schemas.microsoft.com/office/drawing/2014/main" id="{5061C60E-308C-8A6D-2679-F5698CFED2B9}"/>
+              </a:ext>
+            </a:extLst>
+          </p:cNvPr>
+          <p:cNvGrpSpPr/>
+          <p:nvPr/>
+        </p:nvGrpSpPr>
+        <p:grpSpPr>
+          <a:xfrm>
+            <a:off x="5206398" y="2449682"/>
+            <a:ext cx="2672742" cy="302173"/>
+            <a:chOff x="5344868" y="2601026"/>
+            <a:chExt cx="2672742" cy="302173"/>
+          </a:xfrm>
+        </p:grpSpPr>
+        <p:sp>
+          <p:nvSpPr>
+            <p:cNvPr id="28" name="テキスト ボックス 27">
+              <a:extLst>
+                <a:ext uri="{FF2B5EF4-FFF2-40B4-BE49-F238E27FC236}">
+                  <a16:creationId xmlns:a16="http://schemas.microsoft.com/office/drawing/2014/main" id="{5CD7637E-0D3B-B0E4-8E18-B9DE4B38E1B4}"/>
+                </a:ext>
+              </a:extLst>
+            </p:cNvPr>
+            <p:cNvSpPr txBox="1"/>
+            <p:nvPr/>
+          </p:nvSpPr>
+          <p:spPr>
+            <a:xfrm>
+              <a:off x="5606157" y="2615732"/>
+              <a:ext cx="527709" cy="276999"/>
+            </a:xfrm>
+            <a:prstGeom prst="rect">
+              <a:avLst/>
+            </a:prstGeom>
+            <a:noFill/>
+          </p:spPr>
+          <p:txBody>
+            <a:bodyPr wrap="none" rtlCol="0">
+              <a:spAutoFit/>
+            </a:bodyPr>
+            <a:lstStyle/>
+            <a:p>
+              <a:r>
+                <a:rPr kumimoji="1" lang="en-US" altLang="ja-JP" sz="1200" dirty="0"/>
+                <a:t>Task</a:t>
+              </a:r>
+              <a:endParaRPr kumimoji="1" lang="ja-JP" altLang="en-US" sz="1200" dirty="0"/>
+            </a:p>
+          </p:txBody>
+        </p:sp>
+        <p:sp>
+          <p:nvSpPr>
+            <p:cNvPr id="29" name="テキスト ボックス 28">
+              <a:extLst>
+                <a:ext uri="{FF2B5EF4-FFF2-40B4-BE49-F238E27FC236}">
+                  <a16:creationId xmlns:a16="http://schemas.microsoft.com/office/drawing/2014/main" id="{64D8CCF5-853A-DF7E-6A97-F16E4D46339D}"/>
+                </a:ext>
+              </a:extLst>
+            </p:cNvPr>
+            <p:cNvSpPr txBox="1"/>
+            <p:nvPr/>
+          </p:nvSpPr>
+          <p:spPr>
+            <a:xfrm>
+              <a:off x="6944572" y="2601026"/>
+              <a:ext cx="888385" cy="276999"/>
+            </a:xfrm>
+            <a:prstGeom prst="rect">
+              <a:avLst/>
+            </a:prstGeom>
+            <a:noFill/>
+          </p:spPr>
+          <p:txBody>
+            <a:bodyPr wrap="none" rtlCol="0">
+              <a:spAutoFit/>
+            </a:bodyPr>
+            <a:lstStyle/>
+            <a:p>
+              <a:r>
+                <a:rPr kumimoji="1" lang="en-US" altLang="ja-JP" sz="1200" dirty="0"/>
+                <a:t>Allocation</a:t>
+              </a:r>
+              <a:endParaRPr kumimoji="1" lang="ja-JP" altLang="en-US" sz="1200" dirty="0"/>
+            </a:p>
+          </p:txBody>
+        </p:sp>
+        <p:cxnSp>
+          <p:nvCxnSpPr>
+            <p:cNvPr id="30" name="直線コネクタ 29">
+              <a:extLst>
+                <a:ext uri="{FF2B5EF4-FFF2-40B4-BE49-F238E27FC236}">
+                  <a16:creationId xmlns:a16="http://schemas.microsoft.com/office/drawing/2014/main" id="{F4F4B81D-E2BE-FEE5-FE10-E3E76A2207B7}"/>
+                </a:ext>
+              </a:extLst>
+            </p:cNvPr>
+            <p:cNvCxnSpPr>
+              <a:cxnSpLocks/>
+            </p:cNvCxnSpPr>
+            <p:nvPr/>
+          </p:nvCxnSpPr>
+          <p:spPr>
+            <a:xfrm>
+              <a:off x="5344868" y="2903199"/>
+              <a:ext cx="2672742" cy="0"/>
+            </a:xfrm>
+            <a:prstGeom prst="line">
+              <a:avLst/>
+            </a:prstGeom>
+          </p:spPr>
+          <p:style>
+            <a:lnRef idx="1">
+              <a:schemeClr val="dk1"/>
+            </a:lnRef>
+            <a:fillRef idx="0">
+              <a:schemeClr val="dk1"/>
+            </a:fillRef>
+            <a:effectRef idx="0">
+              <a:schemeClr val="dk1"/>
+            </a:effectRef>
+            <a:fontRef idx="minor">
+              <a:schemeClr val="tx1"/>
+            </a:fontRef>
+          </p:style>
+        </p:cxnSp>
+      </p:grpSp>
+      <p:sp>
+        <p:nvSpPr>
+          <p:cNvPr id="33" name="テキスト ボックス 32">
+            <a:extLst>
+              <a:ext uri="{FF2B5EF4-FFF2-40B4-BE49-F238E27FC236}">
+                <a16:creationId xmlns:a16="http://schemas.microsoft.com/office/drawing/2014/main" id="{C16E9C97-E675-C9B9-FDCC-7E3061A056C4}"/>
+              </a:ext>
+            </a:extLst>
+          </p:cNvPr>
+          <p:cNvSpPr txBox="1"/>
+          <p:nvPr/>
+        </p:nvSpPr>
+        <p:spPr>
+          <a:xfrm>
+            <a:off x="9204914" y="1429476"/>
+            <a:ext cx="2589170" cy="461665"/>
+          </a:xfrm>
+          <a:prstGeom prst="rect">
+            <a:avLst/>
+          </a:prstGeom>
+          <a:noFill/>
+        </p:spPr>
+        <p:txBody>
+          <a:bodyPr wrap="none" rtlCol="0">
+            <a:spAutoFit/>
+          </a:bodyPr>
+          <a:lstStyle/>
+          <a:p>
+            <a:r>
+              <a:rPr kumimoji="1" lang="en-US" altLang="ja-JP" sz="1200" dirty="0"/>
+              <a:t>The name and amount of task are</a:t>
+            </a:r>
+          </a:p>
+          <a:p>
+            <a:r>
+              <a:rPr lang="en-US" altLang="ja-JP" sz="1200" dirty="0"/>
+              <a:t>S</a:t>
+            </a:r>
+            <a:r>
+              <a:rPr kumimoji="1" lang="en-US" altLang="ja-JP" sz="1200" dirty="0"/>
+              <a:t>ynchronized settings</a:t>
+            </a:r>
+            <a:r>
+              <a:rPr lang="en-US" altLang="ja-JP" sz="1200" dirty="0"/>
+              <a:t> at task tab.</a:t>
+            </a:r>
+            <a:endParaRPr kumimoji="1" lang="ja-JP" altLang="en-US" sz="1200" dirty="0"/>
+          </a:p>
+        </p:txBody>
+      </p:sp>
+      <p:cxnSp>
+        <p:nvCxnSpPr>
+          <p:cNvPr id="35" name="直線矢印コネクタ 34">
+            <a:extLst>
+              <a:ext uri="{FF2B5EF4-FFF2-40B4-BE49-F238E27FC236}">
+                <a16:creationId xmlns:a16="http://schemas.microsoft.com/office/drawing/2014/main" id="{B6688B73-E09B-9D88-4F46-720135B89131}"/>
+              </a:ext>
+            </a:extLst>
+          </p:cNvPr>
+          <p:cNvCxnSpPr>
+            <a:cxnSpLocks/>
+            <a:stCxn id="33" idx="1"/>
+          </p:cNvCxnSpPr>
+          <p:nvPr/>
+        </p:nvCxnSpPr>
+        <p:spPr>
+          <a:xfrm flipH="1">
+            <a:off x="6039167" y="1660309"/>
+            <a:ext cx="3165747" cy="942579"/>
+          </a:xfrm>
+          <a:prstGeom prst="straightConnector1">
+            <a:avLst/>
+          </a:prstGeom>
+          <a:ln>
+            <a:tailEnd type="triangle"/>
+          </a:ln>
+        </p:spPr>
+        <p:style>
+          <a:lnRef idx="1">
+            <a:schemeClr val="accent1"/>
+          </a:lnRef>
+          <a:fillRef idx="0">
+            <a:schemeClr val="accent1"/>
+          </a:fillRef>
+          <a:effectRef idx="0">
+            <a:schemeClr val="accent1"/>
+          </a:effectRef>
+          <a:fontRef idx="minor">
+            <a:schemeClr val="tx1"/>
+          </a:fontRef>
+        </p:style>
+      </p:cxnSp>
+      <p:sp>
+        <p:nvSpPr>
+          <p:cNvPr id="26" name="テキスト ボックス 25">
+            <a:extLst>
+              <a:ext uri="{FF2B5EF4-FFF2-40B4-BE49-F238E27FC236}">
+                <a16:creationId xmlns:a16="http://schemas.microsoft.com/office/drawing/2014/main" id="{2915D2B2-78E5-EC95-C32A-6FDBC5D12FCF}"/>
+              </a:ext>
+            </a:extLst>
+          </p:cNvPr>
+          <p:cNvSpPr txBox="1"/>
+          <p:nvPr/>
+        </p:nvSpPr>
+        <p:spPr>
+          <a:xfrm>
+            <a:off x="5373218" y="759841"/>
+            <a:ext cx="2339102" cy="528093"/>
+          </a:xfrm>
+          <a:prstGeom prst="rect">
+            <a:avLst/>
+          </a:prstGeom>
+          <a:noFill/>
+        </p:spPr>
+        <p:txBody>
+          <a:bodyPr wrap="none" rtlCol="0">
+            <a:spAutoFit/>
+          </a:bodyPr>
+          <a:lstStyle/>
+          <a:p>
+            <a:pPr algn="ctr"/>
+            <a:r>
+              <a:rPr lang="ja-JP" altLang="en-US" sz="1200" dirty="0"/>
+              <a:t>周期的なイベントを管理しよう</a:t>
+            </a:r>
+            <a:endParaRPr lang="en-US" altLang="ja-JP" sz="1200" dirty="0"/>
+          </a:p>
+          <a:p>
+            <a:pPr algn="ctr">
+              <a:lnSpc>
+                <a:spcPct val="150000"/>
+              </a:lnSpc>
+            </a:pPr>
+            <a:r>
+              <a:rPr lang="en-US" altLang="ja-JP" sz="1200" dirty="0"/>
+              <a:t>- </a:t>
+            </a:r>
+            <a:r>
+              <a:rPr lang="ja-JP" altLang="en-US" sz="900" dirty="0"/>
+              <a:t>割り当て </a:t>
+            </a:r>
+            <a:r>
+              <a:rPr lang="en-US" altLang="ja-JP" sz="1200" dirty="0"/>
+              <a:t>-</a:t>
+            </a:r>
+            <a:endParaRPr kumimoji="1" lang="ja-JP" altLang="en-US" sz="1200" dirty="0"/>
+          </a:p>
+        </p:txBody>
+      </p:sp>
+      <p:cxnSp>
+        <p:nvCxnSpPr>
+          <p:cNvPr id="38" name="直線矢印コネクタ 37">
+            <a:extLst>
+              <a:ext uri="{FF2B5EF4-FFF2-40B4-BE49-F238E27FC236}">
+                <a16:creationId xmlns:a16="http://schemas.microsoft.com/office/drawing/2014/main" id="{A1B6E080-18A5-394E-AB37-4C51B4072D0B}"/>
+              </a:ext>
+            </a:extLst>
+          </p:cNvPr>
+          <p:cNvCxnSpPr>
+            <a:cxnSpLocks/>
+          </p:cNvCxnSpPr>
+          <p:nvPr/>
+        </p:nvCxnSpPr>
+        <p:spPr>
+          <a:xfrm flipH="1">
+            <a:off x="6082938" y="2449682"/>
+            <a:ext cx="3165747" cy="942579"/>
+          </a:xfrm>
+          <a:prstGeom prst="straightConnector1">
+            <a:avLst/>
+          </a:prstGeom>
+          <a:ln>
+            <a:tailEnd type="triangle"/>
+          </a:ln>
+        </p:spPr>
+        <p:style>
+          <a:lnRef idx="1">
+            <a:schemeClr val="accent1"/>
+          </a:lnRef>
+          <a:fillRef idx="0">
+            <a:schemeClr val="accent1"/>
+          </a:fillRef>
+          <a:effectRef idx="0">
+            <a:schemeClr val="accent1"/>
+          </a:effectRef>
+          <a:fontRef idx="minor">
+            <a:schemeClr val="tx1"/>
+          </a:fontRef>
+        </p:style>
+      </p:cxnSp>
+      <p:sp>
+        <p:nvSpPr>
+          <p:cNvPr id="40" name="テキスト ボックス 39">
+            <a:extLst>
+              <a:ext uri="{FF2B5EF4-FFF2-40B4-BE49-F238E27FC236}">
+                <a16:creationId xmlns:a16="http://schemas.microsoft.com/office/drawing/2014/main" id="{C0E1E0C6-F7C8-F453-1A01-26DDC8853A8B}"/>
+              </a:ext>
+            </a:extLst>
+          </p:cNvPr>
+          <p:cNvSpPr txBox="1"/>
+          <p:nvPr/>
+        </p:nvSpPr>
+        <p:spPr>
+          <a:xfrm>
+            <a:off x="9248685" y="2305266"/>
+            <a:ext cx="950901" cy="276999"/>
+          </a:xfrm>
+          <a:prstGeom prst="rect">
+            <a:avLst/>
+          </a:prstGeom>
+          <a:noFill/>
+        </p:spPr>
+        <p:txBody>
+          <a:bodyPr wrap="none" rtlCol="0">
+            <a:spAutoFit/>
+          </a:bodyPr>
+          <a:lstStyle/>
+          <a:p>
+            <a:r>
+              <a:rPr lang="en-US" altLang="ja-JP" sz="1200" dirty="0"/>
+              <a:t>Read Only.</a:t>
+            </a:r>
+            <a:endParaRPr kumimoji="1" lang="ja-JP" altLang="en-US" sz="1200" dirty="0"/>
+          </a:p>
+        </p:txBody>
+      </p:sp>
+      <p:cxnSp>
+        <p:nvCxnSpPr>
+          <p:cNvPr id="41" name="直線矢印コネクタ 40">
+            <a:extLst>
+              <a:ext uri="{FF2B5EF4-FFF2-40B4-BE49-F238E27FC236}">
+                <a16:creationId xmlns:a16="http://schemas.microsoft.com/office/drawing/2014/main" id="{16B88947-7D25-50F9-A95A-4437564F575E}"/>
+              </a:ext>
+            </a:extLst>
+          </p:cNvPr>
+          <p:cNvCxnSpPr>
+            <a:cxnSpLocks/>
+          </p:cNvCxnSpPr>
+          <p:nvPr/>
+        </p:nvCxnSpPr>
+        <p:spPr>
+          <a:xfrm flipH="1">
+            <a:off x="7876854" y="3123404"/>
+            <a:ext cx="1315468" cy="461516"/>
+          </a:xfrm>
+          <a:prstGeom prst="straightConnector1">
+            <a:avLst/>
+          </a:prstGeom>
+          <a:ln>
+            <a:tailEnd type="triangle"/>
+          </a:ln>
+        </p:spPr>
+        <p:style>
+          <a:lnRef idx="1">
+            <a:schemeClr val="accent1"/>
+          </a:lnRef>
+          <a:fillRef idx="0">
+            <a:schemeClr val="accent1"/>
+          </a:fillRef>
+          <a:effectRef idx="0">
+            <a:schemeClr val="accent1"/>
+          </a:effectRef>
+          <a:fontRef idx="minor">
+            <a:schemeClr val="tx1"/>
+          </a:fontRef>
+        </p:style>
+      </p:cxnSp>
+      <p:sp>
+        <p:nvSpPr>
+          <p:cNvPr id="44" name="テキスト ボックス 43">
+            <a:extLst>
+              <a:ext uri="{FF2B5EF4-FFF2-40B4-BE49-F238E27FC236}">
+                <a16:creationId xmlns:a16="http://schemas.microsoft.com/office/drawing/2014/main" id="{F90B5026-474F-742B-3E7A-B9F25AD21C3E}"/>
+              </a:ext>
+            </a:extLst>
+          </p:cNvPr>
+          <p:cNvSpPr txBox="1"/>
+          <p:nvPr/>
+        </p:nvSpPr>
+        <p:spPr>
+          <a:xfrm>
+            <a:off x="9248685" y="2996390"/>
+            <a:ext cx="862737" cy="276999"/>
+          </a:xfrm>
+          <a:prstGeom prst="rect">
+            <a:avLst/>
+          </a:prstGeom>
+          <a:noFill/>
+        </p:spPr>
+        <p:txBody>
+          <a:bodyPr wrap="none" rtlCol="0">
+            <a:spAutoFit/>
+          </a:bodyPr>
+          <a:lstStyle/>
+          <a:p>
+            <a:r>
+              <a:rPr lang="en-US" altLang="ja-JP" sz="1200" dirty="0"/>
+              <a:t>Input Box</a:t>
+            </a:r>
+            <a:endParaRPr kumimoji="1" lang="ja-JP" altLang="en-US" sz="1200" dirty="0"/>
+          </a:p>
+        </p:txBody>
+      </p:sp>
+      <p:sp>
+        <p:nvSpPr>
+          <p:cNvPr id="46" name="テキスト ボックス 45">
+            <a:extLst>
+              <a:ext uri="{FF2B5EF4-FFF2-40B4-BE49-F238E27FC236}">
+                <a16:creationId xmlns:a16="http://schemas.microsoft.com/office/drawing/2014/main" id="{680241A6-7A85-85F4-D1DF-5C6C98FC6EDF}"/>
+              </a:ext>
+            </a:extLst>
+          </p:cNvPr>
+          <p:cNvSpPr txBox="1"/>
+          <p:nvPr/>
+        </p:nvSpPr>
+        <p:spPr>
+          <a:xfrm>
+            <a:off x="8000960" y="5775860"/>
+            <a:ext cx="393056" cy="261610"/>
+          </a:xfrm>
+          <a:prstGeom prst="rect">
+            <a:avLst/>
+          </a:prstGeom>
+          <a:solidFill>
+            <a:schemeClr val="bg2"/>
+          </a:solidFill>
+          <a:ln>
+            <a:solidFill>
+              <a:schemeClr val="tx1"/>
+            </a:solidFill>
+          </a:ln>
+        </p:spPr>
+        <p:txBody>
+          <a:bodyPr wrap="none" rtlCol="0">
+            <a:spAutoFit/>
+          </a:bodyPr>
+          <a:lstStyle/>
+          <a:p>
+            <a:r>
+              <a:rPr lang="en-US" altLang="ja-JP" sz="1100" b="1" dirty="0"/>
+              <a:t>OK</a:t>
+            </a:r>
+            <a:endParaRPr kumimoji="1" lang="ja-JP" altLang="en-US" sz="1100" b="1" dirty="0"/>
+          </a:p>
+        </p:txBody>
+      </p:sp>
+    </p:spTree>
+    <p:extLst>
+      <p:ext uri="{BB962C8B-B14F-4D97-AF65-F5344CB8AC3E}">
+        <p14:creationId xmlns:p14="http://schemas.microsoft.com/office/powerpoint/2010/main" val="4275882102"/>
+      </p:ext>
+    </p:extLst>
+  </p:cSld>
+  <p:clrMapOvr>
+    <a:masterClrMapping/>
+  </p:clrMapOvr>
+</p:sld>
+</file>
+
+<file path=ppt/slides/slide4.xml><?xml version="1.0" encoding="utf-8"?>
+<p:sld xmlns:a="http://schemas.openxmlformats.org/drawingml/2006/main" xmlns:r="http://schemas.openxmlformats.org/officeDocument/2006/relationships" xmlns:p="http://schemas.openxmlformats.org/presentationml/2006/main">
+  <p:cSld>
+    <p:spTree>
+      <p:nvGrpSpPr>
+        <p:cNvPr id="1" name=""/>
+        <p:cNvGrpSpPr/>
+        <p:nvPr/>
+      </p:nvGrpSpPr>
+      <p:grpSpPr>
+        <a:xfrm>
+          <a:off x="0" y="0"/>
+          <a:ext cx="0" cy="0"/>
+          <a:chOff x="0" y="0"/>
+          <a:chExt cx="0" cy="0"/>
+        </a:xfrm>
+      </p:grpSpPr>
+      <p:sp>
+        <p:nvSpPr>
+          <p:cNvPr id="2" name="正方形/長方形 1">
+            <a:extLst>
+              <a:ext uri="{FF2B5EF4-FFF2-40B4-BE49-F238E27FC236}">
+                <a16:creationId xmlns:a16="http://schemas.microsoft.com/office/drawing/2014/main" id="{75991A75-5FE1-F424-E841-81D54908EBDB}"/>
+              </a:ext>
+            </a:extLst>
+          </p:cNvPr>
+          <p:cNvSpPr/>
+          <p:nvPr/>
+        </p:nvSpPr>
+        <p:spPr>
+          <a:xfrm>
+            <a:off x="2531328" y="517849"/>
+            <a:ext cx="6205236" cy="5822302"/>
+          </a:xfrm>
+          <a:prstGeom prst="rect">
+            <a:avLst/>
+          </a:prstGeom>
+          <a:noFill/>
+          <a:ln>
+            <a:solidFill>
+              <a:schemeClr val="tx1"/>
+            </a:solidFill>
+          </a:ln>
+        </p:spPr>
+        <p:style>
+          <a:lnRef idx="2">
+            <a:schemeClr val="accent1">
+              <a:shade val="50000"/>
+            </a:schemeClr>
+          </a:lnRef>
+          <a:fillRef idx="1">
+            <a:schemeClr val="accent1"/>
+          </a:fillRef>
+          <a:effectRef idx="0">
+            <a:schemeClr val="accent1"/>
+          </a:effectRef>
+          <a:fontRef idx="minor">
+            <a:schemeClr val="lt1"/>
+          </a:fontRef>
+        </p:style>
+        <p:txBody>
+          <a:bodyPr rtlCol="0" anchor="ctr"/>
+          <a:lstStyle/>
+          <a:p>
+            <a:pPr algn="ctr"/>
+            <a:endParaRPr kumimoji="1" lang="ja-JP" altLang="en-US"/>
+          </a:p>
+        </p:txBody>
+      </p:sp>
+      <p:cxnSp>
+        <p:nvCxnSpPr>
+          <p:cNvPr id="5" name="直線コネクタ 4">
+            <a:extLst>
+              <a:ext uri="{FF2B5EF4-FFF2-40B4-BE49-F238E27FC236}">
+                <a16:creationId xmlns:a16="http://schemas.microsoft.com/office/drawing/2014/main" id="{55F4E919-C4CF-892E-A697-7CAD9C41A551}"/>
+              </a:ext>
+            </a:extLst>
+          </p:cNvPr>
+          <p:cNvCxnSpPr>
+            <a:cxnSpLocks/>
+          </p:cNvCxnSpPr>
+          <p:nvPr/>
+        </p:nvCxnSpPr>
+        <p:spPr>
+          <a:xfrm>
+            <a:off x="4348975" y="517849"/>
+            <a:ext cx="0" cy="5822302"/>
+          </a:xfrm>
+          <a:prstGeom prst="line">
+            <a:avLst/>
+          </a:prstGeom>
+        </p:spPr>
+        <p:style>
+          <a:lnRef idx="1">
+            <a:schemeClr val="dk1"/>
+          </a:lnRef>
+          <a:fillRef idx="0">
+            <a:schemeClr val="dk1"/>
+          </a:fillRef>
+          <a:effectRef idx="0">
+            <a:schemeClr val="dk1"/>
+          </a:effectRef>
+          <a:fontRef idx="minor">
+            <a:schemeClr val="tx1"/>
+          </a:fontRef>
+        </p:style>
+      </p:cxnSp>
+      <p:cxnSp>
+        <p:nvCxnSpPr>
+          <p:cNvPr id="13" name="直線コネクタ 12">
+            <a:extLst>
+              <a:ext uri="{FF2B5EF4-FFF2-40B4-BE49-F238E27FC236}">
+                <a16:creationId xmlns:a16="http://schemas.microsoft.com/office/drawing/2014/main" id="{2CB2CCF0-6D1A-C253-BC27-18EE6A3F697D}"/>
+              </a:ext>
+            </a:extLst>
+          </p:cNvPr>
+          <p:cNvCxnSpPr/>
+          <p:nvPr/>
+        </p:nvCxnSpPr>
+        <p:spPr>
+          <a:xfrm>
+            <a:off x="4348975" y="1429476"/>
+            <a:ext cx="4387589" cy="0"/>
+          </a:xfrm>
+          <a:prstGeom prst="line">
+            <a:avLst/>
+          </a:prstGeom>
+        </p:spPr>
+        <p:style>
+          <a:lnRef idx="1">
+            <a:schemeClr val="dk1"/>
+          </a:lnRef>
+          <a:fillRef idx="0">
+            <a:schemeClr val="dk1"/>
+          </a:fillRef>
+          <a:effectRef idx="0">
+            <a:schemeClr val="dk1"/>
+          </a:effectRef>
+          <a:fontRef idx="minor">
+            <a:schemeClr val="tx1"/>
+          </a:fontRef>
+        </p:style>
+      </p:cxnSp>
+      <p:grpSp>
+        <p:nvGrpSpPr>
+          <p:cNvPr id="22" name="グループ化 21">
+            <a:extLst>
+              <a:ext uri="{FF2B5EF4-FFF2-40B4-BE49-F238E27FC236}">
+                <a16:creationId xmlns:a16="http://schemas.microsoft.com/office/drawing/2014/main" id="{76F1A073-FBDD-B1F9-31F6-BDC5E192FD03}"/>
+              </a:ext>
+            </a:extLst>
+          </p:cNvPr>
+          <p:cNvGrpSpPr/>
+          <p:nvPr/>
+        </p:nvGrpSpPr>
+        <p:grpSpPr>
+          <a:xfrm>
+            <a:off x="2904893" y="2337869"/>
+            <a:ext cx="1070517" cy="2912011"/>
+            <a:chOff x="2904893" y="2047937"/>
+            <a:chExt cx="1070517" cy="2912011"/>
+          </a:xfrm>
+        </p:grpSpPr>
+        <p:sp>
+          <p:nvSpPr>
+            <p:cNvPr id="7" name="テキスト ボックス 6">
+              <a:extLst>
+                <a:ext uri="{FF2B5EF4-FFF2-40B4-BE49-F238E27FC236}">
+                  <a16:creationId xmlns:a16="http://schemas.microsoft.com/office/drawing/2014/main" id="{6DC1BDD4-ED4F-1A70-759D-923CAA2A10D1}"/>
+                </a:ext>
+              </a:extLst>
+            </p:cNvPr>
+            <p:cNvSpPr txBox="1"/>
+            <p:nvPr/>
+          </p:nvSpPr>
+          <p:spPr>
+            <a:xfrm>
+              <a:off x="2999678" y="2579556"/>
+              <a:ext cx="880946" cy="253916"/>
+            </a:xfrm>
+            <a:prstGeom prst="rect">
+              <a:avLst/>
+            </a:prstGeom>
+            <a:noFill/>
+          </p:spPr>
+          <p:txBody>
+            <a:bodyPr wrap="square" rtlCol="0">
+              <a:spAutoFit/>
+            </a:bodyPr>
+            <a:lstStyle/>
+            <a:p>
+              <a:pPr algn="ctr"/>
+              <a:r>
+                <a:rPr kumimoji="1" lang="ja-JP" altLang="en-US" sz="1050" dirty="0"/>
+                <a:t>タスク</a:t>
+              </a:r>
+            </a:p>
+          </p:txBody>
+        </p:sp>
+        <p:sp>
+          <p:nvSpPr>
+            <p:cNvPr id="9" name="テキスト ボックス 8">
+              <a:extLst>
+                <a:ext uri="{FF2B5EF4-FFF2-40B4-BE49-F238E27FC236}">
+                  <a16:creationId xmlns:a16="http://schemas.microsoft.com/office/drawing/2014/main" id="{C209FC6D-A1B9-5428-8BEE-20558D4F5949}"/>
+                </a:ext>
+              </a:extLst>
+            </p:cNvPr>
+            <p:cNvSpPr txBox="1"/>
+            <p:nvPr/>
+          </p:nvSpPr>
+          <p:spPr>
+            <a:xfrm>
+              <a:off x="2904893" y="3111175"/>
+              <a:ext cx="1070517" cy="253916"/>
+            </a:xfrm>
+            <a:prstGeom prst="rect">
+              <a:avLst/>
+            </a:prstGeom>
+            <a:noFill/>
+          </p:spPr>
+          <p:txBody>
+            <a:bodyPr wrap="square" rtlCol="0">
+              <a:spAutoFit/>
+            </a:bodyPr>
+            <a:lstStyle/>
+            <a:p>
+              <a:pPr algn="ctr"/>
+              <a:r>
+                <a:rPr kumimoji="1" lang="ja-JP" altLang="en-US" sz="1050" dirty="0"/>
+                <a:t>割り当て</a:t>
+              </a:r>
+            </a:p>
+          </p:txBody>
+        </p:sp>
+        <p:sp>
+          <p:nvSpPr>
+            <p:cNvPr id="11" name="テキスト ボックス 10">
+              <a:extLst>
+                <a:ext uri="{FF2B5EF4-FFF2-40B4-BE49-F238E27FC236}">
+                  <a16:creationId xmlns:a16="http://schemas.microsoft.com/office/drawing/2014/main" id="{B0FF3F60-7FC4-E582-04C4-D6F7F5E4E8DA}"/>
+                </a:ext>
+              </a:extLst>
+            </p:cNvPr>
+            <p:cNvSpPr txBox="1"/>
+            <p:nvPr/>
+          </p:nvSpPr>
+          <p:spPr>
+            <a:xfrm>
+              <a:off x="3080526" y="3642794"/>
+              <a:ext cx="730404" cy="253916"/>
+            </a:xfrm>
+            <a:prstGeom prst="rect">
+              <a:avLst/>
+            </a:prstGeom>
+            <a:noFill/>
+          </p:spPr>
+          <p:txBody>
+            <a:bodyPr wrap="square" rtlCol="0">
+              <a:spAutoFit/>
+            </a:bodyPr>
+            <a:lstStyle/>
+            <a:p>
+              <a:pPr algn="ctr"/>
+              <a:r>
+                <a:rPr kumimoji="1" lang="ja-JP" altLang="en-US" sz="1050" u="sng" dirty="0"/>
+                <a:t>周期</a:t>
+              </a:r>
+            </a:p>
+          </p:txBody>
+        </p:sp>
+        <p:sp>
+          <p:nvSpPr>
+            <p:cNvPr id="16" name="テキスト ボックス 15">
+              <a:extLst>
+                <a:ext uri="{FF2B5EF4-FFF2-40B4-BE49-F238E27FC236}">
+                  <a16:creationId xmlns:a16="http://schemas.microsoft.com/office/drawing/2014/main" id="{ED1B5AD2-57EB-FD93-9DB6-261F27E9E725}"/>
+                </a:ext>
+              </a:extLst>
+            </p:cNvPr>
+            <p:cNvSpPr txBox="1"/>
+            <p:nvPr/>
+          </p:nvSpPr>
+          <p:spPr>
+            <a:xfrm>
+              <a:off x="3097254" y="4174413"/>
+              <a:ext cx="730404" cy="253916"/>
+            </a:xfrm>
+            <a:prstGeom prst="rect">
+              <a:avLst/>
+            </a:prstGeom>
+            <a:noFill/>
+          </p:spPr>
+          <p:txBody>
+            <a:bodyPr wrap="square" rtlCol="0">
+              <a:spAutoFit/>
+            </a:bodyPr>
+            <a:lstStyle/>
+            <a:p>
+              <a:pPr algn="ctr"/>
+              <a:r>
+                <a:rPr lang="ja-JP" altLang="en-US" sz="1050" dirty="0"/>
+                <a:t>表示</a:t>
+              </a:r>
+              <a:endParaRPr kumimoji="1" lang="ja-JP" altLang="en-US" sz="1050" dirty="0"/>
+            </a:p>
+          </p:txBody>
+        </p:sp>
+        <p:sp>
+          <p:nvSpPr>
+            <p:cNvPr id="18" name="テキスト ボックス 17">
+              <a:extLst>
+                <a:ext uri="{FF2B5EF4-FFF2-40B4-BE49-F238E27FC236}">
+                  <a16:creationId xmlns:a16="http://schemas.microsoft.com/office/drawing/2014/main" id="{A654E9A7-C864-F157-B2CC-287228D50FD6}"/>
+                </a:ext>
+              </a:extLst>
+            </p:cNvPr>
+            <p:cNvSpPr txBox="1"/>
+            <p:nvPr/>
+          </p:nvSpPr>
+          <p:spPr>
+            <a:xfrm>
+              <a:off x="3102830" y="4706032"/>
+              <a:ext cx="730404" cy="253916"/>
+            </a:xfrm>
+            <a:prstGeom prst="rect">
+              <a:avLst/>
+            </a:prstGeom>
+            <a:noFill/>
+          </p:spPr>
+          <p:txBody>
+            <a:bodyPr wrap="square" rtlCol="0">
+              <a:spAutoFit/>
+            </a:bodyPr>
+            <a:lstStyle/>
+            <a:p>
+              <a:pPr algn="ctr"/>
+              <a:r>
+                <a:rPr kumimoji="1" lang="ja-JP" altLang="en-US" sz="1050" dirty="0"/>
+                <a:t>連携</a:t>
+              </a:r>
+            </a:p>
+          </p:txBody>
+        </p:sp>
+        <p:sp>
+          <p:nvSpPr>
+            <p:cNvPr id="21" name="テキスト ボックス 20">
+              <a:extLst>
+                <a:ext uri="{FF2B5EF4-FFF2-40B4-BE49-F238E27FC236}">
+                  <a16:creationId xmlns:a16="http://schemas.microsoft.com/office/drawing/2014/main" id="{57C7BC99-6E3B-8026-D839-9E87A335B5C6}"/>
+                </a:ext>
+              </a:extLst>
+            </p:cNvPr>
+            <p:cNvSpPr txBox="1"/>
+            <p:nvPr/>
+          </p:nvSpPr>
+          <p:spPr>
+            <a:xfrm>
+              <a:off x="2999678" y="2047937"/>
+              <a:ext cx="880946" cy="253916"/>
+            </a:xfrm>
+            <a:prstGeom prst="rect">
+              <a:avLst/>
+            </a:prstGeom>
+            <a:noFill/>
+          </p:spPr>
+          <p:txBody>
+            <a:bodyPr wrap="square" rtlCol="0">
+              <a:spAutoFit/>
+            </a:bodyPr>
+            <a:lstStyle/>
+            <a:p>
+              <a:pPr algn="ctr"/>
+              <a:r>
+                <a:rPr kumimoji="1" lang="ja-JP" altLang="en-US" sz="1050" dirty="0"/>
+                <a:t>ホーム</a:t>
+              </a:r>
+            </a:p>
+          </p:txBody>
+        </p:sp>
+      </p:grpSp>
+      <p:sp>
+        <p:nvSpPr>
+          <p:cNvPr id="26" name="テキスト ボックス 25">
+            <a:extLst>
+              <a:ext uri="{FF2B5EF4-FFF2-40B4-BE49-F238E27FC236}">
+                <a16:creationId xmlns:a16="http://schemas.microsoft.com/office/drawing/2014/main" id="{2915D2B2-78E5-EC95-C32A-6FDBC5D12FCF}"/>
+              </a:ext>
+            </a:extLst>
+          </p:cNvPr>
+          <p:cNvSpPr txBox="1"/>
+          <p:nvPr/>
+        </p:nvSpPr>
+        <p:spPr>
+          <a:xfrm>
+            <a:off x="5373218" y="759841"/>
+            <a:ext cx="2339102" cy="528093"/>
+          </a:xfrm>
+          <a:prstGeom prst="rect">
+            <a:avLst/>
+          </a:prstGeom>
+          <a:noFill/>
+        </p:spPr>
+        <p:txBody>
+          <a:bodyPr wrap="none" rtlCol="0">
+            <a:spAutoFit/>
+          </a:bodyPr>
+          <a:lstStyle/>
+          <a:p>
+            <a:pPr algn="ctr"/>
+            <a:r>
+              <a:rPr lang="ja-JP" altLang="en-US" sz="1200" dirty="0"/>
+              <a:t>周期的なイベントを管理しよう</a:t>
+            </a:r>
+            <a:endParaRPr lang="en-US" altLang="ja-JP" sz="1200" dirty="0"/>
+          </a:p>
+          <a:p>
+            <a:pPr algn="ctr">
+              <a:lnSpc>
+                <a:spcPct val="150000"/>
+              </a:lnSpc>
+            </a:pPr>
+            <a:r>
+              <a:rPr lang="en-US" altLang="ja-JP" sz="1200" dirty="0"/>
+              <a:t>- </a:t>
+            </a:r>
+            <a:r>
+              <a:rPr lang="ja-JP" altLang="en-US" sz="900" dirty="0"/>
+              <a:t>周期 </a:t>
+            </a:r>
+            <a:r>
+              <a:rPr lang="en-US" altLang="ja-JP" sz="1200" dirty="0"/>
+              <a:t>-</a:t>
+            </a:r>
+            <a:endParaRPr kumimoji="1" lang="ja-JP" altLang="en-US" sz="1200" dirty="0"/>
+          </a:p>
+        </p:txBody>
+      </p:sp>
+      <p:sp>
+        <p:nvSpPr>
+          <p:cNvPr id="6" name="テキスト ボックス 5">
+            <a:extLst>
+              <a:ext uri="{FF2B5EF4-FFF2-40B4-BE49-F238E27FC236}">
+                <a16:creationId xmlns:a16="http://schemas.microsoft.com/office/drawing/2014/main" id="{AE1FAAA7-E832-A9BF-511D-30D2A47678CC}"/>
+              </a:ext>
+            </a:extLst>
+          </p:cNvPr>
+          <p:cNvSpPr txBox="1"/>
+          <p:nvPr/>
+        </p:nvSpPr>
+        <p:spPr>
+          <a:xfrm>
+            <a:off x="4652540" y="2591785"/>
+            <a:ext cx="588623" cy="307777"/>
+          </a:xfrm>
+          <a:prstGeom prst="rect">
+            <a:avLst/>
+          </a:prstGeom>
+          <a:noFill/>
+        </p:spPr>
+        <p:txBody>
+          <a:bodyPr wrap="none" rtlCol="0">
+            <a:spAutoFit/>
+          </a:bodyPr>
+          <a:lstStyle/>
+          <a:p>
+            <a:r>
+              <a:rPr kumimoji="1" lang="en-US" altLang="ja-JP" sz="1400" dirty="0"/>
+              <a:t>Start</a:t>
+            </a:r>
+            <a:endParaRPr kumimoji="1" lang="ja-JP" altLang="en-US" sz="1400" dirty="0"/>
+          </a:p>
+        </p:txBody>
+      </p:sp>
+      <p:cxnSp>
+        <p:nvCxnSpPr>
+          <p:cNvPr id="27" name="直線コネクタ 26">
+            <a:extLst>
+              <a:ext uri="{FF2B5EF4-FFF2-40B4-BE49-F238E27FC236}">
+                <a16:creationId xmlns:a16="http://schemas.microsoft.com/office/drawing/2014/main" id="{0160E498-A54F-57F7-BB28-7168B1B71F6C}"/>
+              </a:ext>
+            </a:extLst>
+          </p:cNvPr>
+          <p:cNvCxnSpPr>
+            <a:cxnSpLocks/>
+          </p:cNvCxnSpPr>
+          <p:nvPr/>
+        </p:nvCxnSpPr>
+        <p:spPr>
+          <a:xfrm>
+            <a:off x="4658347" y="2269210"/>
+            <a:ext cx="3774558" cy="0"/>
+          </a:xfrm>
+          <a:prstGeom prst="line">
+            <a:avLst/>
+          </a:prstGeom>
+        </p:spPr>
+        <p:style>
+          <a:lnRef idx="1">
+            <a:schemeClr val="dk1"/>
+          </a:lnRef>
+          <a:fillRef idx="0">
+            <a:schemeClr val="dk1"/>
+          </a:fillRef>
+          <a:effectRef idx="0">
+            <a:schemeClr val="dk1"/>
+          </a:effectRef>
+          <a:fontRef idx="minor">
+            <a:schemeClr val="tx1"/>
+          </a:fontRef>
+        </p:style>
+      </p:cxnSp>
+      <p:sp>
+        <p:nvSpPr>
+          <p:cNvPr id="34" name="テキスト ボックス 33">
+            <a:extLst>
+              <a:ext uri="{FF2B5EF4-FFF2-40B4-BE49-F238E27FC236}">
+                <a16:creationId xmlns:a16="http://schemas.microsoft.com/office/drawing/2014/main" id="{987BFE9F-1C89-E108-C449-5063A26AB865}"/>
+              </a:ext>
+            </a:extLst>
+          </p:cNvPr>
+          <p:cNvSpPr txBox="1"/>
+          <p:nvPr/>
+        </p:nvSpPr>
+        <p:spPr>
+          <a:xfrm>
+            <a:off x="5640443" y="1960242"/>
+            <a:ext cx="461986" cy="261610"/>
+          </a:xfrm>
+          <a:prstGeom prst="rect">
+            <a:avLst/>
+          </a:prstGeom>
+          <a:noFill/>
+        </p:spPr>
+        <p:txBody>
+          <a:bodyPr wrap="none" rtlCol="0">
+            <a:spAutoFit/>
+          </a:bodyPr>
+          <a:lstStyle/>
+          <a:p>
+            <a:r>
+              <a:rPr lang="en-US" altLang="ja-JP" sz="1100" dirty="0"/>
+              <a:t>year</a:t>
+            </a:r>
+            <a:endParaRPr kumimoji="1" lang="ja-JP" altLang="en-US" sz="1100" dirty="0"/>
+          </a:p>
+        </p:txBody>
+      </p:sp>
+      <p:sp>
+        <p:nvSpPr>
+          <p:cNvPr id="37" name="テキスト ボックス 36">
+            <a:extLst>
+              <a:ext uri="{FF2B5EF4-FFF2-40B4-BE49-F238E27FC236}">
+                <a16:creationId xmlns:a16="http://schemas.microsoft.com/office/drawing/2014/main" id="{AE6B0954-9410-F6B3-293D-6045548A96F6}"/>
+              </a:ext>
+            </a:extLst>
+          </p:cNvPr>
+          <p:cNvSpPr txBox="1"/>
+          <p:nvPr/>
+        </p:nvSpPr>
+        <p:spPr>
+          <a:xfrm>
+            <a:off x="6545626" y="1953709"/>
+            <a:ext cx="598241" cy="261610"/>
+          </a:xfrm>
+          <a:prstGeom prst="rect">
+            <a:avLst/>
+          </a:prstGeom>
+          <a:noFill/>
+        </p:spPr>
+        <p:txBody>
+          <a:bodyPr wrap="none" rtlCol="0">
+            <a:spAutoFit/>
+          </a:bodyPr>
+          <a:lstStyle/>
+          <a:p>
+            <a:r>
+              <a:rPr kumimoji="1" lang="en-US" altLang="ja-JP" sz="1100" dirty="0"/>
+              <a:t>month</a:t>
+            </a:r>
+            <a:endParaRPr kumimoji="1" lang="ja-JP" altLang="en-US" sz="1100" dirty="0"/>
+          </a:p>
+        </p:txBody>
+      </p:sp>
+      <p:sp>
+        <p:nvSpPr>
+          <p:cNvPr id="42" name="テキスト ボックス 41">
+            <a:extLst>
+              <a:ext uri="{FF2B5EF4-FFF2-40B4-BE49-F238E27FC236}">
+                <a16:creationId xmlns:a16="http://schemas.microsoft.com/office/drawing/2014/main" id="{84448988-57FB-090B-E9DD-11E151AAC678}"/>
+              </a:ext>
+            </a:extLst>
+          </p:cNvPr>
+          <p:cNvSpPr txBox="1"/>
+          <p:nvPr/>
+        </p:nvSpPr>
+        <p:spPr>
+          <a:xfrm>
+            <a:off x="7587064" y="1960242"/>
+            <a:ext cx="413896" cy="261610"/>
+          </a:xfrm>
+          <a:prstGeom prst="rect">
+            <a:avLst/>
+          </a:prstGeom>
+          <a:noFill/>
+        </p:spPr>
+        <p:txBody>
+          <a:bodyPr wrap="none" rtlCol="0">
+            <a:spAutoFit/>
+          </a:bodyPr>
+          <a:lstStyle/>
+          <a:p>
+            <a:r>
+              <a:rPr kumimoji="1" lang="en-US" altLang="ja-JP" sz="1100" dirty="0"/>
+              <a:t>day</a:t>
+            </a:r>
+            <a:endParaRPr kumimoji="1" lang="ja-JP" altLang="en-US" sz="1100" dirty="0"/>
+          </a:p>
+        </p:txBody>
+      </p:sp>
+      <p:sp>
+        <p:nvSpPr>
+          <p:cNvPr id="45" name="テキスト ボックス 44">
+            <a:extLst>
+              <a:ext uri="{FF2B5EF4-FFF2-40B4-BE49-F238E27FC236}">
+                <a16:creationId xmlns:a16="http://schemas.microsoft.com/office/drawing/2014/main" id="{50A8AB50-16BF-683D-F153-83B027F6601C}"/>
+              </a:ext>
+            </a:extLst>
+          </p:cNvPr>
+          <p:cNvSpPr txBox="1"/>
+          <p:nvPr/>
+        </p:nvSpPr>
+        <p:spPr>
+          <a:xfrm>
+            <a:off x="8000960" y="5775860"/>
+            <a:ext cx="393056" cy="261610"/>
+          </a:xfrm>
+          <a:prstGeom prst="rect">
+            <a:avLst/>
+          </a:prstGeom>
+          <a:solidFill>
+            <a:schemeClr val="bg2"/>
+          </a:solidFill>
+          <a:ln>
+            <a:solidFill>
+              <a:schemeClr val="tx1"/>
+            </a:solidFill>
+          </a:ln>
+        </p:spPr>
+        <p:txBody>
+          <a:bodyPr wrap="none" rtlCol="0">
+            <a:spAutoFit/>
+          </a:bodyPr>
+          <a:lstStyle/>
+          <a:p>
+            <a:r>
+              <a:rPr lang="en-US" altLang="ja-JP" sz="1100" b="1" dirty="0"/>
+              <a:t>OK</a:t>
+            </a:r>
+            <a:endParaRPr kumimoji="1" lang="ja-JP" altLang="en-US" sz="1100" b="1" dirty="0"/>
+          </a:p>
+        </p:txBody>
+      </p:sp>
+      <p:sp>
+        <p:nvSpPr>
+          <p:cNvPr id="47" name="テキスト ボックス 46">
+            <a:extLst>
+              <a:ext uri="{FF2B5EF4-FFF2-40B4-BE49-F238E27FC236}">
+                <a16:creationId xmlns:a16="http://schemas.microsoft.com/office/drawing/2014/main" id="{7412540A-1987-2932-C3D2-8DD5B43769F3}"/>
+              </a:ext>
+            </a:extLst>
+          </p:cNvPr>
+          <p:cNvSpPr txBox="1"/>
+          <p:nvPr/>
+        </p:nvSpPr>
+        <p:spPr>
+          <a:xfrm>
+            <a:off x="5612432" y="2591785"/>
+            <a:ext cx="460382" cy="261610"/>
+          </a:xfrm>
+          <a:prstGeom prst="rect">
+            <a:avLst/>
+          </a:prstGeom>
+          <a:noFill/>
+        </p:spPr>
+        <p:txBody>
+          <a:bodyPr wrap="none" rtlCol="0">
+            <a:spAutoFit/>
+          </a:bodyPr>
+          <a:lstStyle/>
+          <a:p>
+            <a:r>
+              <a:rPr lang="en-US" altLang="ja-JP" sz="1100" dirty="0"/>
+              <a:t>yyyy</a:t>
+            </a:r>
+            <a:endParaRPr kumimoji="1" lang="ja-JP" altLang="en-US" sz="1100" dirty="0"/>
+          </a:p>
+        </p:txBody>
+      </p:sp>
+      <p:sp>
+        <p:nvSpPr>
+          <p:cNvPr id="49" name="テキスト ボックス 48">
+            <a:extLst>
+              <a:ext uri="{FF2B5EF4-FFF2-40B4-BE49-F238E27FC236}">
+                <a16:creationId xmlns:a16="http://schemas.microsoft.com/office/drawing/2014/main" id="{09F60528-72AB-7A99-D11B-D25E79B10162}"/>
+              </a:ext>
+            </a:extLst>
+          </p:cNvPr>
+          <p:cNvSpPr txBox="1"/>
+          <p:nvPr/>
+        </p:nvSpPr>
+        <p:spPr>
+          <a:xfrm>
+            <a:off x="6630585" y="2591785"/>
+            <a:ext cx="428322" cy="261610"/>
+          </a:xfrm>
+          <a:prstGeom prst="rect">
+            <a:avLst/>
+          </a:prstGeom>
+          <a:noFill/>
+        </p:spPr>
+        <p:txBody>
+          <a:bodyPr wrap="none" rtlCol="0">
+            <a:spAutoFit/>
+          </a:bodyPr>
+          <a:lstStyle/>
+          <a:p>
+            <a:r>
+              <a:rPr kumimoji="1" lang="en-US" altLang="ja-JP" sz="1100" dirty="0"/>
+              <a:t>mm</a:t>
+            </a:r>
+            <a:endParaRPr kumimoji="1" lang="ja-JP" altLang="en-US" sz="1100" dirty="0"/>
+          </a:p>
+        </p:txBody>
+      </p:sp>
+      <p:sp>
+        <p:nvSpPr>
+          <p:cNvPr id="51" name="テキスト ボックス 50">
+            <a:extLst>
+              <a:ext uri="{FF2B5EF4-FFF2-40B4-BE49-F238E27FC236}">
+                <a16:creationId xmlns:a16="http://schemas.microsoft.com/office/drawing/2014/main" id="{EE96B85B-047F-00EB-508B-A5629A585D94}"/>
+              </a:ext>
+            </a:extLst>
+          </p:cNvPr>
+          <p:cNvSpPr txBox="1"/>
+          <p:nvPr/>
+        </p:nvSpPr>
+        <p:spPr>
+          <a:xfrm>
+            <a:off x="7616678" y="2592237"/>
+            <a:ext cx="348172" cy="261610"/>
+          </a:xfrm>
+          <a:prstGeom prst="rect">
+            <a:avLst/>
+          </a:prstGeom>
+          <a:noFill/>
+        </p:spPr>
+        <p:txBody>
+          <a:bodyPr wrap="none" rtlCol="0">
+            <a:spAutoFit/>
+          </a:bodyPr>
+          <a:lstStyle/>
+          <a:p>
+            <a:r>
+              <a:rPr kumimoji="1" lang="en-US" altLang="ja-JP" sz="1100" dirty="0"/>
+              <a:t>dd</a:t>
+            </a:r>
+            <a:endParaRPr kumimoji="1" lang="ja-JP" altLang="en-US" sz="1100" dirty="0"/>
+          </a:p>
+        </p:txBody>
+      </p:sp>
+      <p:grpSp>
+        <p:nvGrpSpPr>
+          <p:cNvPr id="67" name="グループ化 66">
+            <a:extLst>
+              <a:ext uri="{FF2B5EF4-FFF2-40B4-BE49-F238E27FC236}">
+                <a16:creationId xmlns:a16="http://schemas.microsoft.com/office/drawing/2014/main" id="{B93A4DC7-A719-CA67-94BD-A305731AEF27}"/>
+              </a:ext>
+            </a:extLst>
+          </p:cNvPr>
+          <p:cNvGrpSpPr/>
+          <p:nvPr/>
+        </p:nvGrpSpPr>
+        <p:grpSpPr>
+          <a:xfrm>
+            <a:off x="4642614" y="4004154"/>
+            <a:ext cx="3802439" cy="630351"/>
+            <a:chOff x="4606053" y="3660426"/>
+            <a:chExt cx="3802439" cy="630351"/>
+          </a:xfrm>
+        </p:grpSpPr>
+        <p:sp>
+          <p:nvSpPr>
+            <p:cNvPr id="15" name="テキスト ボックス 14">
+              <a:extLst>
+                <a:ext uri="{FF2B5EF4-FFF2-40B4-BE49-F238E27FC236}">
+                  <a16:creationId xmlns:a16="http://schemas.microsoft.com/office/drawing/2014/main" id="{71148EF3-939B-55D3-6F81-6CB3AE191EDE}"/>
+                </a:ext>
+              </a:extLst>
+            </p:cNvPr>
+            <p:cNvSpPr txBox="1"/>
+            <p:nvPr/>
+          </p:nvSpPr>
+          <p:spPr>
+            <a:xfrm>
+              <a:off x="4606053" y="3983000"/>
+              <a:ext cx="635110" cy="307777"/>
+            </a:xfrm>
+            <a:prstGeom prst="rect">
+              <a:avLst/>
+            </a:prstGeom>
+            <a:noFill/>
+          </p:spPr>
+          <p:txBody>
+            <a:bodyPr wrap="none" rtlCol="0">
+              <a:spAutoFit/>
+            </a:bodyPr>
+            <a:lstStyle/>
+            <a:p>
+              <a:r>
+                <a:rPr kumimoji="1" lang="en-US" altLang="ja-JP" sz="1400" dirty="0"/>
+                <a:t>Cycle</a:t>
+              </a:r>
+              <a:endParaRPr kumimoji="1" lang="ja-JP" altLang="en-US" sz="1400" dirty="0"/>
+            </a:p>
+          </p:txBody>
+        </p:sp>
+        <p:cxnSp>
+          <p:nvCxnSpPr>
+            <p:cNvPr id="52" name="直線コネクタ 51">
+              <a:extLst>
+                <a:ext uri="{FF2B5EF4-FFF2-40B4-BE49-F238E27FC236}">
+                  <a16:creationId xmlns:a16="http://schemas.microsoft.com/office/drawing/2014/main" id="{AD92924A-BAF6-5385-1179-12B3DD59BCA8}"/>
+                </a:ext>
+              </a:extLst>
+            </p:cNvPr>
+            <p:cNvCxnSpPr>
+              <a:cxnSpLocks/>
+            </p:cNvCxnSpPr>
+            <p:nvPr/>
+          </p:nvCxnSpPr>
+          <p:spPr>
+            <a:xfrm>
+              <a:off x="4633934" y="3660426"/>
+              <a:ext cx="3774558" cy="0"/>
+            </a:xfrm>
+            <a:prstGeom prst="line">
+              <a:avLst/>
+            </a:prstGeom>
+          </p:spPr>
+          <p:style>
+            <a:lnRef idx="1">
+              <a:schemeClr val="dk1"/>
+            </a:lnRef>
+            <a:fillRef idx="0">
+              <a:schemeClr val="dk1"/>
+            </a:fillRef>
+            <a:effectRef idx="0">
+              <a:schemeClr val="dk1"/>
+            </a:effectRef>
+            <a:fontRef idx="minor">
+              <a:schemeClr val="tx1"/>
+            </a:fontRef>
+          </p:style>
+        </p:cxnSp>
+        <p:sp>
+          <p:nvSpPr>
+            <p:cNvPr id="59" name="テキスト ボックス 58">
+              <a:extLst>
+                <a:ext uri="{FF2B5EF4-FFF2-40B4-BE49-F238E27FC236}">
+                  <a16:creationId xmlns:a16="http://schemas.microsoft.com/office/drawing/2014/main" id="{475243ED-72BF-B3D2-934E-B6AF08FDD07E}"/>
+                </a:ext>
+              </a:extLst>
+            </p:cNvPr>
+            <p:cNvSpPr txBox="1"/>
+            <p:nvPr/>
+          </p:nvSpPr>
+          <p:spPr>
+            <a:xfrm>
+              <a:off x="5783170" y="4006083"/>
+              <a:ext cx="783595" cy="261610"/>
+            </a:xfrm>
+            <a:prstGeom prst="rect">
+              <a:avLst/>
+            </a:prstGeom>
+            <a:noFill/>
+            <a:ln>
+              <a:solidFill>
+                <a:schemeClr val="tx1"/>
+              </a:solidFill>
+            </a:ln>
+          </p:spPr>
+          <p:txBody>
+            <a:bodyPr wrap="square" rtlCol="0">
+              <a:spAutoFit/>
+            </a:bodyPr>
+            <a:lstStyle/>
+            <a:p>
+              <a:pPr algn="ctr"/>
+              <a:r>
+                <a:rPr lang="en-US" altLang="ja-JP" sz="1100" dirty="0"/>
+                <a:t>week</a:t>
+              </a:r>
+              <a:endParaRPr kumimoji="1" lang="ja-JP" altLang="en-US" sz="1100" dirty="0"/>
+            </a:p>
+          </p:txBody>
+        </p:sp>
+        <p:sp>
+          <p:nvSpPr>
+            <p:cNvPr id="61" name="テキスト ボックス 60">
+              <a:extLst>
+                <a:ext uri="{FF2B5EF4-FFF2-40B4-BE49-F238E27FC236}">
+                  <a16:creationId xmlns:a16="http://schemas.microsoft.com/office/drawing/2014/main" id="{2E43A03D-3E57-3DE1-A2CE-ECA2ADD32D7D}"/>
+                </a:ext>
+              </a:extLst>
+            </p:cNvPr>
+            <p:cNvSpPr txBox="1"/>
+            <p:nvPr/>
+          </p:nvSpPr>
+          <p:spPr>
+            <a:xfrm>
+              <a:off x="7217365" y="4006083"/>
+              <a:ext cx="783595" cy="261610"/>
+            </a:xfrm>
+            <a:prstGeom prst="rect">
+              <a:avLst/>
+            </a:prstGeom>
+            <a:noFill/>
+            <a:ln>
+              <a:solidFill>
+                <a:schemeClr val="tx1"/>
+              </a:solidFill>
+            </a:ln>
+          </p:spPr>
+          <p:txBody>
+            <a:bodyPr wrap="square" rtlCol="0">
+              <a:spAutoFit/>
+            </a:bodyPr>
+            <a:lstStyle/>
+            <a:p>
+              <a:pPr algn="ctr"/>
+              <a:r>
+                <a:rPr kumimoji="1" lang="en-US" altLang="ja-JP" sz="1100" dirty="0"/>
+                <a:t>2</a:t>
+              </a:r>
+              <a:endParaRPr kumimoji="1" lang="ja-JP" altLang="en-US" sz="1100" dirty="0"/>
+            </a:p>
+          </p:txBody>
+        </p:sp>
+        <p:sp>
+          <p:nvSpPr>
+            <p:cNvPr id="64" name="二等辺三角形 63">
+              <a:extLst>
+                <a:ext uri="{FF2B5EF4-FFF2-40B4-BE49-F238E27FC236}">
+                  <a16:creationId xmlns:a16="http://schemas.microsoft.com/office/drawing/2014/main" id="{B6C73F8D-F09F-4BD1-7013-20493FFBCA05}"/>
+                </a:ext>
+              </a:extLst>
+            </p:cNvPr>
+            <p:cNvSpPr/>
+            <p:nvPr/>
+          </p:nvSpPr>
+          <p:spPr>
+            <a:xfrm rot="10800000">
+              <a:off x="5792372" y="4046660"/>
+              <a:ext cx="126970" cy="149004"/>
+            </a:xfrm>
+            <a:prstGeom prst="triangle">
+              <a:avLst/>
+            </a:prstGeom>
+          </p:spPr>
+          <p:style>
+            <a:lnRef idx="2">
+              <a:schemeClr val="dk1">
+                <a:shade val="50000"/>
+              </a:schemeClr>
+            </a:lnRef>
+            <a:fillRef idx="1">
+              <a:schemeClr val="dk1"/>
+            </a:fillRef>
+            <a:effectRef idx="0">
+              <a:schemeClr val="dk1"/>
+            </a:effectRef>
+            <a:fontRef idx="minor">
+              <a:schemeClr val="lt1"/>
+            </a:fontRef>
+          </p:style>
+          <p:txBody>
+            <a:bodyPr rtlCol="0" anchor="ctr"/>
+            <a:lstStyle/>
+            <a:p>
+              <a:pPr algn="ctr"/>
+              <a:endParaRPr kumimoji="1" lang="ja-JP" altLang="en-US"/>
+            </a:p>
+          </p:txBody>
+        </p:sp>
+        <p:sp>
+          <p:nvSpPr>
+            <p:cNvPr id="66" name="二等辺三角形 65">
+              <a:extLst>
+                <a:ext uri="{FF2B5EF4-FFF2-40B4-BE49-F238E27FC236}">
+                  <a16:creationId xmlns:a16="http://schemas.microsoft.com/office/drawing/2014/main" id="{9AE4F602-005C-91A5-D23C-11AB316032E5}"/>
+                </a:ext>
+              </a:extLst>
+            </p:cNvPr>
+            <p:cNvSpPr/>
+            <p:nvPr/>
+          </p:nvSpPr>
+          <p:spPr>
+            <a:xfrm rot="10800000">
+              <a:off x="7217365" y="4046660"/>
+              <a:ext cx="126970" cy="149004"/>
+            </a:xfrm>
+            <a:prstGeom prst="triangle">
+              <a:avLst/>
+            </a:prstGeom>
+          </p:spPr>
+          <p:style>
+            <a:lnRef idx="2">
+              <a:schemeClr val="dk1">
+                <a:shade val="50000"/>
+              </a:schemeClr>
+            </a:lnRef>
+            <a:fillRef idx="1">
+              <a:schemeClr val="dk1"/>
+            </a:fillRef>
+            <a:effectRef idx="0">
+              <a:schemeClr val="dk1"/>
+            </a:effectRef>
+            <a:fontRef idx="minor">
+              <a:schemeClr val="lt1"/>
+            </a:fontRef>
+          </p:style>
+          <p:txBody>
+            <a:bodyPr rtlCol="0" anchor="ctr"/>
+            <a:lstStyle/>
+            <a:p>
+              <a:pPr algn="ctr"/>
+              <a:endParaRPr kumimoji="1" lang="ja-JP" altLang="en-US"/>
+            </a:p>
+          </p:txBody>
+        </p:sp>
+      </p:grpSp>
+      <p:cxnSp>
+        <p:nvCxnSpPr>
+          <p:cNvPr id="68" name="直線矢印コネクタ 67">
+            <a:extLst>
+              <a:ext uri="{FF2B5EF4-FFF2-40B4-BE49-F238E27FC236}">
+                <a16:creationId xmlns:a16="http://schemas.microsoft.com/office/drawing/2014/main" id="{379DEDE1-1433-71EE-71A9-689D952A5C92}"/>
+              </a:ext>
+            </a:extLst>
+          </p:cNvPr>
+          <p:cNvCxnSpPr>
+            <a:cxnSpLocks/>
+          </p:cNvCxnSpPr>
+          <p:nvPr/>
+        </p:nvCxnSpPr>
+        <p:spPr>
+          <a:xfrm flipH="1">
+            <a:off x="8114340" y="2257724"/>
+            <a:ext cx="1315468" cy="461516"/>
+          </a:xfrm>
+          <a:prstGeom prst="straightConnector1">
+            <a:avLst/>
+          </a:prstGeom>
+          <a:ln>
+            <a:tailEnd type="triangle"/>
+          </a:ln>
+        </p:spPr>
+        <p:style>
+          <a:lnRef idx="1">
+            <a:schemeClr val="accent1"/>
+          </a:lnRef>
+          <a:fillRef idx="0">
+            <a:schemeClr val="accent1"/>
+          </a:fillRef>
+          <a:effectRef idx="0">
+            <a:schemeClr val="accent1"/>
+          </a:effectRef>
+          <a:fontRef idx="minor">
+            <a:schemeClr val="tx1"/>
+          </a:fontRef>
+        </p:style>
+      </p:cxnSp>
+      <p:sp>
+        <p:nvSpPr>
+          <p:cNvPr id="69" name="テキスト ボックス 68">
+            <a:extLst>
+              <a:ext uri="{FF2B5EF4-FFF2-40B4-BE49-F238E27FC236}">
+                <a16:creationId xmlns:a16="http://schemas.microsoft.com/office/drawing/2014/main" id="{F0D30058-4B54-88F2-0975-7FA7FA845D4F}"/>
+              </a:ext>
+            </a:extLst>
+          </p:cNvPr>
+          <p:cNvSpPr txBox="1"/>
+          <p:nvPr/>
+        </p:nvSpPr>
+        <p:spPr>
+          <a:xfrm>
+            <a:off x="9486171" y="2130710"/>
+            <a:ext cx="862737" cy="276999"/>
+          </a:xfrm>
+          <a:prstGeom prst="rect">
+            <a:avLst/>
+          </a:prstGeom>
+          <a:noFill/>
+        </p:spPr>
+        <p:txBody>
+          <a:bodyPr wrap="none" rtlCol="0">
+            <a:spAutoFit/>
+          </a:bodyPr>
+          <a:lstStyle/>
+          <a:p>
+            <a:r>
+              <a:rPr lang="en-US" altLang="ja-JP" sz="1200" dirty="0"/>
+              <a:t>Input Box</a:t>
+            </a:r>
+            <a:endParaRPr kumimoji="1" lang="ja-JP" altLang="en-US" sz="1200" dirty="0"/>
+          </a:p>
+        </p:txBody>
+      </p:sp>
+      <p:cxnSp>
+        <p:nvCxnSpPr>
+          <p:cNvPr id="70" name="直線矢印コネクタ 69">
+            <a:extLst>
+              <a:ext uri="{FF2B5EF4-FFF2-40B4-BE49-F238E27FC236}">
+                <a16:creationId xmlns:a16="http://schemas.microsoft.com/office/drawing/2014/main" id="{8940924D-AD98-436E-91BD-FA51DCEC2B9B}"/>
+              </a:ext>
+            </a:extLst>
+          </p:cNvPr>
+          <p:cNvCxnSpPr>
+            <a:cxnSpLocks/>
+          </p:cNvCxnSpPr>
+          <p:nvPr/>
+        </p:nvCxnSpPr>
+        <p:spPr>
+          <a:xfrm flipH="1">
+            <a:off x="8207701" y="3988776"/>
+            <a:ext cx="1315468" cy="461516"/>
+          </a:xfrm>
+          <a:prstGeom prst="straightConnector1">
+            <a:avLst/>
+          </a:prstGeom>
+          <a:ln>
+            <a:tailEnd type="triangle"/>
+          </a:ln>
+        </p:spPr>
+        <p:style>
+          <a:lnRef idx="1">
+            <a:schemeClr val="accent1"/>
+          </a:lnRef>
+          <a:fillRef idx="0">
+            <a:schemeClr val="accent1"/>
+          </a:fillRef>
+          <a:effectRef idx="0">
+            <a:schemeClr val="accent1"/>
+          </a:effectRef>
+          <a:fontRef idx="minor">
+            <a:schemeClr val="tx1"/>
+          </a:fontRef>
+        </p:style>
+      </p:cxnSp>
+      <p:sp>
+        <p:nvSpPr>
+          <p:cNvPr id="71" name="テキスト ボックス 70">
+            <a:extLst>
+              <a:ext uri="{FF2B5EF4-FFF2-40B4-BE49-F238E27FC236}">
+                <a16:creationId xmlns:a16="http://schemas.microsoft.com/office/drawing/2014/main" id="{6179665D-D1C3-4963-85A8-E0A5FEB7664B}"/>
+              </a:ext>
+            </a:extLst>
+          </p:cNvPr>
+          <p:cNvSpPr txBox="1"/>
+          <p:nvPr/>
+        </p:nvSpPr>
+        <p:spPr>
+          <a:xfrm>
+            <a:off x="9579532" y="3861762"/>
+            <a:ext cx="1396536" cy="1200329"/>
+          </a:xfrm>
+          <a:prstGeom prst="rect">
+            <a:avLst/>
+          </a:prstGeom>
+          <a:noFill/>
+        </p:spPr>
+        <p:txBody>
+          <a:bodyPr wrap="none" rtlCol="0">
+            <a:spAutoFit/>
+          </a:bodyPr>
+          <a:lstStyle/>
+          <a:p>
+            <a:r>
+              <a:rPr kumimoji="1" lang="en-US" altLang="ja-JP" sz="1200" dirty="0"/>
+              <a:t>Dropdown List</a:t>
+            </a:r>
+          </a:p>
+          <a:p>
+            <a:endParaRPr lang="en-US" altLang="ja-JP" sz="1200" dirty="0"/>
+          </a:p>
+          <a:p>
+            <a:r>
+              <a:rPr kumimoji="1" lang="ja-JP" altLang="en-US" sz="1200" dirty="0"/>
+              <a:t>・</a:t>
+            </a:r>
+            <a:r>
+              <a:rPr kumimoji="1" lang="en-US" altLang="ja-JP" sz="1200" dirty="0"/>
+              <a:t>year … 1~5</a:t>
+            </a:r>
+          </a:p>
+          <a:p>
+            <a:r>
+              <a:rPr lang="ja-JP" altLang="en-US" sz="1200" dirty="0"/>
+              <a:t>・</a:t>
+            </a:r>
+            <a:r>
+              <a:rPr lang="en-US" altLang="ja-JP" sz="1200" dirty="0"/>
+              <a:t>month … 1~11</a:t>
+            </a:r>
+          </a:p>
+          <a:p>
+            <a:r>
+              <a:rPr kumimoji="1" lang="ja-JP" altLang="en-US" sz="1200" dirty="0"/>
+              <a:t>・</a:t>
+            </a:r>
+            <a:r>
+              <a:rPr kumimoji="1" lang="en-US" altLang="ja-JP" sz="1200" dirty="0"/>
+              <a:t>week … 1~5</a:t>
+            </a:r>
+          </a:p>
+          <a:p>
+            <a:r>
+              <a:rPr lang="ja-JP" altLang="en-US" sz="1200" dirty="0"/>
+              <a:t>・</a:t>
+            </a:r>
+            <a:r>
+              <a:rPr lang="en-US" altLang="ja-JP" sz="1200" dirty="0"/>
+              <a:t>day … 31</a:t>
+            </a:r>
+            <a:endParaRPr kumimoji="1" lang="ja-JP" altLang="en-US" sz="1200" dirty="0"/>
+          </a:p>
+        </p:txBody>
+      </p:sp>
+    </p:spTree>
+    <p:extLst>
+      <p:ext uri="{BB962C8B-B14F-4D97-AF65-F5344CB8AC3E}">
+        <p14:creationId xmlns:p14="http://schemas.microsoft.com/office/powerpoint/2010/main" val="2318829592"/>
+      </p:ext>
+    </p:extLst>
+  </p:cSld>
+  <p:clrMapOvr>
+    <a:masterClrMapping/>
+  </p:clrMapOvr>
+</p:sld>
+</file>
+
+<file path=ppt/slides/slide5.xml><?xml version="1.0" encoding="utf-8"?>
+<p:sld xmlns:a="http://schemas.openxmlformats.org/drawingml/2006/main" xmlns:r="http://schemas.openxmlformats.org/officeDocument/2006/relationships" xmlns:p="http://schemas.openxmlformats.org/presentationml/2006/main">
+  <p:cSld>
+    <p:spTree>
+      <p:nvGrpSpPr>
+        <p:cNvPr id="1" name=""/>
+        <p:cNvGrpSpPr/>
+        <p:nvPr/>
+      </p:nvGrpSpPr>
+      <p:grpSpPr>
+        <a:xfrm>
+          <a:off x="0" y="0"/>
+          <a:ext cx="0" cy="0"/>
+          <a:chOff x="0" y="0"/>
+          <a:chExt cx="0" cy="0"/>
+        </a:xfrm>
+      </p:grpSpPr>
+      <p:sp>
+        <p:nvSpPr>
+          <p:cNvPr id="2" name="正方形/長方形 1">
+            <a:extLst>
+              <a:ext uri="{FF2B5EF4-FFF2-40B4-BE49-F238E27FC236}">
+                <a16:creationId xmlns:a16="http://schemas.microsoft.com/office/drawing/2014/main" id="{75991A75-5FE1-F424-E841-81D54908EBDB}"/>
+              </a:ext>
+            </a:extLst>
+          </p:cNvPr>
+          <p:cNvSpPr/>
+          <p:nvPr/>
+        </p:nvSpPr>
+        <p:spPr>
+          <a:xfrm>
+            <a:off x="2531328" y="517849"/>
+            <a:ext cx="6205236" cy="5822302"/>
+          </a:xfrm>
+          <a:prstGeom prst="rect">
+            <a:avLst/>
+          </a:prstGeom>
+          <a:noFill/>
+          <a:ln>
+            <a:solidFill>
+              <a:schemeClr val="tx1"/>
+            </a:solidFill>
+          </a:ln>
+        </p:spPr>
+        <p:style>
+          <a:lnRef idx="2">
+            <a:schemeClr val="accent1">
+              <a:shade val="50000"/>
+            </a:schemeClr>
+          </a:lnRef>
+          <a:fillRef idx="1">
+            <a:schemeClr val="accent1"/>
+          </a:fillRef>
+          <a:effectRef idx="0">
+            <a:schemeClr val="accent1"/>
+          </a:effectRef>
+          <a:fontRef idx="minor">
+            <a:schemeClr val="lt1"/>
+          </a:fontRef>
+        </p:style>
+        <p:txBody>
+          <a:bodyPr rtlCol="0" anchor="ctr"/>
+          <a:lstStyle/>
+          <a:p>
+            <a:pPr algn="ctr"/>
+            <a:endParaRPr kumimoji="1" lang="ja-JP" altLang="en-US"/>
+          </a:p>
+        </p:txBody>
+      </p:sp>
+      <p:cxnSp>
+        <p:nvCxnSpPr>
+          <p:cNvPr id="5" name="直線コネクタ 4">
+            <a:extLst>
+              <a:ext uri="{FF2B5EF4-FFF2-40B4-BE49-F238E27FC236}">
+                <a16:creationId xmlns:a16="http://schemas.microsoft.com/office/drawing/2014/main" id="{55F4E919-C4CF-892E-A697-7CAD9C41A551}"/>
+              </a:ext>
+            </a:extLst>
+          </p:cNvPr>
+          <p:cNvCxnSpPr>
+            <a:cxnSpLocks/>
+          </p:cNvCxnSpPr>
+          <p:nvPr/>
+        </p:nvCxnSpPr>
+        <p:spPr>
+          <a:xfrm>
+            <a:off x="4348975" y="517849"/>
+            <a:ext cx="0" cy="5822302"/>
+          </a:xfrm>
+          <a:prstGeom prst="line">
+            <a:avLst/>
+          </a:prstGeom>
+        </p:spPr>
+        <p:style>
+          <a:lnRef idx="1">
+            <a:schemeClr val="dk1"/>
+          </a:lnRef>
+          <a:fillRef idx="0">
+            <a:schemeClr val="dk1"/>
+          </a:fillRef>
+          <a:effectRef idx="0">
+            <a:schemeClr val="dk1"/>
+          </a:effectRef>
+          <a:fontRef idx="minor">
+            <a:schemeClr val="tx1"/>
+          </a:fontRef>
+        </p:style>
+      </p:cxnSp>
+      <p:cxnSp>
+        <p:nvCxnSpPr>
+          <p:cNvPr id="13" name="直線コネクタ 12">
+            <a:extLst>
+              <a:ext uri="{FF2B5EF4-FFF2-40B4-BE49-F238E27FC236}">
+                <a16:creationId xmlns:a16="http://schemas.microsoft.com/office/drawing/2014/main" id="{2CB2CCF0-6D1A-C253-BC27-18EE6A3F697D}"/>
+              </a:ext>
+            </a:extLst>
+          </p:cNvPr>
+          <p:cNvCxnSpPr/>
+          <p:nvPr/>
+        </p:nvCxnSpPr>
+        <p:spPr>
+          <a:xfrm>
+            <a:off x="4348975" y="1429476"/>
+            <a:ext cx="4387589" cy="0"/>
+          </a:xfrm>
+          <a:prstGeom prst="line">
+            <a:avLst/>
+          </a:prstGeom>
+        </p:spPr>
+        <p:style>
+          <a:lnRef idx="1">
+            <a:schemeClr val="dk1"/>
+          </a:lnRef>
+          <a:fillRef idx="0">
+            <a:schemeClr val="dk1"/>
+          </a:fillRef>
+          <a:effectRef idx="0">
+            <a:schemeClr val="dk1"/>
+          </a:effectRef>
+          <a:fontRef idx="minor">
+            <a:schemeClr val="tx1"/>
+          </a:fontRef>
+        </p:style>
+      </p:cxnSp>
+      <p:grpSp>
+        <p:nvGrpSpPr>
+          <p:cNvPr id="22" name="グループ化 21">
+            <a:extLst>
+              <a:ext uri="{FF2B5EF4-FFF2-40B4-BE49-F238E27FC236}">
+                <a16:creationId xmlns:a16="http://schemas.microsoft.com/office/drawing/2014/main" id="{76F1A073-FBDD-B1F9-31F6-BDC5E192FD03}"/>
+              </a:ext>
+            </a:extLst>
+          </p:cNvPr>
+          <p:cNvGrpSpPr/>
+          <p:nvPr/>
+        </p:nvGrpSpPr>
+        <p:grpSpPr>
+          <a:xfrm>
+            <a:off x="2904893" y="2337869"/>
+            <a:ext cx="1070517" cy="2912011"/>
+            <a:chOff x="2904893" y="2047937"/>
+            <a:chExt cx="1070517" cy="2912011"/>
+          </a:xfrm>
+        </p:grpSpPr>
+        <p:sp>
+          <p:nvSpPr>
+            <p:cNvPr id="7" name="テキスト ボックス 6">
+              <a:extLst>
+                <a:ext uri="{FF2B5EF4-FFF2-40B4-BE49-F238E27FC236}">
+                  <a16:creationId xmlns:a16="http://schemas.microsoft.com/office/drawing/2014/main" id="{6DC1BDD4-ED4F-1A70-759D-923CAA2A10D1}"/>
+                </a:ext>
+              </a:extLst>
+            </p:cNvPr>
+            <p:cNvSpPr txBox="1"/>
+            <p:nvPr/>
+          </p:nvSpPr>
+          <p:spPr>
+            <a:xfrm>
+              <a:off x="2999678" y="2579556"/>
+              <a:ext cx="880946" cy="253916"/>
+            </a:xfrm>
+            <a:prstGeom prst="rect">
+              <a:avLst/>
+            </a:prstGeom>
+            <a:noFill/>
+          </p:spPr>
+          <p:txBody>
+            <a:bodyPr wrap="square" rtlCol="0">
+              <a:spAutoFit/>
+            </a:bodyPr>
+            <a:lstStyle/>
+            <a:p>
+              <a:pPr algn="ctr"/>
+              <a:r>
+                <a:rPr kumimoji="1" lang="ja-JP" altLang="en-US" sz="1050" dirty="0"/>
+                <a:t>タスク</a:t>
+              </a:r>
+            </a:p>
+          </p:txBody>
+        </p:sp>
+        <p:sp>
+          <p:nvSpPr>
+            <p:cNvPr id="9" name="テキスト ボックス 8">
+              <a:extLst>
+                <a:ext uri="{FF2B5EF4-FFF2-40B4-BE49-F238E27FC236}">
+                  <a16:creationId xmlns:a16="http://schemas.microsoft.com/office/drawing/2014/main" id="{C209FC6D-A1B9-5428-8BEE-20558D4F5949}"/>
+                </a:ext>
+              </a:extLst>
+            </p:cNvPr>
+            <p:cNvSpPr txBox="1"/>
+            <p:nvPr/>
+          </p:nvSpPr>
+          <p:spPr>
+            <a:xfrm>
+              <a:off x="2904893" y="3111175"/>
+              <a:ext cx="1070517" cy="253916"/>
+            </a:xfrm>
+            <a:prstGeom prst="rect">
+              <a:avLst/>
+            </a:prstGeom>
+            <a:noFill/>
+          </p:spPr>
+          <p:txBody>
+            <a:bodyPr wrap="square" rtlCol="0">
+              <a:spAutoFit/>
+            </a:bodyPr>
+            <a:lstStyle/>
+            <a:p>
+              <a:pPr algn="ctr"/>
+              <a:r>
+                <a:rPr kumimoji="1" lang="ja-JP" altLang="en-US" sz="1050" dirty="0"/>
+                <a:t>割り当て</a:t>
+              </a:r>
+            </a:p>
+          </p:txBody>
+        </p:sp>
+        <p:sp>
+          <p:nvSpPr>
+            <p:cNvPr id="11" name="テキスト ボックス 10">
+              <a:extLst>
+                <a:ext uri="{FF2B5EF4-FFF2-40B4-BE49-F238E27FC236}">
+                  <a16:creationId xmlns:a16="http://schemas.microsoft.com/office/drawing/2014/main" id="{B0FF3F60-7FC4-E582-04C4-D6F7F5E4E8DA}"/>
+                </a:ext>
+              </a:extLst>
+            </p:cNvPr>
+            <p:cNvSpPr txBox="1"/>
+            <p:nvPr/>
+          </p:nvSpPr>
+          <p:spPr>
+            <a:xfrm>
+              <a:off x="3080526" y="3642794"/>
+              <a:ext cx="730404" cy="253916"/>
+            </a:xfrm>
+            <a:prstGeom prst="rect">
+              <a:avLst/>
+            </a:prstGeom>
+            <a:noFill/>
+          </p:spPr>
+          <p:txBody>
+            <a:bodyPr wrap="square" rtlCol="0">
+              <a:spAutoFit/>
+            </a:bodyPr>
+            <a:lstStyle/>
+            <a:p>
+              <a:pPr algn="ctr"/>
+              <a:r>
+                <a:rPr kumimoji="1" lang="ja-JP" altLang="en-US" sz="1050" dirty="0"/>
+                <a:t>周期</a:t>
+              </a:r>
+            </a:p>
+          </p:txBody>
+        </p:sp>
+        <p:sp>
+          <p:nvSpPr>
+            <p:cNvPr id="16" name="テキスト ボックス 15">
+              <a:extLst>
+                <a:ext uri="{FF2B5EF4-FFF2-40B4-BE49-F238E27FC236}">
+                  <a16:creationId xmlns:a16="http://schemas.microsoft.com/office/drawing/2014/main" id="{ED1B5AD2-57EB-FD93-9DB6-261F27E9E725}"/>
+                </a:ext>
+              </a:extLst>
+            </p:cNvPr>
+            <p:cNvSpPr txBox="1"/>
+            <p:nvPr/>
+          </p:nvSpPr>
+          <p:spPr>
+            <a:xfrm>
+              <a:off x="3097254" y="4174413"/>
+              <a:ext cx="730404" cy="253916"/>
+            </a:xfrm>
+            <a:prstGeom prst="rect">
+              <a:avLst/>
+            </a:prstGeom>
+            <a:noFill/>
+          </p:spPr>
+          <p:txBody>
+            <a:bodyPr wrap="square" rtlCol="0">
+              <a:spAutoFit/>
+            </a:bodyPr>
+            <a:lstStyle/>
+            <a:p>
+              <a:pPr algn="ctr"/>
+              <a:r>
+                <a:rPr lang="ja-JP" altLang="en-US" sz="1050" dirty="0"/>
+                <a:t>表示</a:t>
+              </a:r>
+              <a:endParaRPr kumimoji="1" lang="ja-JP" altLang="en-US" sz="1050" dirty="0"/>
+            </a:p>
+          </p:txBody>
+        </p:sp>
+        <p:sp>
+          <p:nvSpPr>
+            <p:cNvPr id="18" name="テキスト ボックス 17">
+              <a:extLst>
+                <a:ext uri="{FF2B5EF4-FFF2-40B4-BE49-F238E27FC236}">
+                  <a16:creationId xmlns:a16="http://schemas.microsoft.com/office/drawing/2014/main" id="{A654E9A7-C864-F157-B2CC-287228D50FD6}"/>
+                </a:ext>
+              </a:extLst>
+            </p:cNvPr>
+            <p:cNvSpPr txBox="1"/>
+            <p:nvPr/>
+          </p:nvSpPr>
+          <p:spPr>
+            <a:xfrm>
+              <a:off x="3102830" y="4706032"/>
+              <a:ext cx="730404" cy="253916"/>
+            </a:xfrm>
+            <a:prstGeom prst="rect">
+              <a:avLst/>
+            </a:prstGeom>
+            <a:noFill/>
+          </p:spPr>
+          <p:txBody>
+            <a:bodyPr wrap="square" rtlCol="0">
+              <a:spAutoFit/>
+            </a:bodyPr>
+            <a:lstStyle/>
+            <a:p>
+              <a:pPr algn="ctr"/>
+              <a:r>
+                <a:rPr kumimoji="1" lang="ja-JP" altLang="en-US" sz="1050" u="sng" dirty="0"/>
+                <a:t>連携</a:t>
+              </a:r>
+            </a:p>
+          </p:txBody>
+        </p:sp>
+        <p:sp>
+          <p:nvSpPr>
+            <p:cNvPr id="21" name="テキスト ボックス 20">
+              <a:extLst>
+                <a:ext uri="{FF2B5EF4-FFF2-40B4-BE49-F238E27FC236}">
+                  <a16:creationId xmlns:a16="http://schemas.microsoft.com/office/drawing/2014/main" id="{57C7BC99-6E3B-8026-D839-9E87A335B5C6}"/>
+                </a:ext>
+              </a:extLst>
+            </p:cNvPr>
+            <p:cNvSpPr txBox="1"/>
+            <p:nvPr/>
+          </p:nvSpPr>
+          <p:spPr>
+            <a:xfrm>
+              <a:off x="2999678" y="2047937"/>
+              <a:ext cx="880946" cy="253916"/>
+            </a:xfrm>
+            <a:prstGeom prst="rect">
+              <a:avLst/>
+            </a:prstGeom>
+            <a:noFill/>
+          </p:spPr>
+          <p:txBody>
+            <a:bodyPr wrap="square" rtlCol="0">
+              <a:spAutoFit/>
+            </a:bodyPr>
+            <a:lstStyle/>
+            <a:p>
+              <a:pPr algn="ctr"/>
+              <a:r>
+                <a:rPr kumimoji="1" lang="ja-JP" altLang="en-US" sz="1050" dirty="0"/>
+                <a:t>ホーム</a:t>
+              </a:r>
+            </a:p>
+          </p:txBody>
+        </p:sp>
+      </p:grpSp>
+      <p:sp>
+        <p:nvSpPr>
+          <p:cNvPr id="26" name="テキスト ボックス 25">
+            <a:extLst>
+              <a:ext uri="{FF2B5EF4-FFF2-40B4-BE49-F238E27FC236}">
+                <a16:creationId xmlns:a16="http://schemas.microsoft.com/office/drawing/2014/main" id="{2915D2B2-78E5-EC95-C32A-6FDBC5D12FCF}"/>
+              </a:ext>
+            </a:extLst>
+          </p:cNvPr>
+          <p:cNvSpPr txBox="1"/>
+          <p:nvPr/>
+        </p:nvSpPr>
+        <p:spPr>
+          <a:xfrm>
+            <a:off x="5373218" y="759841"/>
+            <a:ext cx="2339102" cy="528093"/>
+          </a:xfrm>
+          <a:prstGeom prst="rect">
+            <a:avLst/>
+          </a:prstGeom>
+          <a:noFill/>
+        </p:spPr>
+        <p:txBody>
+          <a:bodyPr wrap="none" rtlCol="0">
+            <a:spAutoFit/>
+          </a:bodyPr>
+          <a:lstStyle/>
+          <a:p>
+            <a:pPr algn="ctr"/>
+            <a:r>
+              <a:rPr lang="ja-JP" altLang="en-US" sz="1200" dirty="0"/>
+              <a:t>周期的なイベントを管理しよう</a:t>
+            </a:r>
+            <a:endParaRPr lang="en-US" altLang="ja-JP" sz="1200" dirty="0"/>
+          </a:p>
+          <a:p>
+            <a:pPr algn="ctr">
+              <a:lnSpc>
+                <a:spcPct val="150000"/>
+              </a:lnSpc>
+            </a:pPr>
+            <a:r>
+              <a:rPr lang="en-US" altLang="ja-JP" sz="1200" dirty="0"/>
+              <a:t>- </a:t>
+            </a:r>
+            <a:r>
+              <a:rPr lang="ja-JP" altLang="en-US" sz="900" dirty="0"/>
+              <a:t>周期 </a:t>
+            </a:r>
+            <a:r>
+              <a:rPr lang="en-US" altLang="ja-JP" sz="1200" dirty="0"/>
+              <a:t>-</a:t>
+            </a:r>
+            <a:endParaRPr kumimoji="1" lang="ja-JP" altLang="en-US" sz="1200" dirty="0"/>
+          </a:p>
+        </p:txBody>
+      </p:sp>
+      <p:sp>
+        <p:nvSpPr>
+          <p:cNvPr id="6" name="テキスト ボックス 5">
+            <a:extLst>
+              <a:ext uri="{FF2B5EF4-FFF2-40B4-BE49-F238E27FC236}">
+                <a16:creationId xmlns:a16="http://schemas.microsoft.com/office/drawing/2014/main" id="{AE1FAAA7-E832-A9BF-511D-30D2A47678CC}"/>
+              </a:ext>
+            </a:extLst>
+          </p:cNvPr>
+          <p:cNvSpPr txBox="1"/>
+          <p:nvPr/>
+        </p:nvSpPr>
+        <p:spPr>
+          <a:xfrm>
+            <a:off x="4652540" y="2591785"/>
+            <a:ext cx="588623" cy="307777"/>
+          </a:xfrm>
+          <a:prstGeom prst="rect">
+            <a:avLst/>
+          </a:prstGeom>
+          <a:noFill/>
+        </p:spPr>
+        <p:txBody>
+          <a:bodyPr wrap="none" rtlCol="0">
+            <a:spAutoFit/>
+          </a:bodyPr>
+          <a:lstStyle/>
+          <a:p>
+            <a:r>
+              <a:rPr kumimoji="1" lang="en-US" altLang="ja-JP" sz="1400" dirty="0"/>
+              <a:t>Start</a:t>
+            </a:r>
+            <a:endParaRPr kumimoji="1" lang="ja-JP" altLang="en-US" sz="1400" dirty="0"/>
+          </a:p>
+        </p:txBody>
+      </p:sp>
+      <p:cxnSp>
+        <p:nvCxnSpPr>
+          <p:cNvPr id="27" name="直線コネクタ 26">
+            <a:extLst>
+              <a:ext uri="{FF2B5EF4-FFF2-40B4-BE49-F238E27FC236}">
+                <a16:creationId xmlns:a16="http://schemas.microsoft.com/office/drawing/2014/main" id="{0160E498-A54F-57F7-BB28-7168B1B71F6C}"/>
+              </a:ext>
+            </a:extLst>
+          </p:cNvPr>
+          <p:cNvCxnSpPr>
+            <a:cxnSpLocks/>
+          </p:cNvCxnSpPr>
+          <p:nvPr/>
+        </p:nvCxnSpPr>
+        <p:spPr>
+          <a:xfrm>
+            <a:off x="4658347" y="2269210"/>
+            <a:ext cx="3774558" cy="0"/>
+          </a:xfrm>
+          <a:prstGeom prst="line">
+            <a:avLst/>
+          </a:prstGeom>
+        </p:spPr>
+        <p:style>
+          <a:lnRef idx="1">
+            <a:schemeClr val="dk1"/>
+          </a:lnRef>
+          <a:fillRef idx="0">
+            <a:schemeClr val="dk1"/>
+          </a:fillRef>
+          <a:effectRef idx="0">
+            <a:schemeClr val="dk1"/>
+          </a:effectRef>
+          <a:fontRef idx="minor">
+            <a:schemeClr val="tx1"/>
+          </a:fontRef>
+        </p:style>
+      </p:cxnSp>
+      <p:sp>
+        <p:nvSpPr>
+          <p:cNvPr id="34" name="テキスト ボックス 33">
+            <a:extLst>
+              <a:ext uri="{FF2B5EF4-FFF2-40B4-BE49-F238E27FC236}">
+                <a16:creationId xmlns:a16="http://schemas.microsoft.com/office/drawing/2014/main" id="{987BFE9F-1C89-E108-C449-5063A26AB865}"/>
+              </a:ext>
+            </a:extLst>
+          </p:cNvPr>
+          <p:cNvSpPr txBox="1"/>
+          <p:nvPr/>
+        </p:nvSpPr>
+        <p:spPr>
+          <a:xfrm>
+            <a:off x="5640443" y="1960242"/>
+            <a:ext cx="461986" cy="261610"/>
+          </a:xfrm>
+          <a:prstGeom prst="rect">
+            <a:avLst/>
+          </a:prstGeom>
+          <a:noFill/>
+        </p:spPr>
+        <p:txBody>
+          <a:bodyPr wrap="none" rtlCol="0">
+            <a:spAutoFit/>
+          </a:bodyPr>
+          <a:lstStyle/>
+          <a:p>
+            <a:r>
+              <a:rPr lang="en-US" altLang="ja-JP" sz="1100" dirty="0"/>
+              <a:t>year</a:t>
+            </a:r>
+            <a:endParaRPr kumimoji="1" lang="ja-JP" altLang="en-US" sz="1100" dirty="0"/>
+          </a:p>
+        </p:txBody>
+      </p:sp>
+      <p:sp>
+        <p:nvSpPr>
+          <p:cNvPr id="37" name="テキスト ボックス 36">
+            <a:extLst>
+              <a:ext uri="{FF2B5EF4-FFF2-40B4-BE49-F238E27FC236}">
+                <a16:creationId xmlns:a16="http://schemas.microsoft.com/office/drawing/2014/main" id="{AE6B0954-9410-F6B3-293D-6045548A96F6}"/>
+              </a:ext>
+            </a:extLst>
+          </p:cNvPr>
+          <p:cNvSpPr txBox="1"/>
+          <p:nvPr/>
+        </p:nvSpPr>
+        <p:spPr>
+          <a:xfrm>
+            <a:off x="6545626" y="1953709"/>
+            <a:ext cx="598241" cy="261610"/>
+          </a:xfrm>
+          <a:prstGeom prst="rect">
+            <a:avLst/>
+          </a:prstGeom>
+          <a:noFill/>
+        </p:spPr>
+        <p:txBody>
+          <a:bodyPr wrap="none" rtlCol="0">
+            <a:spAutoFit/>
+          </a:bodyPr>
+          <a:lstStyle/>
+          <a:p>
+            <a:r>
+              <a:rPr kumimoji="1" lang="en-US" altLang="ja-JP" sz="1100" dirty="0"/>
+              <a:t>month</a:t>
+            </a:r>
+            <a:endParaRPr kumimoji="1" lang="ja-JP" altLang="en-US" sz="1100" dirty="0"/>
+          </a:p>
+        </p:txBody>
+      </p:sp>
+      <p:sp>
+        <p:nvSpPr>
+          <p:cNvPr id="42" name="テキスト ボックス 41">
+            <a:extLst>
+              <a:ext uri="{FF2B5EF4-FFF2-40B4-BE49-F238E27FC236}">
+                <a16:creationId xmlns:a16="http://schemas.microsoft.com/office/drawing/2014/main" id="{84448988-57FB-090B-E9DD-11E151AAC678}"/>
+              </a:ext>
+            </a:extLst>
+          </p:cNvPr>
+          <p:cNvSpPr txBox="1"/>
+          <p:nvPr/>
+        </p:nvSpPr>
+        <p:spPr>
+          <a:xfrm>
+            <a:off x="7587064" y="1960242"/>
+            <a:ext cx="413896" cy="261610"/>
+          </a:xfrm>
+          <a:prstGeom prst="rect">
+            <a:avLst/>
+          </a:prstGeom>
+          <a:noFill/>
+        </p:spPr>
+        <p:txBody>
+          <a:bodyPr wrap="none" rtlCol="0">
+            <a:spAutoFit/>
+          </a:bodyPr>
+          <a:lstStyle/>
+          <a:p>
+            <a:r>
+              <a:rPr kumimoji="1" lang="en-US" altLang="ja-JP" sz="1100" dirty="0"/>
+              <a:t>day</a:t>
+            </a:r>
+            <a:endParaRPr kumimoji="1" lang="ja-JP" altLang="en-US" sz="1100" dirty="0"/>
+          </a:p>
+        </p:txBody>
+      </p:sp>
+      <p:sp>
+        <p:nvSpPr>
+          <p:cNvPr id="45" name="テキスト ボックス 44">
+            <a:extLst>
+              <a:ext uri="{FF2B5EF4-FFF2-40B4-BE49-F238E27FC236}">
+                <a16:creationId xmlns:a16="http://schemas.microsoft.com/office/drawing/2014/main" id="{50A8AB50-16BF-683D-F153-83B027F6601C}"/>
+              </a:ext>
+            </a:extLst>
+          </p:cNvPr>
+          <p:cNvSpPr txBox="1"/>
+          <p:nvPr/>
+        </p:nvSpPr>
+        <p:spPr>
+          <a:xfrm>
+            <a:off x="8000960" y="5775860"/>
+            <a:ext cx="393056" cy="261610"/>
+          </a:xfrm>
+          <a:prstGeom prst="rect">
+            <a:avLst/>
+          </a:prstGeom>
+          <a:solidFill>
+            <a:schemeClr val="bg2"/>
+          </a:solidFill>
+          <a:ln>
+            <a:solidFill>
+              <a:schemeClr val="tx1"/>
+            </a:solidFill>
+          </a:ln>
+        </p:spPr>
+        <p:txBody>
+          <a:bodyPr wrap="none" rtlCol="0">
+            <a:spAutoFit/>
+          </a:bodyPr>
+          <a:lstStyle/>
+          <a:p>
+            <a:r>
+              <a:rPr lang="en-US" altLang="ja-JP" sz="1100" b="1" dirty="0"/>
+              <a:t>OK</a:t>
+            </a:r>
+            <a:endParaRPr kumimoji="1" lang="ja-JP" altLang="en-US" sz="1100" b="1" dirty="0"/>
+          </a:p>
+        </p:txBody>
+      </p:sp>
+      <p:sp>
+        <p:nvSpPr>
+          <p:cNvPr id="47" name="テキスト ボックス 46">
+            <a:extLst>
+              <a:ext uri="{FF2B5EF4-FFF2-40B4-BE49-F238E27FC236}">
+                <a16:creationId xmlns:a16="http://schemas.microsoft.com/office/drawing/2014/main" id="{7412540A-1987-2932-C3D2-8DD5B43769F3}"/>
+              </a:ext>
+            </a:extLst>
+          </p:cNvPr>
+          <p:cNvSpPr txBox="1"/>
+          <p:nvPr/>
+        </p:nvSpPr>
+        <p:spPr>
+          <a:xfrm>
+            <a:off x="5612432" y="2591785"/>
+            <a:ext cx="460382" cy="261610"/>
+          </a:xfrm>
+          <a:prstGeom prst="rect">
+            <a:avLst/>
+          </a:prstGeom>
+          <a:noFill/>
+        </p:spPr>
+        <p:txBody>
+          <a:bodyPr wrap="none" rtlCol="0">
+            <a:spAutoFit/>
+          </a:bodyPr>
+          <a:lstStyle/>
+          <a:p>
+            <a:r>
+              <a:rPr lang="en-US" altLang="ja-JP" sz="1100" dirty="0"/>
+              <a:t>yyyy</a:t>
+            </a:r>
+            <a:endParaRPr kumimoji="1" lang="ja-JP" altLang="en-US" sz="1100" dirty="0"/>
+          </a:p>
+        </p:txBody>
+      </p:sp>
+      <p:sp>
+        <p:nvSpPr>
+          <p:cNvPr id="49" name="テキスト ボックス 48">
+            <a:extLst>
+              <a:ext uri="{FF2B5EF4-FFF2-40B4-BE49-F238E27FC236}">
+                <a16:creationId xmlns:a16="http://schemas.microsoft.com/office/drawing/2014/main" id="{09F60528-72AB-7A99-D11B-D25E79B10162}"/>
+              </a:ext>
+            </a:extLst>
+          </p:cNvPr>
+          <p:cNvSpPr txBox="1"/>
+          <p:nvPr/>
+        </p:nvSpPr>
+        <p:spPr>
+          <a:xfrm>
+            <a:off x="6630585" y="2591785"/>
+            <a:ext cx="428322" cy="261610"/>
+          </a:xfrm>
+          <a:prstGeom prst="rect">
+            <a:avLst/>
+          </a:prstGeom>
+          <a:noFill/>
+        </p:spPr>
+        <p:txBody>
+          <a:bodyPr wrap="none" rtlCol="0">
+            <a:spAutoFit/>
+          </a:bodyPr>
+          <a:lstStyle/>
+          <a:p>
+            <a:r>
+              <a:rPr kumimoji="1" lang="en-US" altLang="ja-JP" sz="1100" dirty="0"/>
+              <a:t>mm</a:t>
+            </a:r>
+            <a:endParaRPr kumimoji="1" lang="ja-JP" altLang="en-US" sz="1100" dirty="0"/>
+          </a:p>
+        </p:txBody>
+      </p:sp>
+      <p:sp>
+        <p:nvSpPr>
+          <p:cNvPr id="51" name="テキスト ボックス 50">
+            <a:extLst>
+              <a:ext uri="{FF2B5EF4-FFF2-40B4-BE49-F238E27FC236}">
+                <a16:creationId xmlns:a16="http://schemas.microsoft.com/office/drawing/2014/main" id="{EE96B85B-047F-00EB-508B-A5629A585D94}"/>
+              </a:ext>
+            </a:extLst>
+          </p:cNvPr>
+          <p:cNvSpPr txBox="1"/>
+          <p:nvPr/>
+        </p:nvSpPr>
+        <p:spPr>
+          <a:xfrm>
+            <a:off x="7616678" y="2592237"/>
+            <a:ext cx="348172" cy="261610"/>
+          </a:xfrm>
+          <a:prstGeom prst="rect">
+            <a:avLst/>
+          </a:prstGeom>
+          <a:noFill/>
+        </p:spPr>
+        <p:txBody>
+          <a:bodyPr wrap="none" rtlCol="0">
+            <a:spAutoFit/>
+          </a:bodyPr>
+          <a:lstStyle/>
+          <a:p>
+            <a:r>
+              <a:rPr kumimoji="1" lang="en-US" altLang="ja-JP" sz="1100" dirty="0"/>
+              <a:t>dd</a:t>
+            </a:r>
+            <a:endParaRPr kumimoji="1" lang="ja-JP" altLang="en-US" sz="1100" dirty="0"/>
+          </a:p>
+        </p:txBody>
+      </p:sp>
+      <p:grpSp>
+        <p:nvGrpSpPr>
+          <p:cNvPr id="67" name="グループ化 66">
+            <a:extLst>
+              <a:ext uri="{FF2B5EF4-FFF2-40B4-BE49-F238E27FC236}">
+                <a16:creationId xmlns:a16="http://schemas.microsoft.com/office/drawing/2014/main" id="{B93A4DC7-A719-CA67-94BD-A305731AEF27}"/>
+              </a:ext>
+            </a:extLst>
+          </p:cNvPr>
+          <p:cNvGrpSpPr/>
+          <p:nvPr/>
+        </p:nvGrpSpPr>
+        <p:grpSpPr>
+          <a:xfrm>
+            <a:off x="4642614" y="4004154"/>
+            <a:ext cx="3802439" cy="630351"/>
+            <a:chOff x="4606053" y="3660426"/>
+            <a:chExt cx="3802439" cy="630351"/>
+          </a:xfrm>
+        </p:grpSpPr>
+        <p:sp>
+          <p:nvSpPr>
+            <p:cNvPr id="15" name="テキスト ボックス 14">
+              <a:extLst>
+                <a:ext uri="{FF2B5EF4-FFF2-40B4-BE49-F238E27FC236}">
+                  <a16:creationId xmlns:a16="http://schemas.microsoft.com/office/drawing/2014/main" id="{71148EF3-939B-55D3-6F81-6CB3AE191EDE}"/>
+                </a:ext>
+              </a:extLst>
+            </p:cNvPr>
+            <p:cNvSpPr txBox="1"/>
+            <p:nvPr/>
+          </p:nvSpPr>
+          <p:spPr>
+            <a:xfrm>
+              <a:off x="4606053" y="3983000"/>
+              <a:ext cx="635110" cy="307777"/>
+            </a:xfrm>
+            <a:prstGeom prst="rect">
+              <a:avLst/>
+            </a:prstGeom>
+            <a:noFill/>
+          </p:spPr>
+          <p:txBody>
+            <a:bodyPr wrap="none" rtlCol="0">
+              <a:spAutoFit/>
+            </a:bodyPr>
+            <a:lstStyle/>
+            <a:p>
+              <a:r>
+                <a:rPr kumimoji="1" lang="en-US" altLang="ja-JP" sz="1400" dirty="0"/>
+                <a:t>Cycle</a:t>
+              </a:r>
+              <a:endParaRPr kumimoji="1" lang="ja-JP" altLang="en-US" sz="1400" dirty="0"/>
+            </a:p>
+          </p:txBody>
+        </p:sp>
+        <p:cxnSp>
+          <p:nvCxnSpPr>
+            <p:cNvPr id="52" name="直線コネクタ 51">
+              <a:extLst>
+                <a:ext uri="{FF2B5EF4-FFF2-40B4-BE49-F238E27FC236}">
+                  <a16:creationId xmlns:a16="http://schemas.microsoft.com/office/drawing/2014/main" id="{AD92924A-BAF6-5385-1179-12B3DD59BCA8}"/>
+                </a:ext>
+              </a:extLst>
+            </p:cNvPr>
+            <p:cNvCxnSpPr>
+              <a:cxnSpLocks/>
+            </p:cNvCxnSpPr>
+            <p:nvPr/>
+          </p:nvCxnSpPr>
+          <p:spPr>
+            <a:xfrm>
+              <a:off x="4633934" y="3660426"/>
+              <a:ext cx="3774558" cy="0"/>
+            </a:xfrm>
+            <a:prstGeom prst="line">
+              <a:avLst/>
+            </a:prstGeom>
+          </p:spPr>
+          <p:style>
+            <a:lnRef idx="1">
+              <a:schemeClr val="dk1"/>
+            </a:lnRef>
+            <a:fillRef idx="0">
+              <a:schemeClr val="dk1"/>
+            </a:fillRef>
+            <a:effectRef idx="0">
+              <a:schemeClr val="dk1"/>
+            </a:effectRef>
+            <a:fontRef idx="minor">
+              <a:schemeClr val="tx1"/>
+            </a:fontRef>
+          </p:style>
+        </p:cxnSp>
+        <p:sp>
+          <p:nvSpPr>
+            <p:cNvPr id="59" name="テキスト ボックス 58">
+              <a:extLst>
+                <a:ext uri="{FF2B5EF4-FFF2-40B4-BE49-F238E27FC236}">
+                  <a16:creationId xmlns:a16="http://schemas.microsoft.com/office/drawing/2014/main" id="{475243ED-72BF-B3D2-934E-B6AF08FDD07E}"/>
+                </a:ext>
+              </a:extLst>
+            </p:cNvPr>
+            <p:cNvSpPr txBox="1"/>
+            <p:nvPr/>
+          </p:nvSpPr>
+          <p:spPr>
+            <a:xfrm>
+              <a:off x="5783170" y="4006083"/>
+              <a:ext cx="783595" cy="261610"/>
+            </a:xfrm>
+            <a:prstGeom prst="rect">
+              <a:avLst/>
+            </a:prstGeom>
+            <a:noFill/>
+            <a:ln>
+              <a:solidFill>
+                <a:schemeClr val="tx1"/>
+              </a:solidFill>
+            </a:ln>
+          </p:spPr>
+          <p:txBody>
+            <a:bodyPr wrap="square" rtlCol="0">
+              <a:spAutoFit/>
+            </a:bodyPr>
+            <a:lstStyle/>
+            <a:p>
+              <a:pPr algn="ctr"/>
+              <a:r>
+                <a:rPr lang="en-US" altLang="ja-JP" sz="1100" dirty="0"/>
+                <a:t>week</a:t>
+              </a:r>
+              <a:endParaRPr kumimoji="1" lang="ja-JP" altLang="en-US" sz="1100" dirty="0"/>
+            </a:p>
+          </p:txBody>
+        </p:sp>
+        <p:sp>
+          <p:nvSpPr>
+            <p:cNvPr id="61" name="テキスト ボックス 60">
+              <a:extLst>
+                <a:ext uri="{FF2B5EF4-FFF2-40B4-BE49-F238E27FC236}">
+                  <a16:creationId xmlns:a16="http://schemas.microsoft.com/office/drawing/2014/main" id="{2E43A03D-3E57-3DE1-A2CE-ECA2ADD32D7D}"/>
+                </a:ext>
+              </a:extLst>
+            </p:cNvPr>
+            <p:cNvSpPr txBox="1"/>
+            <p:nvPr/>
+          </p:nvSpPr>
+          <p:spPr>
+            <a:xfrm>
+              <a:off x="7217365" y="4006083"/>
+              <a:ext cx="783595" cy="261610"/>
+            </a:xfrm>
+            <a:prstGeom prst="rect">
+              <a:avLst/>
+            </a:prstGeom>
+            <a:noFill/>
+            <a:ln>
+              <a:solidFill>
+                <a:schemeClr val="tx1"/>
+              </a:solidFill>
+            </a:ln>
+          </p:spPr>
+          <p:txBody>
+            <a:bodyPr wrap="square" rtlCol="0">
+              <a:spAutoFit/>
+            </a:bodyPr>
+            <a:lstStyle/>
+            <a:p>
+              <a:pPr algn="ctr"/>
+              <a:r>
+                <a:rPr kumimoji="1" lang="en-US" altLang="ja-JP" sz="1100" dirty="0"/>
+                <a:t>2</a:t>
+              </a:r>
+              <a:endParaRPr kumimoji="1" lang="ja-JP" altLang="en-US" sz="1100" dirty="0"/>
+            </a:p>
+          </p:txBody>
+        </p:sp>
+        <p:sp>
+          <p:nvSpPr>
+            <p:cNvPr id="64" name="二等辺三角形 63">
+              <a:extLst>
+                <a:ext uri="{FF2B5EF4-FFF2-40B4-BE49-F238E27FC236}">
+                  <a16:creationId xmlns:a16="http://schemas.microsoft.com/office/drawing/2014/main" id="{B6C73F8D-F09F-4BD1-7013-20493FFBCA05}"/>
+                </a:ext>
+              </a:extLst>
+            </p:cNvPr>
+            <p:cNvSpPr/>
+            <p:nvPr/>
+          </p:nvSpPr>
+          <p:spPr>
+            <a:xfrm rot="10800000">
+              <a:off x="5792372" y="4046660"/>
+              <a:ext cx="126970" cy="149004"/>
+            </a:xfrm>
+            <a:prstGeom prst="triangle">
+              <a:avLst/>
+            </a:prstGeom>
+          </p:spPr>
+          <p:style>
+            <a:lnRef idx="2">
+              <a:schemeClr val="dk1">
+                <a:shade val="50000"/>
+              </a:schemeClr>
+            </a:lnRef>
+            <a:fillRef idx="1">
+              <a:schemeClr val="dk1"/>
+            </a:fillRef>
+            <a:effectRef idx="0">
+              <a:schemeClr val="dk1"/>
+            </a:effectRef>
+            <a:fontRef idx="minor">
+              <a:schemeClr val="lt1"/>
+            </a:fontRef>
+          </p:style>
+          <p:txBody>
+            <a:bodyPr rtlCol="0" anchor="ctr"/>
+            <a:lstStyle/>
+            <a:p>
+              <a:pPr algn="ctr"/>
+              <a:endParaRPr kumimoji="1" lang="ja-JP" altLang="en-US"/>
+            </a:p>
+          </p:txBody>
+        </p:sp>
+        <p:sp>
+          <p:nvSpPr>
+            <p:cNvPr id="66" name="二等辺三角形 65">
+              <a:extLst>
+                <a:ext uri="{FF2B5EF4-FFF2-40B4-BE49-F238E27FC236}">
+                  <a16:creationId xmlns:a16="http://schemas.microsoft.com/office/drawing/2014/main" id="{9AE4F602-005C-91A5-D23C-11AB316032E5}"/>
+                </a:ext>
+              </a:extLst>
+            </p:cNvPr>
+            <p:cNvSpPr/>
+            <p:nvPr/>
+          </p:nvSpPr>
+          <p:spPr>
+            <a:xfrm rot="10800000">
+              <a:off x="7217365" y="4046660"/>
+              <a:ext cx="126970" cy="149004"/>
+            </a:xfrm>
+            <a:prstGeom prst="triangle">
+              <a:avLst/>
+            </a:prstGeom>
+          </p:spPr>
+          <p:style>
+            <a:lnRef idx="2">
+              <a:schemeClr val="dk1">
+                <a:shade val="50000"/>
+              </a:schemeClr>
+            </a:lnRef>
+            <a:fillRef idx="1">
+              <a:schemeClr val="dk1"/>
+            </a:fillRef>
+            <a:effectRef idx="0">
+              <a:schemeClr val="dk1"/>
+            </a:effectRef>
+            <a:fontRef idx="minor">
+              <a:schemeClr val="lt1"/>
+            </a:fontRef>
+          </p:style>
+          <p:txBody>
+            <a:bodyPr rtlCol="0" anchor="ctr"/>
+            <a:lstStyle/>
+            <a:p>
+              <a:pPr algn="ctr"/>
+              <a:endParaRPr kumimoji="1" lang="ja-JP" altLang="en-US"/>
+            </a:p>
+          </p:txBody>
+        </p:sp>
+      </p:grpSp>
+      <p:cxnSp>
+        <p:nvCxnSpPr>
+          <p:cNvPr id="68" name="直線矢印コネクタ 67">
+            <a:extLst>
+              <a:ext uri="{FF2B5EF4-FFF2-40B4-BE49-F238E27FC236}">
+                <a16:creationId xmlns:a16="http://schemas.microsoft.com/office/drawing/2014/main" id="{379DEDE1-1433-71EE-71A9-689D952A5C92}"/>
+              </a:ext>
+            </a:extLst>
+          </p:cNvPr>
+          <p:cNvCxnSpPr>
+            <a:cxnSpLocks/>
+          </p:cNvCxnSpPr>
+          <p:nvPr/>
+        </p:nvCxnSpPr>
+        <p:spPr>
+          <a:xfrm flipH="1">
+            <a:off x="8114340" y="2257724"/>
+            <a:ext cx="1315468" cy="461516"/>
+          </a:xfrm>
+          <a:prstGeom prst="straightConnector1">
+            <a:avLst/>
+          </a:prstGeom>
+          <a:ln>
+            <a:tailEnd type="triangle"/>
+          </a:ln>
+        </p:spPr>
+        <p:style>
+          <a:lnRef idx="1">
+            <a:schemeClr val="accent1"/>
+          </a:lnRef>
+          <a:fillRef idx="0">
+            <a:schemeClr val="accent1"/>
+          </a:fillRef>
+          <a:effectRef idx="0">
+            <a:schemeClr val="accent1"/>
+          </a:effectRef>
+          <a:fontRef idx="minor">
+            <a:schemeClr val="tx1"/>
+          </a:fontRef>
+        </p:style>
+      </p:cxnSp>
+      <p:sp>
+        <p:nvSpPr>
+          <p:cNvPr id="69" name="テキスト ボックス 68">
+            <a:extLst>
+              <a:ext uri="{FF2B5EF4-FFF2-40B4-BE49-F238E27FC236}">
+                <a16:creationId xmlns:a16="http://schemas.microsoft.com/office/drawing/2014/main" id="{F0D30058-4B54-88F2-0975-7FA7FA845D4F}"/>
+              </a:ext>
+            </a:extLst>
+          </p:cNvPr>
+          <p:cNvSpPr txBox="1"/>
+          <p:nvPr/>
+        </p:nvSpPr>
+        <p:spPr>
+          <a:xfrm>
+            <a:off x="9486171" y="2130710"/>
+            <a:ext cx="862737" cy="276999"/>
+          </a:xfrm>
+          <a:prstGeom prst="rect">
+            <a:avLst/>
+          </a:prstGeom>
+          <a:noFill/>
+        </p:spPr>
+        <p:txBody>
+          <a:bodyPr wrap="none" rtlCol="0">
+            <a:spAutoFit/>
+          </a:bodyPr>
+          <a:lstStyle/>
+          <a:p>
+            <a:r>
+              <a:rPr lang="en-US" altLang="ja-JP" sz="1200" dirty="0"/>
+              <a:t>Input Box</a:t>
+            </a:r>
+            <a:endParaRPr kumimoji="1" lang="ja-JP" altLang="en-US" sz="1200" dirty="0"/>
+          </a:p>
+        </p:txBody>
+      </p:sp>
+      <p:cxnSp>
+        <p:nvCxnSpPr>
+          <p:cNvPr id="70" name="直線矢印コネクタ 69">
+            <a:extLst>
+              <a:ext uri="{FF2B5EF4-FFF2-40B4-BE49-F238E27FC236}">
+                <a16:creationId xmlns:a16="http://schemas.microsoft.com/office/drawing/2014/main" id="{8940924D-AD98-436E-91BD-FA51DCEC2B9B}"/>
+              </a:ext>
+            </a:extLst>
+          </p:cNvPr>
+          <p:cNvCxnSpPr>
+            <a:cxnSpLocks/>
+          </p:cNvCxnSpPr>
+          <p:nvPr/>
+        </p:nvCxnSpPr>
+        <p:spPr>
+          <a:xfrm flipH="1">
+            <a:off x="8207701" y="3988776"/>
+            <a:ext cx="1315468" cy="461516"/>
+          </a:xfrm>
+          <a:prstGeom prst="straightConnector1">
+            <a:avLst/>
+          </a:prstGeom>
+          <a:ln>
+            <a:tailEnd type="triangle"/>
+          </a:ln>
+        </p:spPr>
+        <p:style>
+          <a:lnRef idx="1">
+            <a:schemeClr val="accent1"/>
+          </a:lnRef>
+          <a:fillRef idx="0">
+            <a:schemeClr val="accent1"/>
+          </a:fillRef>
+          <a:effectRef idx="0">
+            <a:schemeClr val="accent1"/>
+          </a:effectRef>
+          <a:fontRef idx="minor">
+            <a:schemeClr val="tx1"/>
+          </a:fontRef>
+        </p:style>
+      </p:cxnSp>
+      <p:sp>
+        <p:nvSpPr>
+          <p:cNvPr id="71" name="テキスト ボックス 70">
+            <a:extLst>
+              <a:ext uri="{FF2B5EF4-FFF2-40B4-BE49-F238E27FC236}">
+                <a16:creationId xmlns:a16="http://schemas.microsoft.com/office/drawing/2014/main" id="{6179665D-D1C3-4963-85A8-E0A5FEB7664B}"/>
+              </a:ext>
+            </a:extLst>
+          </p:cNvPr>
+          <p:cNvSpPr txBox="1"/>
+          <p:nvPr/>
+        </p:nvSpPr>
+        <p:spPr>
+          <a:xfrm>
+            <a:off x="9579532" y="3861762"/>
+            <a:ext cx="1396536" cy="1200329"/>
+          </a:xfrm>
+          <a:prstGeom prst="rect">
+            <a:avLst/>
+          </a:prstGeom>
+          <a:noFill/>
+        </p:spPr>
+        <p:txBody>
+          <a:bodyPr wrap="none" rtlCol="0">
+            <a:spAutoFit/>
+          </a:bodyPr>
+          <a:lstStyle/>
+          <a:p>
+            <a:r>
+              <a:rPr kumimoji="1" lang="en-US" altLang="ja-JP" sz="1200" dirty="0"/>
+              <a:t>Dropdown List</a:t>
+            </a:r>
+          </a:p>
+          <a:p>
+            <a:endParaRPr lang="en-US" altLang="ja-JP" sz="1200" dirty="0"/>
+          </a:p>
+          <a:p>
+            <a:r>
+              <a:rPr kumimoji="1" lang="ja-JP" altLang="en-US" sz="1200" dirty="0"/>
+              <a:t>・</a:t>
+            </a:r>
+            <a:r>
+              <a:rPr kumimoji="1" lang="en-US" altLang="ja-JP" sz="1200" dirty="0"/>
+              <a:t>year … 1~5</a:t>
+            </a:r>
+          </a:p>
+          <a:p>
+            <a:r>
+              <a:rPr lang="ja-JP" altLang="en-US" sz="1200" dirty="0"/>
+              <a:t>・</a:t>
+            </a:r>
+            <a:r>
+              <a:rPr lang="en-US" altLang="ja-JP" sz="1200" dirty="0"/>
+              <a:t>month … 1~11</a:t>
+            </a:r>
+          </a:p>
+          <a:p>
+            <a:r>
+              <a:rPr kumimoji="1" lang="ja-JP" altLang="en-US" sz="1200" dirty="0"/>
+              <a:t>・</a:t>
+            </a:r>
+            <a:r>
+              <a:rPr kumimoji="1" lang="en-US" altLang="ja-JP" sz="1200" dirty="0"/>
+              <a:t>week … 1~5</a:t>
+            </a:r>
+          </a:p>
+          <a:p>
+            <a:r>
+              <a:rPr lang="ja-JP" altLang="en-US" sz="1200" dirty="0"/>
+              <a:t>・</a:t>
+            </a:r>
+            <a:r>
+              <a:rPr lang="en-US" altLang="ja-JP" sz="1200" dirty="0"/>
+              <a:t>day … 31</a:t>
+            </a:r>
+            <a:endParaRPr kumimoji="1" lang="ja-JP" altLang="en-US" sz="1200" dirty="0"/>
+          </a:p>
+        </p:txBody>
+      </p:sp>
+    </p:spTree>
+    <p:extLst>
+      <p:ext uri="{BB962C8B-B14F-4D97-AF65-F5344CB8AC3E}">
+        <p14:creationId xmlns:p14="http://schemas.microsoft.com/office/powerpoint/2010/main" val="159052079"/>
       </p:ext>
     </p:extLst>
   </p:cSld>

--- a/GUI/GUI_image.pptx
+++ b/GUI/GUI_image.pptx
@@ -10,6 +10,7 @@
     <p:sldId id="258" r:id="rId4"/>
     <p:sldId id="259" r:id="rId5"/>
     <p:sldId id="260" r:id="rId6"/>
+    <p:sldId id="261" r:id="rId7"/>
   </p:sldIdLst>
   <p:sldSz cx="12192000" cy="6858000"/>
   <p:notesSz cx="6858000" cy="9144000"/>
@@ -263,7 +264,7 @@
           <a:p>
             <a:fld id="{28654EB9-6F90-421D-AD5F-95D881F632F5}" type="datetimeFigureOut">
               <a:rPr kumimoji="1" lang="ja-JP" altLang="en-US" smtClean="0"/>
-              <a:t>2022/9/2</a:t>
+              <a:t>2022/9/5</a:t>
             </a:fld>
             <a:endParaRPr kumimoji="1" lang="ja-JP" altLang="en-US"/>
           </a:p>
@@ -493,7 +494,7 @@
           <a:p>
             <a:fld id="{28654EB9-6F90-421D-AD5F-95D881F632F5}" type="datetimeFigureOut">
               <a:rPr kumimoji="1" lang="ja-JP" altLang="en-US" smtClean="0"/>
-              <a:t>2022/9/2</a:t>
+              <a:t>2022/9/5</a:t>
             </a:fld>
             <a:endParaRPr kumimoji="1" lang="ja-JP" altLang="en-US"/>
           </a:p>
@@ -733,7 +734,7 @@
           <a:p>
             <a:fld id="{28654EB9-6F90-421D-AD5F-95D881F632F5}" type="datetimeFigureOut">
               <a:rPr kumimoji="1" lang="ja-JP" altLang="en-US" smtClean="0"/>
-              <a:t>2022/9/2</a:t>
+              <a:t>2022/9/5</a:t>
             </a:fld>
             <a:endParaRPr kumimoji="1" lang="ja-JP" altLang="en-US"/>
           </a:p>
@@ -963,7 +964,7 @@
           <a:p>
             <a:fld id="{28654EB9-6F90-421D-AD5F-95D881F632F5}" type="datetimeFigureOut">
               <a:rPr kumimoji="1" lang="ja-JP" altLang="en-US" smtClean="0"/>
-              <a:t>2022/9/2</a:t>
+              <a:t>2022/9/5</a:t>
             </a:fld>
             <a:endParaRPr kumimoji="1" lang="ja-JP" altLang="en-US"/>
           </a:p>
@@ -1238,7 +1239,7 @@
           <a:p>
             <a:fld id="{28654EB9-6F90-421D-AD5F-95D881F632F5}" type="datetimeFigureOut">
               <a:rPr kumimoji="1" lang="ja-JP" altLang="en-US" smtClean="0"/>
-              <a:t>2022/9/2</a:t>
+              <a:t>2022/9/5</a:t>
             </a:fld>
             <a:endParaRPr kumimoji="1" lang="ja-JP" altLang="en-US"/>
           </a:p>
@@ -1567,7 +1568,7 @@
           <a:p>
             <a:fld id="{28654EB9-6F90-421D-AD5F-95D881F632F5}" type="datetimeFigureOut">
               <a:rPr kumimoji="1" lang="ja-JP" altLang="en-US" smtClean="0"/>
-              <a:t>2022/9/2</a:t>
+              <a:t>2022/9/5</a:t>
             </a:fld>
             <a:endParaRPr kumimoji="1" lang="ja-JP" altLang="en-US"/>
           </a:p>
@@ -2043,7 +2044,7 @@
           <a:p>
             <a:fld id="{28654EB9-6F90-421D-AD5F-95D881F632F5}" type="datetimeFigureOut">
               <a:rPr kumimoji="1" lang="ja-JP" altLang="en-US" smtClean="0"/>
-              <a:t>2022/9/2</a:t>
+              <a:t>2022/9/5</a:t>
             </a:fld>
             <a:endParaRPr kumimoji="1" lang="ja-JP" altLang="en-US"/>
           </a:p>
@@ -2184,7 +2185,7 @@
           <a:p>
             <a:fld id="{28654EB9-6F90-421D-AD5F-95D881F632F5}" type="datetimeFigureOut">
               <a:rPr kumimoji="1" lang="ja-JP" altLang="en-US" smtClean="0"/>
-              <a:t>2022/9/2</a:t>
+              <a:t>2022/9/5</a:t>
             </a:fld>
             <a:endParaRPr kumimoji="1" lang="ja-JP" altLang="en-US"/>
           </a:p>
@@ -2297,7 +2298,7 @@
           <a:p>
             <a:fld id="{28654EB9-6F90-421D-AD5F-95D881F632F5}" type="datetimeFigureOut">
               <a:rPr kumimoji="1" lang="ja-JP" altLang="en-US" smtClean="0"/>
-              <a:t>2022/9/2</a:t>
+              <a:t>2022/9/5</a:t>
             </a:fld>
             <a:endParaRPr kumimoji="1" lang="ja-JP" altLang="en-US"/>
           </a:p>
@@ -2640,7 +2641,7 @@
           <a:p>
             <a:fld id="{28654EB9-6F90-421D-AD5F-95D881F632F5}" type="datetimeFigureOut">
               <a:rPr kumimoji="1" lang="ja-JP" altLang="en-US" smtClean="0"/>
-              <a:t>2022/9/2</a:t>
+              <a:t>2022/9/5</a:t>
             </a:fld>
             <a:endParaRPr kumimoji="1" lang="ja-JP" altLang="en-US"/>
           </a:p>
@@ -2928,7 +2929,7 @@
           <a:p>
             <a:fld id="{28654EB9-6F90-421D-AD5F-95D881F632F5}" type="datetimeFigureOut">
               <a:rPr kumimoji="1" lang="ja-JP" altLang="en-US" smtClean="0"/>
-              <a:t>2022/9/2</a:t>
+              <a:t>2022/9/5</a:t>
             </a:fld>
             <a:endParaRPr kumimoji="1" lang="ja-JP" altLang="en-US"/>
           </a:p>
@@ -3201,7 +3202,7 @@
           <a:p>
             <a:fld id="{28654EB9-6F90-421D-AD5F-95D881F632F5}" type="datetimeFigureOut">
               <a:rPr kumimoji="1" lang="ja-JP" altLang="en-US" smtClean="0"/>
-              <a:t>2022/9/2</a:t>
+              <a:t>2022/9/5</a:t>
             </a:fld>
             <a:endParaRPr kumimoji="1" lang="ja-JP" altLang="en-US"/>
           </a:p>
@@ -9403,6 +9404,113 @@
 </p:sld>
 </file>
 
+<file path=ppt/slides/slide6.xml><?xml version="1.0" encoding="utf-8"?>
+<p:sld xmlns:a="http://schemas.openxmlformats.org/drawingml/2006/main" xmlns:r="http://schemas.openxmlformats.org/officeDocument/2006/relationships" xmlns:p="http://schemas.openxmlformats.org/presentationml/2006/main">
+  <p:cSld>
+    <p:spTree>
+      <p:nvGrpSpPr>
+        <p:cNvPr id="1" name=""/>
+        <p:cNvGrpSpPr/>
+        <p:nvPr/>
+      </p:nvGrpSpPr>
+      <p:grpSpPr>
+        <a:xfrm>
+          <a:off x="0" y="0"/>
+          <a:ext cx="0" cy="0"/>
+          <a:chOff x="0" y="0"/>
+          <a:chExt cx="0" cy="0"/>
+        </a:xfrm>
+      </p:grpSpPr>
+      <p:sp>
+        <p:nvSpPr>
+          <p:cNvPr id="2" name="テキスト ボックス 1">
+            <a:extLst>
+              <a:ext uri="{FF2B5EF4-FFF2-40B4-BE49-F238E27FC236}">
+                <a16:creationId xmlns:a16="http://schemas.microsoft.com/office/drawing/2014/main" id="{35D9B436-3ECC-7269-A683-A028BC47BE77}"/>
+              </a:ext>
+            </a:extLst>
+          </p:cNvPr>
+          <p:cNvSpPr txBox="1"/>
+          <p:nvPr/>
+        </p:nvSpPr>
+        <p:spPr>
+          <a:xfrm>
+            <a:off x="999460" y="861237"/>
+            <a:ext cx="2630848" cy="1200329"/>
+          </a:xfrm>
+          <a:prstGeom prst="rect">
+            <a:avLst/>
+          </a:prstGeom>
+          <a:noFill/>
+        </p:spPr>
+        <p:txBody>
+          <a:bodyPr wrap="none" rtlCol="0">
+            <a:spAutoFit/>
+          </a:bodyPr>
+          <a:lstStyle/>
+          <a:p>
+            <a:r>
+              <a:rPr kumimoji="1" lang="ja-JP" altLang="en-US" dirty="0"/>
+              <a:t>・</a:t>
+            </a:r>
+            <a:r>
+              <a:rPr kumimoji="1" lang="en-US" altLang="ja-JP" dirty="0"/>
+              <a:t>root</a:t>
+            </a:r>
+            <a:r>
+              <a:rPr kumimoji="1" lang="ja-JP" altLang="en-US" dirty="0"/>
+              <a:t>は正方形でいい</a:t>
+            </a:r>
+            <a:endParaRPr kumimoji="1" lang="en-US" altLang="ja-JP" dirty="0"/>
+          </a:p>
+          <a:p>
+            <a:r>
+              <a:rPr lang="ja-JP" altLang="en-US" dirty="0"/>
+              <a:t>・縦ラインは</a:t>
+            </a:r>
+            <a:r>
+              <a:rPr lang="en-US" altLang="ja-JP" dirty="0"/>
+              <a:t>1/4</a:t>
+            </a:r>
+            <a:r>
+              <a:rPr lang="ja-JP" altLang="en-US" dirty="0"/>
+              <a:t>辺</a:t>
+            </a:r>
+            <a:endParaRPr lang="en-US" altLang="ja-JP" dirty="0"/>
+          </a:p>
+          <a:p>
+            <a:r>
+              <a:rPr lang="ja-JP" altLang="en-US" dirty="0"/>
+              <a:t>・タイトル部分は</a:t>
+            </a:r>
+            <a:r>
+              <a:rPr lang="en-US" altLang="ja-JP" dirty="0"/>
+              <a:t>1/6</a:t>
+            </a:r>
+            <a:r>
+              <a:rPr lang="ja-JP" altLang="en-US" dirty="0"/>
+              <a:t>辺</a:t>
+            </a:r>
+            <a:endParaRPr lang="en-US" altLang="ja-JP" dirty="0"/>
+          </a:p>
+          <a:p>
+            <a:endParaRPr kumimoji="1" lang="ja-JP" altLang="en-US" dirty="0"/>
+          </a:p>
+        </p:txBody>
+      </p:sp>
+    </p:spTree>
+    <p:extLst>
+      <p:ext uri="{BB962C8B-B14F-4D97-AF65-F5344CB8AC3E}">
+        <p14:creationId xmlns:p14="http://schemas.microsoft.com/office/powerpoint/2010/main" val="1979818050"/>
+      </p:ext>
+    </p:extLst>
+  </p:cSld>
+  <p:clrMapOvr>
+    <a:masterClrMapping/>
+  </p:clrMapOvr>
+</p:sld>
+</file>
+
 <file path=ppt/theme/theme1.xml><?xml version="1.0" encoding="utf-8"?>
 <a:theme xmlns:a="http://schemas.openxmlformats.org/drawingml/2006/main" name="Office テーマ">
   <a:themeElements>
